--- a/Spring 2022/Comp II/Writing Project 3/Online Learning.pptx
+++ b/Spring 2022/Comp II/Writing Project 3/Online Learning.pptx
@@ -2,7 +2,7 @@
 <file path=ppt/presentation.xml><?xml version="1.0" encoding="utf-8"?>
 <p:presentation xmlns:a="http://schemas.openxmlformats.org/drawingml/2006/main" xmlns:r="http://schemas.openxmlformats.org/officeDocument/2006/relationships" xmlns:p="http://schemas.openxmlformats.org/presentationml/2006/main" saveSubsetFonts="1">
   <p:sldMasterIdLst>
-    <p:sldMasterId id="2147483648" r:id="rId1"/>
+    <p:sldMasterId id="2147483660" r:id="rId1"/>
   </p:sldMasterIdLst>
   <p:sldIdLst>
     <p:sldId id="256" r:id="rId2"/>
@@ -17,6 +17,7 @@
     <p:sldId id="264" r:id="rId11"/>
     <p:sldId id="265" r:id="rId12"/>
     <p:sldId id="266" r:id="rId13"/>
+    <p:sldId id="268" r:id="rId14"/>
   </p:sldIdLst>
   <p:sldSz cx="12192000" cy="6858000"/>
   <p:notesSz cx="6858000" cy="9144000"/>
@@ -24,7 +25,7 @@
     <a:defPPr>
       <a:defRPr lang="en-US"/>
     </a:defPPr>
-    <a:lvl1pPr marL="0" algn="l" defTabSz="914400" rtl="0" eaLnBrk="1" latinLnBrk="0" hangingPunct="1">
+    <a:lvl1pPr marL="0" algn="l" defTabSz="457200" rtl="0" eaLnBrk="1" latinLnBrk="0" hangingPunct="1">
       <a:defRPr sz="1800" kern="1200">
         <a:solidFill>
           <a:schemeClr val="tx1"/>
@@ -34,7 +35,7 @@
         <a:cs typeface="+mn-cs"/>
       </a:defRPr>
     </a:lvl1pPr>
-    <a:lvl2pPr marL="457200" algn="l" defTabSz="914400" rtl="0" eaLnBrk="1" latinLnBrk="0" hangingPunct="1">
+    <a:lvl2pPr marL="457200" algn="l" defTabSz="457200" rtl="0" eaLnBrk="1" latinLnBrk="0" hangingPunct="1">
       <a:defRPr sz="1800" kern="1200">
         <a:solidFill>
           <a:schemeClr val="tx1"/>
@@ -44,7 +45,7 @@
         <a:cs typeface="+mn-cs"/>
       </a:defRPr>
     </a:lvl2pPr>
-    <a:lvl3pPr marL="914400" algn="l" defTabSz="914400" rtl="0" eaLnBrk="1" latinLnBrk="0" hangingPunct="1">
+    <a:lvl3pPr marL="914400" algn="l" defTabSz="457200" rtl="0" eaLnBrk="1" latinLnBrk="0" hangingPunct="1">
       <a:defRPr sz="1800" kern="1200">
         <a:solidFill>
           <a:schemeClr val="tx1"/>
@@ -54,7 +55,7 @@
         <a:cs typeface="+mn-cs"/>
       </a:defRPr>
     </a:lvl3pPr>
-    <a:lvl4pPr marL="1371600" algn="l" defTabSz="914400" rtl="0" eaLnBrk="1" latinLnBrk="0" hangingPunct="1">
+    <a:lvl4pPr marL="1371600" algn="l" defTabSz="457200" rtl="0" eaLnBrk="1" latinLnBrk="0" hangingPunct="1">
       <a:defRPr sz="1800" kern="1200">
         <a:solidFill>
           <a:schemeClr val="tx1"/>
@@ -64,7 +65,7 @@
         <a:cs typeface="+mn-cs"/>
       </a:defRPr>
     </a:lvl4pPr>
-    <a:lvl5pPr marL="1828800" algn="l" defTabSz="914400" rtl="0" eaLnBrk="1" latinLnBrk="0" hangingPunct="1">
+    <a:lvl5pPr marL="1828800" algn="l" defTabSz="457200" rtl="0" eaLnBrk="1" latinLnBrk="0" hangingPunct="1">
       <a:defRPr sz="1800" kern="1200">
         <a:solidFill>
           <a:schemeClr val="tx1"/>
@@ -74,7 +75,7 @@
         <a:cs typeface="+mn-cs"/>
       </a:defRPr>
     </a:lvl5pPr>
-    <a:lvl6pPr marL="2286000" algn="l" defTabSz="914400" rtl="0" eaLnBrk="1" latinLnBrk="0" hangingPunct="1">
+    <a:lvl6pPr marL="2286000" algn="l" defTabSz="457200" rtl="0" eaLnBrk="1" latinLnBrk="0" hangingPunct="1">
       <a:defRPr sz="1800" kern="1200">
         <a:solidFill>
           <a:schemeClr val="tx1"/>
@@ -84,7 +85,7 @@
         <a:cs typeface="+mn-cs"/>
       </a:defRPr>
     </a:lvl6pPr>
-    <a:lvl7pPr marL="2743200" algn="l" defTabSz="914400" rtl="0" eaLnBrk="1" latinLnBrk="0" hangingPunct="1">
+    <a:lvl7pPr marL="2743200" algn="l" defTabSz="457200" rtl="0" eaLnBrk="1" latinLnBrk="0" hangingPunct="1">
       <a:defRPr sz="1800" kern="1200">
         <a:solidFill>
           <a:schemeClr val="tx1"/>
@@ -94,7 +95,7 @@
         <a:cs typeface="+mn-cs"/>
       </a:defRPr>
     </a:lvl7pPr>
-    <a:lvl8pPr marL="3200400" algn="l" defTabSz="914400" rtl="0" eaLnBrk="1" latinLnBrk="0" hangingPunct="1">
+    <a:lvl8pPr marL="3200400" algn="l" defTabSz="457200" rtl="0" eaLnBrk="1" latinLnBrk="0" hangingPunct="1">
       <a:defRPr sz="1800" kern="1200">
         <a:solidFill>
           <a:schemeClr val="tx1"/>
@@ -104,7 +105,7 @@
         <a:cs typeface="+mn-cs"/>
       </a:defRPr>
     </a:lvl8pPr>
-    <a:lvl9pPr marL="3657600" algn="l" defTabSz="914400" rtl="0" eaLnBrk="1" latinLnBrk="0" hangingPunct="1">
+    <a:lvl9pPr marL="3657600" algn="l" defTabSz="457200" rtl="0" eaLnBrk="1" latinLnBrk="0" hangingPunct="1">
       <a:defRPr sz="1800" kern="1200">
         <a:solidFill>
           <a:schemeClr val="tx1"/>
@@ -124,8 +125,18 @@
 </file>
 
 <file path=ppt/slideLayouts/slideLayout1.xml><?xml version="1.0" encoding="utf-8"?>
-<p:sldLayout xmlns:a="http://schemas.openxmlformats.org/drawingml/2006/main" xmlns:r="http://schemas.openxmlformats.org/officeDocument/2006/relationships" xmlns:p="http://schemas.openxmlformats.org/presentationml/2006/main" type="title" preserve="1">
+<p:sldLayout xmlns:a="http://schemas.openxmlformats.org/drawingml/2006/main" xmlns:r="http://schemas.openxmlformats.org/officeDocument/2006/relationships" xmlns:p="http://schemas.openxmlformats.org/presentationml/2006/main" showMasterSp="0" type="title" preserve="1">
   <p:cSld name="Title Slide">
+    <p:bg>
+      <p:bgPr>
+        <a:solidFill>
+          <a:schemeClr val="bg2">
+            <a:lumMod val="75000"/>
+          </a:schemeClr>
+        </a:solidFill>
+        <a:effectLst/>
+      </p:bgPr>
+    </p:bg>
     <p:spTree>
       <p:nvGrpSpPr>
         <p:cNvPr id="1" name=""/>
@@ -142,13 +153,7 @@
       </p:grpSpPr>
       <p:sp>
         <p:nvSpPr>
-          <p:cNvPr id="2" name="Title 1">
-            <a:extLst>
-              <a:ext uri="{FF2B5EF4-FFF2-40B4-BE49-F238E27FC236}">
-                <a16:creationId xmlns:a16="http://schemas.microsoft.com/office/drawing/2014/main" id="{812AADBB-B7BB-4A59-A912-DE81CED9438B}"/>
-              </a:ext>
-            </a:extLst>
-          </p:cNvPr>
+          <p:cNvPr id="2" name="Title 1"/>
           <p:cNvSpPr>
             <a:spLocks noGrp="1"/>
           </p:cNvSpPr>
@@ -158,15 +163,24 @@
         </p:nvSpPr>
         <p:spPr>
           <a:xfrm>
-            <a:off x="1524000" y="1122363"/>
-            <a:ext cx="9144000" cy="2387600"/>
+            <a:off x="1261872" y="758952"/>
+            <a:ext cx="9418320" cy="4041648"/>
           </a:xfrm>
         </p:spPr>
         <p:txBody>
-          <a:bodyPr anchor="b"/>
+          <a:bodyPr anchor="b">
+            <a:normAutofit/>
+          </a:bodyPr>
           <a:lstStyle>
-            <a:lvl1pPr algn="ctr">
-              <a:defRPr sz="6000"/>
+            <a:lvl1pPr algn="l">
+              <a:lnSpc>
+                <a:spcPct val="85000"/>
+              </a:lnSpc>
+              <a:defRPr sz="7200" baseline="0">
+                <a:solidFill>
+                  <a:schemeClr val="tx1"/>
+                </a:solidFill>
+              </a:defRPr>
             </a:lvl1pPr>
           </a:lstStyle>
           <a:p>
@@ -174,18 +188,13 @@
               <a:rPr lang="en-US"/>
               <a:t>Click to edit Master title style</a:t>
             </a:r>
-          </a:p>
-        </p:txBody>
-      </p:sp>
-      <p:sp>
-        <p:nvSpPr>
-          <p:cNvPr id="3" name="Subtitle 2">
-            <a:extLst>
-              <a:ext uri="{FF2B5EF4-FFF2-40B4-BE49-F238E27FC236}">
-                <a16:creationId xmlns:a16="http://schemas.microsoft.com/office/drawing/2014/main" id="{8455C38A-80D5-4607-B6A0-11C136E47DA0}"/>
-              </a:ext>
-            </a:extLst>
-          </p:cNvPr>
+            <a:endParaRPr lang="en-US" dirty="0"/>
+          </a:p>
+        </p:txBody>
+      </p:sp>
+      <p:sp>
+        <p:nvSpPr>
+          <p:cNvPr id="3" name="Subtitle 2"/>
           <p:cNvSpPr>
             <a:spLocks noGrp="1"/>
           </p:cNvSpPr>
@@ -195,48 +204,56 @@
         </p:nvSpPr>
         <p:spPr>
           <a:xfrm>
-            <a:off x="1524000" y="3602038"/>
-            <a:ext cx="9144000" cy="1655762"/>
+            <a:off x="1261872" y="4800600"/>
+            <a:ext cx="9418320" cy="1691640"/>
           </a:xfrm>
         </p:spPr>
         <p:txBody>
-          <a:bodyPr/>
+          <a:bodyPr>
+            <a:normAutofit/>
+          </a:bodyPr>
           <a:lstStyle>
-            <a:lvl1pPr marL="0" indent="0" algn="ctr">
-              <a:buNone/>
-              <a:defRPr sz="2400"/>
+            <a:lvl1pPr marL="0" indent="0" algn="l">
+              <a:buNone/>
+              <a:defRPr sz="2200" baseline="0">
+                <a:solidFill>
+                  <a:schemeClr val="tx1">
+                    <a:lumMod val="75000"/>
+                  </a:schemeClr>
+                </a:solidFill>
+              </a:defRPr>
             </a:lvl1pPr>
             <a:lvl2pPr marL="457200" indent="0" algn="ctr">
               <a:buNone/>
-              <a:defRPr sz="2000"/>
+              <a:defRPr sz="2200"/>
             </a:lvl2pPr>
             <a:lvl3pPr marL="914400" indent="0" algn="ctr">
               <a:buNone/>
-              <a:defRPr sz="1800"/>
+              <a:defRPr sz="2200"/>
             </a:lvl3pPr>
             <a:lvl4pPr marL="1371600" indent="0" algn="ctr">
               <a:buNone/>
-              <a:defRPr sz="1600"/>
+              <a:defRPr sz="2000"/>
             </a:lvl4pPr>
             <a:lvl5pPr marL="1828800" indent="0" algn="ctr">
               <a:buNone/>
-              <a:defRPr sz="1600"/>
+              <a:defRPr sz="2000"/>
             </a:lvl5pPr>
             <a:lvl6pPr marL="2286000" indent="0" algn="ctr">
               <a:buNone/>
-              <a:defRPr sz="1600"/>
+              <a:defRPr sz="2000"/>
             </a:lvl6pPr>
             <a:lvl7pPr marL="2743200" indent="0" algn="ctr">
               <a:buNone/>
-              <a:defRPr sz="1600"/>
+              <a:defRPr sz="2000"/>
             </a:lvl7pPr>
             <a:lvl8pPr marL="3200400" indent="0" algn="ctr">
               <a:buNone/>
-              <a:defRPr sz="1600"/>
+              <a:defRPr sz="2000"/>
             </a:lvl8pPr>
             <a:lvl9pPr marL="3657600" indent="0" algn="ctr">
               <a:buNone/>
-              <a:defRPr sz="1600"/>
+              <a:defRPr sz="2000"/>
             </a:lvl9pPr>
           </a:lstStyle>
           <a:p>
@@ -244,18 +261,13 @@
               <a:rPr lang="en-US"/>
               <a:t>Click to edit Master subtitle style</a:t>
             </a:r>
-          </a:p>
-        </p:txBody>
-      </p:sp>
-      <p:sp>
-        <p:nvSpPr>
-          <p:cNvPr id="4" name="Date Placeholder 3">
-            <a:extLst>
-              <a:ext uri="{FF2B5EF4-FFF2-40B4-BE49-F238E27FC236}">
-                <a16:creationId xmlns:a16="http://schemas.microsoft.com/office/drawing/2014/main" id="{BFF5ADAA-E7F5-4DD4-938B-49D7FFF2BCB7}"/>
-              </a:ext>
-            </a:extLst>
-          </p:cNvPr>
+            <a:endParaRPr lang="en-US" dirty="0"/>
+          </a:p>
+        </p:txBody>
+      </p:sp>
+      <p:sp>
+        <p:nvSpPr>
+          <p:cNvPr id="4" name="Date Placeholder 3"/>
           <p:cNvSpPr>
             <a:spLocks noGrp="1"/>
           </p:cNvSpPr>
@@ -266,11 +278,21 @@
         <p:spPr/>
         <p:txBody>
           <a:bodyPr/>
-          <a:lstStyle/>
+          <a:lstStyle>
+            <a:lvl1pPr>
+              <a:defRPr>
+                <a:solidFill>
+                  <a:schemeClr val="tx1">
+                    <a:lumMod val="50000"/>
+                  </a:schemeClr>
+                </a:solidFill>
+              </a:defRPr>
+            </a:lvl1pPr>
+          </a:lstStyle>
           <a:p>
             <a:fld id="{06E59AF1-6C9D-4363-8624-D795C4A4ED21}" type="datetimeFigureOut">
               <a:rPr lang="en-US" smtClean="0"/>
-              <a:t>4/28/2022</a:t>
+              <a:t>5/1/2022</a:t>
             </a:fld>
             <a:endParaRPr lang="en-US"/>
           </a:p>
@@ -278,13 +300,7 @@
       </p:sp>
       <p:sp>
         <p:nvSpPr>
-          <p:cNvPr id="5" name="Footer Placeholder 4">
-            <a:extLst>
-              <a:ext uri="{FF2B5EF4-FFF2-40B4-BE49-F238E27FC236}">
-                <a16:creationId xmlns:a16="http://schemas.microsoft.com/office/drawing/2014/main" id="{7CF10909-0B3A-4825-B209-A81FE32626B5}"/>
-              </a:ext>
-            </a:extLst>
-          </p:cNvPr>
+          <p:cNvPr id="5" name="Footer Placeholder 4"/>
           <p:cNvSpPr>
             <a:spLocks noGrp="1"/>
           </p:cNvSpPr>
@@ -295,7 +311,17 @@
         <p:spPr/>
         <p:txBody>
           <a:bodyPr/>
-          <a:lstStyle/>
+          <a:lstStyle>
+            <a:lvl1pPr>
+              <a:defRPr>
+                <a:solidFill>
+                  <a:schemeClr val="tx1">
+                    <a:lumMod val="65000"/>
+                  </a:schemeClr>
+                </a:solidFill>
+              </a:defRPr>
+            </a:lvl1pPr>
+          </a:lstStyle>
           <a:p>
             <a:endParaRPr lang="en-US"/>
           </a:p>
@@ -303,13 +329,7 @@
       </p:sp>
       <p:sp>
         <p:nvSpPr>
-          <p:cNvPr id="6" name="Slide Number Placeholder 5">
-            <a:extLst>
-              <a:ext uri="{FF2B5EF4-FFF2-40B4-BE49-F238E27FC236}">
-                <a16:creationId xmlns:a16="http://schemas.microsoft.com/office/drawing/2014/main" id="{089111E9-2994-4433-AF67-2B6277C6D247}"/>
-              </a:ext>
-            </a:extLst>
-          </p:cNvPr>
+          <p:cNvPr id="6" name="Slide Number Placeholder 5"/>
           <p:cNvSpPr>
             <a:spLocks noGrp="1"/>
           </p:cNvSpPr>
@@ -320,7 +340,17 @@
         <p:spPr/>
         <p:txBody>
           <a:bodyPr/>
-          <a:lstStyle/>
+          <a:lstStyle>
+            <a:lvl1pPr>
+              <a:defRPr>
+                <a:solidFill>
+                  <a:schemeClr val="tx1">
+                    <a:lumMod val="65000"/>
+                  </a:schemeClr>
+                </a:solidFill>
+              </a:defRPr>
+            </a:lvl1pPr>
+          </a:lstStyle>
           <a:p>
             <a:fld id="{EA419980-B80D-47A3-BD4E-3F3BAB91D4EF}" type="slidenum">
               <a:rPr lang="en-US" smtClean="0"/>
@@ -330,15 +360,53 @@
           </a:p>
         </p:txBody>
       </p:sp>
+      <p:sp>
+        <p:nvSpPr>
+          <p:cNvPr id="7" name="Rectangle 6"/>
+          <p:cNvSpPr/>
+          <p:nvPr/>
+        </p:nvSpPr>
+        <p:spPr>
+          <a:xfrm>
+            <a:off x="0" y="0"/>
+            <a:ext cx="457200" cy="6858000"/>
+          </a:xfrm>
+          <a:prstGeom prst="rect">
+            <a:avLst/>
+          </a:prstGeom>
+          <a:solidFill>
+            <a:schemeClr val="accent1"/>
+          </a:solidFill>
+          <a:ln>
+            <a:noFill/>
+          </a:ln>
+        </p:spPr>
+        <p:style>
+          <a:lnRef idx="2">
+            <a:schemeClr val="accent1">
+              <a:shade val="50000"/>
+            </a:schemeClr>
+          </a:lnRef>
+          <a:fillRef idx="1">
+            <a:schemeClr val="accent1"/>
+          </a:fillRef>
+          <a:effectRef idx="0">
+            <a:schemeClr val="accent1"/>
+          </a:effectRef>
+          <a:fontRef idx="minor">
+            <a:schemeClr val="lt1"/>
+          </a:fontRef>
+        </p:style>
+      </p:sp>
     </p:spTree>
     <p:extLst>
       <p:ext uri="{BB962C8B-B14F-4D97-AF65-F5344CB8AC3E}">
-        <p14:creationId xmlns:p14="http://schemas.microsoft.com/office/powerpoint/2010/main" val="490475312"/>
+        <p14:creationId xmlns:p14="http://schemas.microsoft.com/office/powerpoint/2010/main" val="2409971742"/>
       </p:ext>
     </p:extLst>
   </p:cSld>
   <p:clrMapOvr>
-    <a:masterClrMapping/>
+    <a:overrideClrMapping bg1="dk1" tx1="lt1" bg2="dk2" tx2="lt2" accent1="accent1" accent2="accent2" accent3="accent3" accent4="accent4" accent5="accent5" accent6="accent6" hlink="hlink" folHlink="folHlink"/>
   </p:clrMapOvr>
 </p:sldLayout>
 </file>
@@ -362,13 +430,7 @@
       </p:grpSpPr>
       <p:sp>
         <p:nvSpPr>
-          <p:cNvPr id="2" name="Title 1">
-            <a:extLst>
-              <a:ext uri="{FF2B5EF4-FFF2-40B4-BE49-F238E27FC236}">
-                <a16:creationId xmlns:a16="http://schemas.microsoft.com/office/drawing/2014/main" id="{1BE34D91-6F95-4BC7-AED9-51CD3314C5AD}"/>
-              </a:ext>
-            </a:extLst>
-          </p:cNvPr>
+          <p:cNvPr id="2" name="Title 1"/>
           <p:cNvSpPr>
             <a:spLocks noGrp="1"/>
           </p:cNvSpPr>
@@ -385,18 +447,13 @@
               <a:rPr lang="en-US"/>
               <a:t>Click to edit Master title style</a:t>
             </a:r>
-          </a:p>
-        </p:txBody>
-      </p:sp>
-      <p:sp>
-        <p:nvSpPr>
-          <p:cNvPr id="3" name="Vertical Text Placeholder 2">
-            <a:extLst>
-              <a:ext uri="{FF2B5EF4-FFF2-40B4-BE49-F238E27FC236}">
-                <a16:creationId xmlns:a16="http://schemas.microsoft.com/office/drawing/2014/main" id="{CF41E12B-74A7-41FB-AD38-9FBDBA328F1E}"/>
-              </a:ext>
-            </a:extLst>
-          </p:cNvPr>
+            <a:endParaRPr lang="en-US" dirty="0"/>
+          </a:p>
+        </p:txBody>
+      </p:sp>
+      <p:sp>
+        <p:nvSpPr>
+          <p:cNvPr id="3" name="Vertical Text Placeholder 2"/>
           <p:cNvSpPr>
             <a:spLocks noGrp="1"/>
           </p:cNvSpPr>
@@ -442,18 +499,13 @@
               <a:rPr lang="en-US"/>
               <a:t>Fifth level</a:t>
             </a:r>
-          </a:p>
-        </p:txBody>
-      </p:sp>
-      <p:sp>
-        <p:nvSpPr>
-          <p:cNvPr id="4" name="Date Placeholder 3">
-            <a:extLst>
-              <a:ext uri="{FF2B5EF4-FFF2-40B4-BE49-F238E27FC236}">
-                <a16:creationId xmlns:a16="http://schemas.microsoft.com/office/drawing/2014/main" id="{1EE4DBAB-3242-40A1-92CB-C575DBB3D81F}"/>
-              </a:ext>
-            </a:extLst>
-          </p:cNvPr>
+            <a:endParaRPr lang="en-US" dirty="0"/>
+          </a:p>
+        </p:txBody>
+      </p:sp>
+      <p:sp>
+        <p:nvSpPr>
+          <p:cNvPr id="4" name="Date Placeholder 3"/>
           <p:cNvSpPr>
             <a:spLocks noGrp="1"/>
           </p:cNvSpPr>
@@ -468,7 +520,7 @@
           <a:p>
             <a:fld id="{06E59AF1-6C9D-4363-8624-D795C4A4ED21}" type="datetimeFigureOut">
               <a:rPr lang="en-US" smtClean="0"/>
-              <a:t>4/28/2022</a:t>
+              <a:t>5/1/2022</a:t>
             </a:fld>
             <a:endParaRPr lang="en-US"/>
           </a:p>
@@ -476,13 +528,7 @@
       </p:sp>
       <p:sp>
         <p:nvSpPr>
-          <p:cNvPr id="5" name="Footer Placeholder 4">
-            <a:extLst>
-              <a:ext uri="{FF2B5EF4-FFF2-40B4-BE49-F238E27FC236}">
-                <a16:creationId xmlns:a16="http://schemas.microsoft.com/office/drawing/2014/main" id="{1AA1E855-E90D-4A33-96BF-727BDF26CD39}"/>
-              </a:ext>
-            </a:extLst>
-          </p:cNvPr>
+          <p:cNvPr id="5" name="Footer Placeholder 4"/>
           <p:cNvSpPr>
             <a:spLocks noGrp="1"/>
           </p:cNvSpPr>
@@ -501,13 +547,7 @@
       </p:sp>
       <p:sp>
         <p:nvSpPr>
-          <p:cNvPr id="6" name="Slide Number Placeholder 5">
-            <a:extLst>
-              <a:ext uri="{FF2B5EF4-FFF2-40B4-BE49-F238E27FC236}">
-                <a16:creationId xmlns:a16="http://schemas.microsoft.com/office/drawing/2014/main" id="{D3F11FA3-680B-4FB9-AAA2-9D6C092BAA42}"/>
-              </a:ext>
-            </a:extLst>
-          </p:cNvPr>
+          <p:cNvPr id="6" name="Slide Number Placeholder 5"/>
           <p:cNvSpPr>
             <a:spLocks noGrp="1"/>
           </p:cNvSpPr>
@@ -531,7 +571,7 @@
     </p:spTree>
     <p:extLst>
       <p:ext uri="{BB962C8B-B14F-4D97-AF65-F5344CB8AC3E}">
-        <p14:creationId xmlns:p14="http://schemas.microsoft.com/office/powerpoint/2010/main" val="841248447"/>
+        <p14:creationId xmlns:p14="http://schemas.microsoft.com/office/powerpoint/2010/main" val="3543151334"/>
       </p:ext>
     </p:extLst>
   </p:cSld>
@@ -560,13 +600,7 @@
       </p:grpSpPr>
       <p:sp>
         <p:nvSpPr>
-          <p:cNvPr id="2" name="Vertical Title 1">
-            <a:extLst>
-              <a:ext uri="{FF2B5EF4-FFF2-40B4-BE49-F238E27FC236}">
-                <a16:creationId xmlns:a16="http://schemas.microsoft.com/office/drawing/2014/main" id="{1C4BF50F-BCF9-4CE0-BD13-26534DF0AA8F}"/>
-              </a:ext>
-            </a:extLst>
-          </p:cNvPr>
+          <p:cNvPr id="2" name="Vertical Title 1"/>
           <p:cNvSpPr>
             <a:spLocks noGrp="1"/>
           </p:cNvSpPr>
@@ -576,8 +610,8 @@
         </p:nvSpPr>
         <p:spPr>
           <a:xfrm>
-            <a:off x="8724900" y="365125"/>
-            <a:ext cx="2628900" cy="5811838"/>
+            <a:off x="8648700" y="381000"/>
+            <a:ext cx="2476500" cy="5897562"/>
           </a:xfrm>
         </p:spPr>
         <p:txBody>
@@ -588,18 +622,13 @@
               <a:rPr lang="en-US"/>
               <a:t>Click to edit Master title style</a:t>
             </a:r>
-          </a:p>
-        </p:txBody>
-      </p:sp>
-      <p:sp>
-        <p:nvSpPr>
-          <p:cNvPr id="3" name="Vertical Text Placeholder 2">
-            <a:extLst>
-              <a:ext uri="{FF2B5EF4-FFF2-40B4-BE49-F238E27FC236}">
-                <a16:creationId xmlns:a16="http://schemas.microsoft.com/office/drawing/2014/main" id="{C7D76361-93C3-4D48-AA58-59C778250454}"/>
-              </a:ext>
-            </a:extLst>
-          </p:cNvPr>
+            <a:endParaRPr lang="en-US" dirty="0"/>
+          </a:p>
+        </p:txBody>
+      </p:sp>
+      <p:sp>
+        <p:nvSpPr>
+          <p:cNvPr id="3" name="Vertical Text Placeholder 2"/>
           <p:cNvSpPr>
             <a:spLocks noGrp="1"/>
           </p:cNvSpPr>
@@ -609,8 +638,8 @@
         </p:nvSpPr>
         <p:spPr>
           <a:xfrm>
-            <a:off x="838200" y="365125"/>
-            <a:ext cx="7734300" cy="5811838"/>
+            <a:off x="762000" y="381000"/>
+            <a:ext cx="7734300" cy="5897562"/>
           </a:xfrm>
         </p:spPr>
         <p:txBody>
@@ -650,18 +679,13 @@
               <a:rPr lang="en-US"/>
               <a:t>Fifth level</a:t>
             </a:r>
-          </a:p>
-        </p:txBody>
-      </p:sp>
-      <p:sp>
-        <p:nvSpPr>
-          <p:cNvPr id="4" name="Date Placeholder 3">
-            <a:extLst>
-              <a:ext uri="{FF2B5EF4-FFF2-40B4-BE49-F238E27FC236}">
-                <a16:creationId xmlns:a16="http://schemas.microsoft.com/office/drawing/2014/main" id="{DE7E3F39-DACA-4369-AEEB-9C4629110ECE}"/>
-              </a:ext>
-            </a:extLst>
-          </p:cNvPr>
+            <a:endParaRPr lang="en-US" dirty="0"/>
+          </a:p>
+        </p:txBody>
+      </p:sp>
+      <p:sp>
+        <p:nvSpPr>
+          <p:cNvPr id="4" name="Date Placeholder 3"/>
           <p:cNvSpPr>
             <a:spLocks noGrp="1"/>
           </p:cNvSpPr>
@@ -676,7 +700,7 @@
           <a:p>
             <a:fld id="{06E59AF1-6C9D-4363-8624-D795C4A4ED21}" type="datetimeFigureOut">
               <a:rPr lang="en-US" smtClean="0"/>
-              <a:t>4/28/2022</a:t>
+              <a:t>5/1/2022</a:t>
             </a:fld>
             <a:endParaRPr lang="en-US"/>
           </a:p>
@@ -684,13 +708,7 @@
       </p:sp>
       <p:sp>
         <p:nvSpPr>
-          <p:cNvPr id="5" name="Footer Placeholder 4">
-            <a:extLst>
-              <a:ext uri="{FF2B5EF4-FFF2-40B4-BE49-F238E27FC236}">
-                <a16:creationId xmlns:a16="http://schemas.microsoft.com/office/drawing/2014/main" id="{2DA61C5A-74F5-43C3-80CA-F28B577578B4}"/>
-              </a:ext>
-            </a:extLst>
-          </p:cNvPr>
+          <p:cNvPr id="5" name="Footer Placeholder 4"/>
           <p:cNvSpPr>
             <a:spLocks noGrp="1"/>
           </p:cNvSpPr>
@@ -709,13 +727,7 @@
       </p:sp>
       <p:sp>
         <p:nvSpPr>
-          <p:cNvPr id="6" name="Slide Number Placeholder 5">
-            <a:extLst>
-              <a:ext uri="{FF2B5EF4-FFF2-40B4-BE49-F238E27FC236}">
-                <a16:creationId xmlns:a16="http://schemas.microsoft.com/office/drawing/2014/main" id="{08F2E820-5C6F-4D5D-BEFF-C07389FB8A6F}"/>
-              </a:ext>
-            </a:extLst>
-          </p:cNvPr>
+          <p:cNvPr id="6" name="Slide Number Placeholder 5"/>
           <p:cNvSpPr>
             <a:spLocks noGrp="1"/>
           </p:cNvSpPr>
@@ -739,7 +751,7 @@
     </p:spTree>
     <p:extLst>
       <p:ext uri="{BB962C8B-B14F-4D97-AF65-F5344CB8AC3E}">
-        <p14:creationId xmlns:p14="http://schemas.microsoft.com/office/powerpoint/2010/main" val="2593612820"/>
+        <p14:creationId xmlns:p14="http://schemas.microsoft.com/office/powerpoint/2010/main" val="3730750325"/>
       </p:ext>
     </p:extLst>
   </p:cSld>
@@ -768,13 +780,7 @@
       </p:grpSpPr>
       <p:sp>
         <p:nvSpPr>
-          <p:cNvPr id="2" name="Title 1">
-            <a:extLst>
-              <a:ext uri="{FF2B5EF4-FFF2-40B4-BE49-F238E27FC236}">
-                <a16:creationId xmlns:a16="http://schemas.microsoft.com/office/drawing/2014/main" id="{DCDB7C95-5BCB-4E91-AE5B-B17B71225703}"/>
-              </a:ext>
-            </a:extLst>
-          </p:cNvPr>
+          <p:cNvPr id="2" name="Title 1"/>
           <p:cNvSpPr>
             <a:spLocks noGrp="1"/>
           </p:cNvSpPr>
@@ -791,18 +797,13 @@
               <a:rPr lang="en-US"/>
               <a:t>Click to edit Master title style</a:t>
             </a:r>
-          </a:p>
-        </p:txBody>
-      </p:sp>
-      <p:sp>
-        <p:nvSpPr>
-          <p:cNvPr id="3" name="Content Placeholder 2">
-            <a:extLst>
-              <a:ext uri="{FF2B5EF4-FFF2-40B4-BE49-F238E27FC236}">
-                <a16:creationId xmlns:a16="http://schemas.microsoft.com/office/drawing/2014/main" id="{E2A89036-3C25-475F-A081-50DCFB6A8755}"/>
-              </a:ext>
-            </a:extLst>
-          </p:cNvPr>
+            <a:endParaRPr lang="en-US" dirty="0"/>
+          </a:p>
+        </p:txBody>
+      </p:sp>
+      <p:sp>
+        <p:nvSpPr>
+          <p:cNvPr id="3" name="Content Placeholder 2"/>
           <p:cNvSpPr>
             <a:spLocks noGrp="1"/>
           </p:cNvSpPr>
@@ -848,18 +849,13 @@
               <a:rPr lang="en-US"/>
               <a:t>Fifth level</a:t>
             </a:r>
-          </a:p>
-        </p:txBody>
-      </p:sp>
-      <p:sp>
-        <p:nvSpPr>
-          <p:cNvPr id="4" name="Date Placeholder 3">
-            <a:extLst>
-              <a:ext uri="{FF2B5EF4-FFF2-40B4-BE49-F238E27FC236}">
-                <a16:creationId xmlns:a16="http://schemas.microsoft.com/office/drawing/2014/main" id="{0E6C3F60-E60E-4E71-B83C-B4161AF66767}"/>
-              </a:ext>
-            </a:extLst>
-          </p:cNvPr>
+            <a:endParaRPr lang="en-US" dirty="0"/>
+          </a:p>
+        </p:txBody>
+      </p:sp>
+      <p:sp>
+        <p:nvSpPr>
+          <p:cNvPr id="4" name="Date Placeholder 3"/>
           <p:cNvSpPr>
             <a:spLocks noGrp="1"/>
           </p:cNvSpPr>
@@ -874,7 +870,7 @@
           <a:p>
             <a:fld id="{06E59AF1-6C9D-4363-8624-D795C4A4ED21}" type="datetimeFigureOut">
               <a:rPr lang="en-US" smtClean="0"/>
-              <a:t>4/28/2022</a:t>
+              <a:t>5/1/2022</a:t>
             </a:fld>
             <a:endParaRPr lang="en-US"/>
           </a:p>
@@ -882,13 +878,7 @@
       </p:sp>
       <p:sp>
         <p:nvSpPr>
-          <p:cNvPr id="5" name="Footer Placeholder 4">
-            <a:extLst>
-              <a:ext uri="{FF2B5EF4-FFF2-40B4-BE49-F238E27FC236}">
-                <a16:creationId xmlns:a16="http://schemas.microsoft.com/office/drawing/2014/main" id="{5001C43C-74B8-4EEA-9A5C-D73FD86AB70B}"/>
-              </a:ext>
-            </a:extLst>
-          </p:cNvPr>
+          <p:cNvPr id="5" name="Footer Placeholder 4"/>
           <p:cNvSpPr>
             <a:spLocks noGrp="1"/>
           </p:cNvSpPr>
@@ -907,13 +897,7 @@
       </p:sp>
       <p:sp>
         <p:nvSpPr>
-          <p:cNvPr id="6" name="Slide Number Placeholder 5">
-            <a:extLst>
-              <a:ext uri="{FF2B5EF4-FFF2-40B4-BE49-F238E27FC236}">
-                <a16:creationId xmlns:a16="http://schemas.microsoft.com/office/drawing/2014/main" id="{EDA6C52E-11AD-4220-973B-33B98DD0EB4A}"/>
-              </a:ext>
-            </a:extLst>
-          </p:cNvPr>
+          <p:cNvPr id="6" name="Slide Number Placeholder 5"/>
           <p:cNvSpPr>
             <a:spLocks noGrp="1"/>
           </p:cNvSpPr>
@@ -937,7 +921,7 @@
     </p:spTree>
     <p:extLst>
       <p:ext uri="{BB962C8B-B14F-4D97-AF65-F5344CB8AC3E}">
-        <p14:creationId xmlns:p14="http://schemas.microsoft.com/office/powerpoint/2010/main" val="150788904"/>
+        <p14:creationId xmlns:p14="http://schemas.microsoft.com/office/powerpoint/2010/main" val="3966913642"/>
       </p:ext>
     </p:extLst>
   </p:cSld>
@@ -966,13 +950,7 @@
       </p:grpSpPr>
       <p:sp>
         <p:nvSpPr>
-          <p:cNvPr id="2" name="Title 1">
-            <a:extLst>
-              <a:ext uri="{FF2B5EF4-FFF2-40B4-BE49-F238E27FC236}">
-                <a16:creationId xmlns:a16="http://schemas.microsoft.com/office/drawing/2014/main" id="{91D941ED-F46C-427E-8235-8E301A2AE91A}"/>
-              </a:ext>
-            </a:extLst>
-          </p:cNvPr>
+          <p:cNvPr id="2" name="Title 1"/>
           <p:cNvSpPr>
             <a:spLocks noGrp="1"/>
           </p:cNvSpPr>
@@ -982,15 +960,20 @@
         </p:nvSpPr>
         <p:spPr>
           <a:xfrm>
-            <a:off x="831850" y="1709738"/>
-            <a:ext cx="10515600" cy="2852737"/>
+            <a:off x="1261872" y="758952"/>
+            <a:ext cx="9418320" cy="4041648"/>
           </a:xfrm>
         </p:spPr>
         <p:txBody>
-          <a:bodyPr anchor="b"/>
+          <a:bodyPr anchor="b">
+            <a:normAutofit/>
+          </a:bodyPr>
           <a:lstStyle>
             <a:lvl1pPr>
-              <a:defRPr sz="6000"/>
+              <a:lnSpc>
+                <a:spcPct val="85000"/>
+              </a:lnSpc>
+              <a:defRPr sz="7200" b="0"/>
             </a:lvl1pPr>
           </a:lstStyle>
           <a:p>
@@ -998,18 +981,13 @@
               <a:rPr lang="en-US"/>
               <a:t>Click to edit Master title style</a:t>
             </a:r>
-          </a:p>
-        </p:txBody>
-      </p:sp>
-      <p:sp>
-        <p:nvSpPr>
-          <p:cNvPr id="3" name="Text Placeholder 2">
-            <a:extLst>
-              <a:ext uri="{FF2B5EF4-FFF2-40B4-BE49-F238E27FC236}">
-                <a16:creationId xmlns:a16="http://schemas.microsoft.com/office/drawing/2014/main" id="{3CF1A3C1-F84E-4975-80D8-B59E0DD5F3E9}"/>
-              </a:ext>
-            </a:extLst>
-          </p:cNvPr>
+            <a:endParaRPr lang="en-US" dirty="0"/>
+          </a:p>
+        </p:txBody>
+      </p:sp>
+      <p:sp>
+        <p:nvSpPr>
+          <p:cNvPr id="3" name="Text Placeholder 2"/>
           <p:cNvSpPr>
             <a:spLocks noGrp="1"/>
           </p:cNvSpPr>
@@ -1019,26 +997,29 @@
         </p:nvSpPr>
         <p:spPr>
           <a:xfrm>
-            <a:off x="831850" y="4589463"/>
-            <a:ext cx="10515600" cy="1500187"/>
+            <a:off x="1261872" y="4800600"/>
+            <a:ext cx="9418320" cy="1691640"/>
           </a:xfrm>
         </p:spPr>
         <p:txBody>
-          <a:bodyPr/>
+          <a:bodyPr anchor="t">
+            <a:normAutofit/>
+          </a:bodyPr>
           <a:lstStyle>
             <a:lvl1pPr marL="0" indent="0">
               <a:buNone/>
-              <a:defRPr sz="2400">
+              <a:defRPr sz="2200">
                 <a:solidFill>
                   <a:schemeClr val="tx1">
-                    <a:tint val="75000"/>
+                    <a:lumMod val="65000"/>
+                    <a:lumOff val="35000"/>
                   </a:schemeClr>
                 </a:solidFill>
               </a:defRPr>
             </a:lvl1pPr>
             <a:lvl2pPr marL="457200" indent="0">
               <a:buNone/>
-              <a:defRPr sz="2000">
+              <a:defRPr sz="1800">
                 <a:solidFill>
                   <a:schemeClr val="tx1">
                     <a:tint val="75000"/>
@@ -1048,7 +1029,7 @@
             </a:lvl2pPr>
             <a:lvl3pPr marL="914400" indent="0">
               <a:buNone/>
-              <a:defRPr sz="1800">
+              <a:defRPr sz="1600">
                 <a:solidFill>
                   <a:schemeClr val="tx1">
                     <a:tint val="75000"/>
@@ -1058,7 +1039,7 @@
             </a:lvl3pPr>
             <a:lvl4pPr marL="1371600" indent="0">
               <a:buNone/>
-              <a:defRPr sz="1600">
+              <a:defRPr sz="1400">
                 <a:solidFill>
                   <a:schemeClr val="tx1">
                     <a:tint val="75000"/>
@@ -1068,7 +1049,7 @@
             </a:lvl4pPr>
             <a:lvl5pPr marL="1828800" indent="0">
               <a:buNone/>
-              <a:defRPr sz="1600">
+              <a:defRPr sz="1400">
                 <a:solidFill>
                   <a:schemeClr val="tx1">
                     <a:tint val="75000"/>
@@ -1078,7 +1059,7 @@
             </a:lvl5pPr>
             <a:lvl6pPr marL="2286000" indent="0">
               <a:buNone/>
-              <a:defRPr sz="1600">
+              <a:defRPr sz="1400">
                 <a:solidFill>
                   <a:schemeClr val="tx1">
                     <a:tint val="75000"/>
@@ -1088,7 +1069,7 @@
             </a:lvl6pPr>
             <a:lvl7pPr marL="2743200" indent="0">
               <a:buNone/>
-              <a:defRPr sz="1600">
+              <a:defRPr sz="1400">
                 <a:solidFill>
                   <a:schemeClr val="tx1">
                     <a:tint val="75000"/>
@@ -1098,7 +1079,7 @@
             </a:lvl7pPr>
             <a:lvl8pPr marL="3200400" indent="0">
               <a:buNone/>
-              <a:defRPr sz="1600">
+              <a:defRPr sz="1400">
                 <a:solidFill>
                   <a:schemeClr val="tx1">
                     <a:tint val="75000"/>
@@ -1108,7 +1089,7 @@
             </a:lvl8pPr>
             <a:lvl9pPr marL="3657600" indent="0">
               <a:buNone/>
-              <a:defRPr sz="1600">
+              <a:defRPr sz="1400">
                 <a:solidFill>
                   <a:schemeClr val="tx1">
                     <a:tint val="75000"/>
@@ -1128,13 +1109,7 @@
       </p:sp>
       <p:sp>
         <p:nvSpPr>
-          <p:cNvPr id="4" name="Date Placeholder 3">
-            <a:extLst>
-              <a:ext uri="{FF2B5EF4-FFF2-40B4-BE49-F238E27FC236}">
-                <a16:creationId xmlns:a16="http://schemas.microsoft.com/office/drawing/2014/main" id="{ED09C29A-F9D8-47BF-8F18-B348E55D35E4}"/>
-              </a:ext>
-            </a:extLst>
-          </p:cNvPr>
+          <p:cNvPr id="4" name="Date Placeholder 3"/>
           <p:cNvSpPr>
             <a:spLocks noGrp="1"/>
           </p:cNvSpPr>
@@ -1149,7 +1124,7 @@
           <a:p>
             <a:fld id="{06E59AF1-6C9D-4363-8624-D795C4A4ED21}" type="datetimeFigureOut">
               <a:rPr lang="en-US" smtClean="0"/>
-              <a:t>4/28/2022</a:t>
+              <a:t>5/1/2022</a:t>
             </a:fld>
             <a:endParaRPr lang="en-US"/>
           </a:p>
@@ -1157,13 +1132,7 @@
       </p:sp>
       <p:sp>
         <p:nvSpPr>
-          <p:cNvPr id="5" name="Footer Placeholder 4">
-            <a:extLst>
-              <a:ext uri="{FF2B5EF4-FFF2-40B4-BE49-F238E27FC236}">
-                <a16:creationId xmlns:a16="http://schemas.microsoft.com/office/drawing/2014/main" id="{4AAE0856-5298-4172-869D-CC486D07F5EF}"/>
-              </a:ext>
-            </a:extLst>
-          </p:cNvPr>
+          <p:cNvPr id="5" name="Footer Placeholder 4"/>
           <p:cNvSpPr>
             <a:spLocks noGrp="1"/>
           </p:cNvSpPr>
@@ -1182,13 +1151,7 @@
       </p:sp>
       <p:sp>
         <p:nvSpPr>
-          <p:cNvPr id="6" name="Slide Number Placeholder 5">
-            <a:extLst>
-              <a:ext uri="{FF2B5EF4-FFF2-40B4-BE49-F238E27FC236}">
-                <a16:creationId xmlns:a16="http://schemas.microsoft.com/office/drawing/2014/main" id="{EA76A739-A30E-49FE-BC1C-56C4217587F6}"/>
-              </a:ext>
-            </a:extLst>
-          </p:cNvPr>
+          <p:cNvPr id="6" name="Slide Number Placeholder 5"/>
           <p:cNvSpPr>
             <a:spLocks noGrp="1"/>
           </p:cNvSpPr>
@@ -1209,10 +1172,48 @@
           </a:p>
         </p:txBody>
       </p:sp>
+      <p:sp>
+        <p:nvSpPr>
+          <p:cNvPr id="7" name="Rectangle 6"/>
+          <p:cNvSpPr/>
+          <p:nvPr/>
+        </p:nvSpPr>
+        <p:spPr>
+          <a:xfrm>
+            <a:off x="0" y="0"/>
+            <a:ext cx="457200" cy="6858000"/>
+          </a:xfrm>
+          <a:prstGeom prst="rect">
+            <a:avLst/>
+          </a:prstGeom>
+          <a:solidFill>
+            <a:schemeClr val="accent1"/>
+          </a:solidFill>
+          <a:ln>
+            <a:noFill/>
+          </a:ln>
+        </p:spPr>
+        <p:style>
+          <a:lnRef idx="2">
+            <a:schemeClr val="accent1">
+              <a:shade val="50000"/>
+            </a:schemeClr>
+          </a:lnRef>
+          <a:fillRef idx="1">
+            <a:schemeClr val="accent1"/>
+          </a:fillRef>
+          <a:effectRef idx="0">
+            <a:schemeClr val="accent1"/>
+          </a:effectRef>
+          <a:fontRef idx="minor">
+            <a:schemeClr val="lt1"/>
+          </a:fontRef>
+        </p:style>
+      </p:sp>
     </p:spTree>
     <p:extLst>
       <p:ext uri="{BB962C8B-B14F-4D97-AF65-F5344CB8AC3E}">
-        <p14:creationId xmlns:p14="http://schemas.microsoft.com/office/powerpoint/2010/main" val="3402514585"/>
+        <p14:creationId xmlns:p14="http://schemas.microsoft.com/office/powerpoint/2010/main" val="3351933597"/>
       </p:ext>
     </p:extLst>
   </p:cSld>
@@ -1241,13 +1242,7 @@
       </p:grpSpPr>
       <p:sp>
         <p:nvSpPr>
-          <p:cNvPr id="2" name="Title 1">
-            <a:extLst>
-              <a:ext uri="{FF2B5EF4-FFF2-40B4-BE49-F238E27FC236}">
-                <a16:creationId xmlns:a16="http://schemas.microsoft.com/office/drawing/2014/main" id="{8AB1AFD0-857F-4DBC-BD12-0D57892B997D}"/>
-              </a:ext>
-            </a:extLst>
-          </p:cNvPr>
+          <p:cNvPr id="2" name="Title 1"/>
           <p:cNvSpPr>
             <a:spLocks noGrp="1"/>
           </p:cNvSpPr>
@@ -1264,18 +1259,13 @@
               <a:rPr lang="en-US"/>
               <a:t>Click to edit Master title style</a:t>
             </a:r>
-          </a:p>
-        </p:txBody>
-      </p:sp>
-      <p:sp>
-        <p:nvSpPr>
-          <p:cNvPr id="3" name="Content Placeholder 2">
-            <a:extLst>
-              <a:ext uri="{FF2B5EF4-FFF2-40B4-BE49-F238E27FC236}">
-                <a16:creationId xmlns:a16="http://schemas.microsoft.com/office/drawing/2014/main" id="{3B55DEED-7586-45F0-A8A3-9B1A53D963C7}"/>
-              </a:ext>
-            </a:extLst>
-          </p:cNvPr>
+            <a:endParaRPr lang="en-US" dirty="0"/>
+          </a:p>
+        </p:txBody>
+      </p:sp>
+      <p:sp>
+        <p:nvSpPr>
+          <p:cNvPr id="3" name="Content Placeholder 2"/>
           <p:cNvSpPr>
             <a:spLocks noGrp="1"/>
           </p:cNvSpPr>
@@ -1285,13 +1275,41 @@
         </p:nvSpPr>
         <p:spPr>
           <a:xfrm>
-            <a:off x="838200" y="1825625"/>
-            <a:ext cx="5181600" cy="4351338"/>
+            <a:off x="1261872" y="1828800"/>
+            <a:ext cx="4480560" cy="4351337"/>
           </a:xfrm>
         </p:spPr>
         <p:txBody>
           <a:bodyPr/>
-          <a:lstStyle/>
+          <a:lstStyle>
+            <a:lvl1pPr>
+              <a:defRPr sz="1800"/>
+            </a:lvl1pPr>
+            <a:lvl2pPr>
+              <a:defRPr sz="1600"/>
+            </a:lvl2pPr>
+            <a:lvl3pPr>
+              <a:defRPr sz="1400"/>
+            </a:lvl3pPr>
+            <a:lvl4pPr>
+              <a:defRPr sz="1400"/>
+            </a:lvl4pPr>
+            <a:lvl5pPr>
+              <a:defRPr sz="1400"/>
+            </a:lvl5pPr>
+            <a:lvl6pPr>
+              <a:defRPr sz="1400"/>
+            </a:lvl6pPr>
+            <a:lvl7pPr>
+              <a:defRPr sz="1400"/>
+            </a:lvl7pPr>
+            <a:lvl8pPr>
+              <a:defRPr sz="1400"/>
+            </a:lvl8pPr>
+            <a:lvl9pPr>
+              <a:defRPr sz="1400"/>
+            </a:lvl9pPr>
+          </a:lstStyle>
           <a:p>
             <a:pPr lvl="0"/>
             <a:r>
@@ -1326,18 +1344,13 @@
               <a:rPr lang="en-US"/>
               <a:t>Fifth level</a:t>
             </a:r>
-          </a:p>
-        </p:txBody>
-      </p:sp>
-      <p:sp>
-        <p:nvSpPr>
-          <p:cNvPr id="4" name="Content Placeholder 3">
-            <a:extLst>
-              <a:ext uri="{FF2B5EF4-FFF2-40B4-BE49-F238E27FC236}">
-                <a16:creationId xmlns:a16="http://schemas.microsoft.com/office/drawing/2014/main" id="{1D95171D-BDDC-4724-BFD3-1B62F31B5CF6}"/>
-              </a:ext>
-            </a:extLst>
-          </p:cNvPr>
+            <a:endParaRPr lang="en-US" dirty="0"/>
+          </a:p>
+        </p:txBody>
+      </p:sp>
+      <p:sp>
+        <p:nvSpPr>
+          <p:cNvPr id="4" name="Content Placeholder 3"/>
           <p:cNvSpPr>
             <a:spLocks noGrp="1"/>
           </p:cNvSpPr>
@@ -1347,13 +1360,41 @@
         </p:nvSpPr>
         <p:spPr>
           <a:xfrm>
-            <a:off x="6172200" y="1825625"/>
-            <a:ext cx="5181600" cy="4351338"/>
+            <a:off x="6126480" y="1828800"/>
+            <a:ext cx="4480560" cy="4351337"/>
           </a:xfrm>
         </p:spPr>
         <p:txBody>
           <a:bodyPr/>
-          <a:lstStyle/>
+          <a:lstStyle>
+            <a:lvl1pPr>
+              <a:defRPr sz="1800"/>
+            </a:lvl1pPr>
+            <a:lvl2pPr>
+              <a:defRPr sz="1600"/>
+            </a:lvl2pPr>
+            <a:lvl3pPr>
+              <a:defRPr sz="1400"/>
+            </a:lvl3pPr>
+            <a:lvl4pPr>
+              <a:defRPr sz="1400"/>
+            </a:lvl4pPr>
+            <a:lvl5pPr>
+              <a:defRPr sz="1400"/>
+            </a:lvl5pPr>
+            <a:lvl6pPr>
+              <a:defRPr sz="1400"/>
+            </a:lvl6pPr>
+            <a:lvl7pPr>
+              <a:defRPr sz="1400"/>
+            </a:lvl7pPr>
+            <a:lvl8pPr>
+              <a:defRPr sz="1400"/>
+            </a:lvl8pPr>
+            <a:lvl9pPr>
+              <a:defRPr sz="1400"/>
+            </a:lvl9pPr>
+          </a:lstStyle>
           <a:p>
             <a:pPr lvl="0"/>
             <a:r>
@@ -1388,18 +1429,13 @@
               <a:rPr lang="en-US"/>
               <a:t>Fifth level</a:t>
             </a:r>
-          </a:p>
-        </p:txBody>
-      </p:sp>
-      <p:sp>
-        <p:nvSpPr>
-          <p:cNvPr id="5" name="Date Placeholder 4">
-            <a:extLst>
-              <a:ext uri="{FF2B5EF4-FFF2-40B4-BE49-F238E27FC236}">
-                <a16:creationId xmlns:a16="http://schemas.microsoft.com/office/drawing/2014/main" id="{97EA637E-6C0B-4525-8F66-82D57D7FCDFC}"/>
-              </a:ext>
-            </a:extLst>
-          </p:cNvPr>
+            <a:endParaRPr lang="en-US" dirty="0"/>
+          </a:p>
+        </p:txBody>
+      </p:sp>
+      <p:sp>
+        <p:nvSpPr>
+          <p:cNvPr id="5" name="Date Placeholder 4"/>
           <p:cNvSpPr>
             <a:spLocks noGrp="1"/>
           </p:cNvSpPr>
@@ -1414,7 +1450,7 @@
           <a:p>
             <a:fld id="{06E59AF1-6C9D-4363-8624-D795C4A4ED21}" type="datetimeFigureOut">
               <a:rPr lang="en-US" smtClean="0"/>
-              <a:t>4/28/2022</a:t>
+              <a:t>5/1/2022</a:t>
             </a:fld>
             <a:endParaRPr lang="en-US"/>
           </a:p>
@@ -1422,13 +1458,7 @@
       </p:sp>
       <p:sp>
         <p:nvSpPr>
-          <p:cNvPr id="6" name="Footer Placeholder 5">
-            <a:extLst>
-              <a:ext uri="{FF2B5EF4-FFF2-40B4-BE49-F238E27FC236}">
-                <a16:creationId xmlns:a16="http://schemas.microsoft.com/office/drawing/2014/main" id="{21019161-392E-4CA3-B539-543816EE85B3}"/>
-              </a:ext>
-            </a:extLst>
-          </p:cNvPr>
+          <p:cNvPr id="6" name="Footer Placeholder 5"/>
           <p:cNvSpPr>
             <a:spLocks noGrp="1"/>
           </p:cNvSpPr>
@@ -1447,13 +1477,7 @@
       </p:sp>
       <p:sp>
         <p:nvSpPr>
-          <p:cNvPr id="7" name="Slide Number Placeholder 6">
-            <a:extLst>
-              <a:ext uri="{FF2B5EF4-FFF2-40B4-BE49-F238E27FC236}">
-                <a16:creationId xmlns:a16="http://schemas.microsoft.com/office/drawing/2014/main" id="{5A669D1D-9DBB-4B46-92A4-AA5981ECFCF2}"/>
-              </a:ext>
-            </a:extLst>
-          </p:cNvPr>
+          <p:cNvPr id="7" name="Slide Number Placeholder 6"/>
           <p:cNvSpPr>
             <a:spLocks noGrp="1"/>
           </p:cNvSpPr>
@@ -1477,7 +1501,7 @@
     </p:spTree>
     <p:extLst>
       <p:ext uri="{BB962C8B-B14F-4D97-AF65-F5344CB8AC3E}">
-        <p14:creationId xmlns:p14="http://schemas.microsoft.com/office/powerpoint/2010/main" val="1036543918"/>
+        <p14:creationId xmlns:p14="http://schemas.microsoft.com/office/powerpoint/2010/main" val="3924795064"/>
       </p:ext>
     </p:extLst>
   </p:cSld>
@@ -1506,65 +1530,58 @@
       </p:grpSpPr>
       <p:sp>
         <p:nvSpPr>
-          <p:cNvPr id="2" name="Title 1">
-            <a:extLst>
-              <a:ext uri="{FF2B5EF4-FFF2-40B4-BE49-F238E27FC236}">
-                <a16:creationId xmlns:a16="http://schemas.microsoft.com/office/drawing/2014/main" id="{0009AE3F-0456-4422-8896-1C74C39383D4}"/>
-              </a:ext>
-            </a:extLst>
-          </p:cNvPr>
+          <p:cNvPr id="10" name="Title 9"/>
           <p:cNvSpPr>
             <a:spLocks noGrp="1"/>
           </p:cNvSpPr>
           <p:nvPr>
             <p:ph type="title"/>
+          </p:nvPr>
+        </p:nvSpPr>
+        <p:spPr/>
+        <p:txBody>
+          <a:bodyPr/>
+          <a:lstStyle/>
+          <a:p>
+            <a:r>
+              <a:rPr lang="en-US"/>
+              <a:t>Click to edit Master title style</a:t>
+            </a:r>
+            <a:endParaRPr lang="en-US" dirty="0"/>
+          </a:p>
+        </p:txBody>
+      </p:sp>
+      <p:sp>
+        <p:nvSpPr>
+          <p:cNvPr id="3" name="Text Placeholder 2"/>
+          <p:cNvSpPr>
+            <a:spLocks noGrp="1"/>
+          </p:cNvSpPr>
+          <p:nvPr>
+            <p:ph type="body" idx="1"/>
           </p:nvPr>
         </p:nvSpPr>
         <p:spPr>
           <a:xfrm>
-            <a:off x="839788" y="365125"/>
-            <a:ext cx="10515600" cy="1325563"/>
+            <a:off x="1261872" y="1713655"/>
+            <a:ext cx="4480560" cy="731520"/>
           </a:xfrm>
         </p:spPr>
         <p:txBody>
-          <a:bodyPr/>
-          <a:lstStyle/>
-          <a:p>
-            <a:r>
-              <a:rPr lang="en-US"/>
-              <a:t>Click to edit Master title style</a:t>
-            </a:r>
-          </a:p>
-        </p:txBody>
-      </p:sp>
-      <p:sp>
-        <p:nvSpPr>
-          <p:cNvPr id="3" name="Text Placeholder 2">
-            <a:extLst>
-              <a:ext uri="{FF2B5EF4-FFF2-40B4-BE49-F238E27FC236}">
-                <a16:creationId xmlns:a16="http://schemas.microsoft.com/office/drawing/2014/main" id="{43F0D6A3-D8C4-4BAA-B783-7FDE25951FA6}"/>
-              </a:ext>
-            </a:extLst>
-          </p:cNvPr>
-          <p:cNvSpPr>
-            <a:spLocks noGrp="1"/>
-          </p:cNvSpPr>
-          <p:nvPr>
-            <p:ph type="body" idx="1"/>
-          </p:nvPr>
-        </p:nvSpPr>
-        <p:spPr>
-          <a:xfrm>
-            <a:off x="839788" y="1681163"/>
-            <a:ext cx="5157787" cy="823912"/>
-          </a:xfrm>
-        </p:spPr>
-        <p:txBody>
-          <a:bodyPr anchor="b"/>
+          <a:bodyPr anchor="b">
+            <a:normAutofit/>
+          </a:bodyPr>
           <a:lstStyle>
             <a:lvl1pPr marL="0" indent="0">
-              <a:buNone/>
-              <a:defRPr sz="2400" b="1"/>
+              <a:spcBef>
+                <a:spcPts val="0"/>
+              </a:spcBef>
+              <a:buNone/>
+              <a:defRPr sz="2000" b="0">
+                <a:solidFill>
+                  <a:schemeClr val="tx2"/>
+                </a:solidFill>
+              </a:defRPr>
             </a:lvl1pPr>
             <a:lvl2pPr marL="457200" indent="0">
               <a:buNone/>
@@ -1610,13 +1627,7 @@
       </p:sp>
       <p:sp>
         <p:nvSpPr>
-          <p:cNvPr id="4" name="Content Placeholder 3">
-            <a:extLst>
-              <a:ext uri="{FF2B5EF4-FFF2-40B4-BE49-F238E27FC236}">
-                <a16:creationId xmlns:a16="http://schemas.microsoft.com/office/drawing/2014/main" id="{7C7DFF67-9DD9-4044-B869-9306C7768F4D}"/>
-              </a:ext>
-            </a:extLst>
-          </p:cNvPr>
+          <p:cNvPr id="4" name="Content Placeholder 3"/>
           <p:cNvSpPr>
             <a:spLocks noGrp="1"/>
           </p:cNvSpPr>
@@ -1626,13 +1637,41 @@
         </p:nvSpPr>
         <p:spPr>
           <a:xfrm>
-            <a:off x="839788" y="2505075"/>
-            <a:ext cx="5157787" cy="3684588"/>
+            <a:off x="1261872" y="2507550"/>
+            <a:ext cx="4480560" cy="3664650"/>
           </a:xfrm>
         </p:spPr>
         <p:txBody>
           <a:bodyPr/>
-          <a:lstStyle/>
+          <a:lstStyle>
+            <a:lvl1pPr>
+              <a:defRPr sz="1800"/>
+            </a:lvl1pPr>
+            <a:lvl2pPr>
+              <a:defRPr sz="1600"/>
+            </a:lvl2pPr>
+            <a:lvl3pPr>
+              <a:defRPr sz="1400"/>
+            </a:lvl3pPr>
+            <a:lvl4pPr>
+              <a:defRPr sz="1400"/>
+            </a:lvl4pPr>
+            <a:lvl5pPr>
+              <a:defRPr sz="1400"/>
+            </a:lvl5pPr>
+            <a:lvl6pPr>
+              <a:defRPr sz="1400"/>
+            </a:lvl6pPr>
+            <a:lvl7pPr>
+              <a:defRPr sz="1400"/>
+            </a:lvl7pPr>
+            <a:lvl8pPr>
+              <a:defRPr sz="1400"/>
+            </a:lvl8pPr>
+            <a:lvl9pPr>
+              <a:defRPr sz="1400"/>
+            </a:lvl9pPr>
+          </a:lstStyle>
           <a:p>
             <a:pPr lvl="0"/>
             <a:r>
@@ -1667,18 +1706,13 @@
               <a:rPr lang="en-US"/>
               <a:t>Fifth level</a:t>
             </a:r>
-          </a:p>
-        </p:txBody>
-      </p:sp>
-      <p:sp>
-        <p:nvSpPr>
-          <p:cNvPr id="5" name="Text Placeholder 4">
-            <a:extLst>
-              <a:ext uri="{FF2B5EF4-FFF2-40B4-BE49-F238E27FC236}">
-                <a16:creationId xmlns:a16="http://schemas.microsoft.com/office/drawing/2014/main" id="{FA51E694-AF42-49B7-BD5B-0E0D60E6DF14}"/>
-              </a:ext>
-            </a:extLst>
-          </p:cNvPr>
+            <a:endParaRPr lang="en-US" dirty="0"/>
+          </a:p>
+        </p:txBody>
+      </p:sp>
+      <p:sp>
+        <p:nvSpPr>
+          <p:cNvPr id="5" name="Text Placeholder 4"/>
           <p:cNvSpPr>
             <a:spLocks noGrp="1"/>
           </p:cNvSpPr>
@@ -1688,16 +1722,31 @@
         </p:nvSpPr>
         <p:spPr>
           <a:xfrm>
-            <a:off x="6172200" y="1681163"/>
-            <a:ext cx="5183188" cy="823912"/>
+            <a:off x="6126480" y="1713655"/>
+            <a:ext cx="4480560" cy="731520"/>
           </a:xfrm>
         </p:spPr>
         <p:txBody>
-          <a:bodyPr anchor="b"/>
+          <a:bodyPr anchor="b">
+            <a:normAutofit/>
+          </a:bodyPr>
           <a:lstStyle>
             <a:lvl1pPr marL="0" indent="0">
-              <a:buNone/>
-              <a:defRPr sz="2400" b="1"/>
+              <a:lnSpc>
+                <a:spcPct val="95000"/>
+              </a:lnSpc>
+              <a:spcBef>
+                <a:spcPts val="0"/>
+              </a:spcBef>
+              <a:buNone/>
+              <a:defRPr lang="en-US" sz="2000" b="0" kern="1200" dirty="0">
+                <a:solidFill>
+                  <a:schemeClr val="tx2"/>
+                </a:solidFill>
+                <a:latin typeface="+mn-lt"/>
+                <a:ea typeface="+mn-ea"/>
+                <a:cs typeface="+mn-cs"/>
+              </a:defRPr>
             </a:lvl1pPr>
             <a:lvl2pPr marL="457200" indent="0">
               <a:buNone/>
@@ -1733,7 +1782,16 @@
             </a:lvl9pPr>
           </a:lstStyle>
           <a:p>
-            <a:pPr lvl="0"/>
+            <a:pPr marL="0" lvl="0" indent="0" algn="l" defTabSz="914400" rtl="0" eaLnBrk="1" latinLnBrk="0" hangingPunct="1">
+              <a:lnSpc>
+                <a:spcPct val="90000"/>
+              </a:lnSpc>
+              <a:spcBef>
+                <a:spcPts val="2000"/>
+              </a:spcBef>
+              <a:buFontTx/>
+              <a:buNone/>
+            </a:pPr>
             <a:r>
               <a:rPr lang="en-US"/>
               <a:t>Click to edit Master text styles</a:t>
@@ -1743,13 +1801,7 @@
       </p:sp>
       <p:sp>
         <p:nvSpPr>
-          <p:cNvPr id="6" name="Content Placeholder 5">
-            <a:extLst>
-              <a:ext uri="{FF2B5EF4-FFF2-40B4-BE49-F238E27FC236}">
-                <a16:creationId xmlns:a16="http://schemas.microsoft.com/office/drawing/2014/main" id="{DA8F6EEB-B5EB-4106-B456-7A13D9EBF5A8}"/>
-              </a:ext>
-            </a:extLst>
-          </p:cNvPr>
+          <p:cNvPr id="6" name="Content Placeholder 5"/>
           <p:cNvSpPr>
             <a:spLocks noGrp="1"/>
           </p:cNvSpPr>
@@ -1759,13 +1811,41 @@
         </p:nvSpPr>
         <p:spPr>
           <a:xfrm>
-            <a:off x="6172200" y="2505075"/>
-            <a:ext cx="5183188" cy="3684588"/>
+            <a:off x="6126480" y="2507550"/>
+            <a:ext cx="4480560" cy="3664650"/>
           </a:xfrm>
         </p:spPr>
         <p:txBody>
           <a:bodyPr/>
-          <a:lstStyle/>
+          <a:lstStyle>
+            <a:lvl1pPr>
+              <a:defRPr sz="1800"/>
+            </a:lvl1pPr>
+            <a:lvl2pPr>
+              <a:defRPr sz="1600"/>
+            </a:lvl2pPr>
+            <a:lvl3pPr>
+              <a:defRPr sz="1400"/>
+            </a:lvl3pPr>
+            <a:lvl4pPr>
+              <a:defRPr sz="1400"/>
+            </a:lvl4pPr>
+            <a:lvl5pPr>
+              <a:defRPr sz="1400"/>
+            </a:lvl5pPr>
+            <a:lvl6pPr>
+              <a:defRPr sz="1400"/>
+            </a:lvl6pPr>
+            <a:lvl7pPr>
+              <a:defRPr sz="1400"/>
+            </a:lvl7pPr>
+            <a:lvl8pPr>
+              <a:defRPr sz="1400"/>
+            </a:lvl8pPr>
+            <a:lvl9pPr>
+              <a:defRPr sz="1400"/>
+            </a:lvl9pPr>
+          </a:lstStyle>
           <a:p>
             <a:pPr lvl="0"/>
             <a:r>
@@ -1800,18 +1880,13 @@
               <a:rPr lang="en-US"/>
               <a:t>Fifth level</a:t>
             </a:r>
-          </a:p>
-        </p:txBody>
-      </p:sp>
-      <p:sp>
-        <p:nvSpPr>
-          <p:cNvPr id="7" name="Date Placeholder 6">
-            <a:extLst>
-              <a:ext uri="{FF2B5EF4-FFF2-40B4-BE49-F238E27FC236}">
-                <a16:creationId xmlns:a16="http://schemas.microsoft.com/office/drawing/2014/main" id="{6CD3CC22-7871-494F-8D54-24D6DF18DB20}"/>
-              </a:ext>
-            </a:extLst>
-          </p:cNvPr>
+            <a:endParaRPr lang="en-US" dirty="0"/>
+          </a:p>
+        </p:txBody>
+      </p:sp>
+      <p:sp>
+        <p:nvSpPr>
+          <p:cNvPr id="7" name="Date Placeholder 6"/>
           <p:cNvSpPr>
             <a:spLocks noGrp="1"/>
           </p:cNvSpPr>
@@ -1826,7 +1901,7 @@
           <a:p>
             <a:fld id="{06E59AF1-6C9D-4363-8624-D795C4A4ED21}" type="datetimeFigureOut">
               <a:rPr lang="en-US" smtClean="0"/>
-              <a:t>4/28/2022</a:t>
+              <a:t>5/1/2022</a:t>
             </a:fld>
             <a:endParaRPr lang="en-US"/>
           </a:p>
@@ -1834,13 +1909,7 @@
       </p:sp>
       <p:sp>
         <p:nvSpPr>
-          <p:cNvPr id="8" name="Footer Placeholder 7">
-            <a:extLst>
-              <a:ext uri="{FF2B5EF4-FFF2-40B4-BE49-F238E27FC236}">
-                <a16:creationId xmlns:a16="http://schemas.microsoft.com/office/drawing/2014/main" id="{58347355-C497-44DA-B601-45189F0CEA31}"/>
-              </a:ext>
-            </a:extLst>
-          </p:cNvPr>
+          <p:cNvPr id="8" name="Footer Placeholder 7"/>
           <p:cNvSpPr>
             <a:spLocks noGrp="1"/>
           </p:cNvSpPr>
@@ -1859,13 +1928,7 @@
       </p:sp>
       <p:sp>
         <p:nvSpPr>
-          <p:cNvPr id="9" name="Slide Number Placeholder 8">
-            <a:extLst>
-              <a:ext uri="{FF2B5EF4-FFF2-40B4-BE49-F238E27FC236}">
-                <a16:creationId xmlns:a16="http://schemas.microsoft.com/office/drawing/2014/main" id="{12533A3F-FE29-4790-96FB-A5F842CDE7F9}"/>
-              </a:ext>
-            </a:extLst>
-          </p:cNvPr>
+          <p:cNvPr id="9" name="Slide Number Placeholder 8"/>
           <p:cNvSpPr>
             <a:spLocks noGrp="1"/>
           </p:cNvSpPr>
@@ -1889,7 +1952,7 @@
     </p:spTree>
     <p:extLst>
       <p:ext uri="{BB962C8B-B14F-4D97-AF65-F5344CB8AC3E}">
-        <p14:creationId xmlns:p14="http://schemas.microsoft.com/office/powerpoint/2010/main" val="218398498"/>
+        <p14:creationId xmlns:p14="http://schemas.microsoft.com/office/powerpoint/2010/main" val="3566679792"/>
       </p:ext>
     </p:extLst>
   </p:cSld>
@@ -1918,13 +1981,7 @@
       </p:grpSpPr>
       <p:sp>
         <p:nvSpPr>
-          <p:cNvPr id="2" name="Title 1">
-            <a:extLst>
-              <a:ext uri="{FF2B5EF4-FFF2-40B4-BE49-F238E27FC236}">
-                <a16:creationId xmlns:a16="http://schemas.microsoft.com/office/drawing/2014/main" id="{F20C8690-9AF6-42EF-9634-236BFE18FEB1}"/>
-              </a:ext>
-            </a:extLst>
-          </p:cNvPr>
+          <p:cNvPr id="6" name="Title 5"/>
           <p:cNvSpPr>
             <a:spLocks noGrp="1"/>
           </p:cNvSpPr>
@@ -1941,18 +1998,13 @@
               <a:rPr lang="en-US"/>
               <a:t>Click to edit Master title style</a:t>
             </a:r>
-          </a:p>
-        </p:txBody>
-      </p:sp>
-      <p:sp>
-        <p:nvSpPr>
-          <p:cNvPr id="3" name="Date Placeholder 2">
-            <a:extLst>
-              <a:ext uri="{FF2B5EF4-FFF2-40B4-BE49-F238E27FC236}">
-                <a16:creationId xmlns:a16="http://schemas.microsoft.com/office/drawing/2014/main" id="{1C754D6E-E5DD-4965-B704-82F500E197D7}"/>
-              </a:ext>
-            </a:extLst>
-          </p:cNvPr>
+            <a:endParaRPr lang="en-US" dirty="0"/>
+          </a:p>
+        </p:txBody>
+      </p:sp>
+      <p:sp>
+        <p:nvSpPr>
+          <p:cNvPr id="3" name="Date Placeholder 2"/>
           <p:cNvSpPr>
             <a:spLocks noGrp="1"/>
           </p:cNvSpPr>
@@ -1967,7 +2019,7 @@
           <a:p>
             <a:fld id="{06E59AF1-6C9D-4363-8624-D795C4A4ED21}" type="datetimeFigureOut">
               <a:rPr lang="en-US" smtClean="0"/>
-              <a:t>4/28/2022</a:t>
+              <a:t>5/1/2022</a:t>
             </a:fld>
             <a:endParaRPr lang="en-US"/>
           </a:p>
@@ -1975,13 +2027,7 @@
       </p:sp>
       <p:sp>
         <p:nvSpPr>
-          <p:cNvPr id="4" name="Footer Placeholder 3">
-            <a:extLst>
-              <a:ext uri="{FF2B5EF4-FFF2-40B4-BE49-F238E27FC236}">
-                <a16:creationId xmlns:a16="http://schemas.microsoft.com/office/drawing/2014/main" id="{F1B89759-A653-4B31-9FB5-704158E0642D}"/>
-              </a:ext>
-            </a:extLst>
-          </p:cNvPr>
+          <p:cNvPr id="4" name="Footer Placeholder 3"/>
           <p:cNvSpPr>
             <a:spLocks noGrp="1"/>
           </p:cNvSpPr>
@@ -2000,13 +2046,7 @@
       </p:sp>
       <p:sp>
         <p:nvSpPr>
-          <p:cNvPr id="5" name="Slide Number Placeholder 4">
-            <a:extLst>
-              <a:ext uri="{FF2B5EF4-FFF2-40B4-BE49-F238E27FC236}">
-                <a16:creationId xmlns:a16="http://schemas.microsoft.com/office/drawing/2014/main" id="{F59F583A-C9D7-4060-A921-2F90177B7041}"/>
-              </a:ext>
-            </a:extLst>
-          </p:cNvPr>
+          <p:cNvPr id="5" name="Slide Number Placeholder 4"/>
           <p:cNvSpPr>
             <a:spLocks noGrp="1"/>
           </p:cNvSpPr>
@@ -2030,7 +2070,7 @@
     </p:spTree>
     <p:extLst>
       <p:ext uri="{BB962C8B-B14F-4D97-AF65-F5344CB8AC3E}">
-        <p14:creationId xmlns:p14="http://schemas.microsoft.com/office/powerpoint/2010/main" val="2354547220"/>
+        <p14:creationId xmlns:p14="http://schemas.microsoft.com/office/powerpoint/2010/main" val="3659134088"/>
       </p:ext>
     </p:extLst>
   </p:cSld>
@@ -2059,13 +2099,7 @@
       </p:grpSpPr>
       <p:sp>
         <p:nvSpPr>
-          <p:cNvPr id="2" name="Date Placeholder 1">
-            <a:extLst>
-              <a:ext uri="{FF2B5EF4-FFF2-40B4-BE49-F238E27FC236}">
-                <a16:creationId xmlns:a16="http://schemas.microsoft.com/office/drawing/2014/main" id="{DDC23A6F-B77F-4371-82CC-DAAEB3EF87B4}"/>
-              </a:ext>
-            </a:extLst>
-          </p:cNvPr>
+          <p:cNvPr id="2" name="Date Placeholder 1"/>
           <p:cNvSpPr>
             <a:spLocks noGrp="1"/>
           </p:cNvSpPr>
@@ -2080,7 +2114,7 @@
           <a:p>
             <a:fld id="{06E59AF1-6C9D-4363-8624-D795C4A4ED21}" type="datetimeFigureOut">
               <a:rPr lang="en-US" smtClean="0"/>
-              <a:t>4/28/2022</a:t>
+              <a:t>5/1/2022</a:t>
             </a:fld>
             <a:endParaRPr lang="en-US"/>
           </a:p>
@@ -2088,13 +2122,7 @@
       </p:sp>
       <p:sp>
         <p:nvSpPr>
-          <p:cNvPr id="3" name="Footer Placeholder 2">
-            <a:extLst>
-              <a:ext uri="{FF2B5EF4-FFF2-40B4-BE49-F238E27FC236}">
-                <a16:creationId xmlns:a16="http://schemas.microsoft.com/office/drawing/2014/main" id="{79ABBFD9-1BE6-4FB7-884E-6E9EEE3EEE5D}"/>
-              </a:ext>
-            </a:extLst>
-          </p:cNvPr>
+          <p:cNvPr id="3" name="Footer Placeholder 2"/>
           <p:cNvSpPr>
             <a:spLocks noGrp="1"/>
           </p:cNvSpPr>
@@ -2113,13 +2141,7 @@
       </p:sp>
       <p:sp>
         <p:nvSpPr>
-          <p:cNvPr id="4" name="Slide Number Placeholder 3">
-            <a:extLst>
-              <a:ext uri="{FF2B5EF4-FFF2-40B4-BE49-F238E27FC236}">
-                <a16:creationId xmlns:a16="http://schemas.microsoft.com/office/drawing/2014/main" id="{55D154AD-2129-47E5-AFD8-B32023835F83}"/>
-              </a:ext>
-            </a:extLst>
-          </p:cNvPr>
+          <p:cNvPr id="4" name="Slide Number Placeholder 3"/>
           <p:cNvSpPr>
             <a:spLocks noGrp="1"/>
           </p:cNvSpPr>
@@ -2143,7 +2165,7 @@
     </p:spTree>
     <p:extLst>
       <p:ext uri="{BB962C8B-B14F-4D97-AF65-F5344CB8AC3E}">
-        <p14:creationId xmlns:p14="http://schemas.microsoft.com/office/powerpoint/2010/main" val="540703451"/>
+        <p14:creationId xmlns:p14="http://schemas.microsoft.com/office/powerpoint/2010/main" val="2537401443"/>
       </p:ext>
     </p:extLst>
   </p:cSld>
@@ -2172,13 +2194,7 @@
       </p:grpSpPr>
       <p:sp>
         <p:nvSpPr>
-          <p:cNvPr id="2" name="Title 1">
-            <a:extLst>
-              <a:ext uri="{FF2B5EF4-FFF2-40B4-BE49-F238E27FC236}">
-                <a16:creationId xmlns:a16="http://schemas.microsoft.com/office/drawing/2014/main" id="{EB4D0F4A-B502-4CC5-B991-65331EC673A2}"/>
-              </a:ext>
-            </a:extLst>
-          </p:cNvPr>
+          <p:cNvPr id="2" name="Title 1"/>
           <p:cNvSpPr>
             <a:spLocks noGrp="1"/>
           </p:cNvSpPr>
@@ -2188,15 +2204,17 @@
         </p:nvSpPr>
         <p:spPr>
           <a:xfrm>
-            <a:off x="839788" y="457200"/>
-            <a:ext cx="3932237" cy="1600200"/>
+            <a:off x="841248" y="457200"/>
+            <a:ext cx="3200400" cy="1600197"/>
           </a:xfrm>
         </p:spPr>
         <p:txBody>
-          <a:bodyPr anchor="b"/>
+          <a:bodyPr anchor="b">
+            <a:normAutofit/>
+          </a:bodyPr>
           <a:lstStyle>
             <a:lvl1pPr>
-              <a:defRPr sz="3200"/>
+              <a:defRPr sz="3200" b="0" baseline="0"/>
             </a:lvl1pPr>
           </a:lstStyle>
           <a:p>
@@ -2204,18 +2222,13 @@
               <a:rPr lang="en-US"/>
               <a:t>Click to edit Master title style</a:t>
             </a:r>
-          </a:p>
-        </p:txBody>
-      </p:sp>
-      <p:sp>
-        <p:nvSpPr>
-          <p:cNvPr id="3" name="Content Placeholder 2">
-            <a:extLst>
-              <a:ext uri="{FF2B5EF4-FFF2-40B4-BE49-F238E27FC236}">
-                <a16:creationId xmlns:a16="http://schemas.microsoft.com/office/drawing/2014/main" id="{24344ABD-6CD1-48AA-8866-291A3D4AE6E3}"/>
-              </a:ext>
-            </a:extLst>
-          </p:cNvPr>
+            <a:endParaRPr lang="en-US" dirty="0"/>
+          </a:p>
+        </p:txBody>
+      </p:sp>
+      <p:sp>
+        <p:nvSpPr>
+          <p:cNvPr id="3" name="Content Placeholder 2"/>
           <p:cNvSpPr>
             <a:spLocks noGrp="1"/>
           </p:cNvSpPr>
@@ -2225,39 +2238,39 @@
         </p:nvSpPr>
         <p:spPr>
           <a:xfrm>
-            <a:off x="5183188" y="987425"/>
-            <a:ext cx="6172200" cy="4873625"/>
+            <a:off x="4504267" y="685800"/>
+            <a:ext cx="6079066" cy="5486400"/>
           </a:xfrm>
         </p:spPr>
         <p:txBody>
           <a:bodyPr/>
           <a:lstStyle>
             <a:lvl1pPr>
-              <a:defRPr sz="3200"/>
+              <a:defRPr sz="2000"/>
             </a:lvl1pPr>
             <a:lvl2pPr>
-              <a:defRPr sz="2800"/>
+              <a:defRPr sz="1800"/>
             </a:lvl2pPr>
             <a:lvl3pPr>
-              <a:defRPr sz="2400"/>
+              <a:defRPr sz="1600"/>
             </a:lvl3pPr>
             <a:lvl4pPr>
-              <a:defRPr sz="2000"/>
+              <a:defRPr sz="1400"/>
             </a:lvl4pPr>
             <a:lvl5pPr>
-              <a:defRPr sz="2000"/>
+              <a:defRPr sz="1400"/>
             </a:lvl5pPr>
             <a:lvl6pPr>
-              <a:defRPr sz="2000"/>
+              <a:defRPr sz="1400"/>
             </a:lvl6pPr>
             <a:lvl7pPr>
-              <a:defRPr sz="2000"/>
+              <a:defRPr sz="1400"/>
             </a:lvl7pPr>
             <a:lvl8pPr>
-              <a:defRPr sz="2000"/>
+              <a:defRPr sz="1400"/>
             </a:lvl8pPr>
             <a:lvl9pPr>
-              <a:defRPr sz="2000"/>
+              <a:defRPr sz="1400"/>
             </a:lvl9pPr>
           </a:lstStyle>
           <a:p>
@@ -2294,18 +2307,13 @@
               <a:rPr lang="en-US"/>
               <a:t>Fifth level</a:t>
             </a:r>
-          </a:p>
-        </p:txBody>
-      </p:sp>
-      <p:sp>
-        <p:nvSpPr>
-          <p:cNvPr id="4" name="Text Placeholder 3">
-            <a:extLst>
-              <a:ext uri="{FF2B5EF4-FFF2-40B4-BE49-F238E27FC236}">
-                <a16:creationId xmlns:a16="http://schemas.microsoft.com/office/drawing/2014/main" id="{8C1DB48D-ADB6-4B94-B783-88999316828E}"/>
-              </a:ext>
-            </a:extLst>
-          </p:cNvPr>
+            <a:endParaRPr lang="en-US" dirty="0"/>
+          </a:p>
+        </p:txBody>
+      </p:sp>
+      <p:sp>
+        <p:nvSpPr>
+          <p:cNvPr id="4" name="Text Placeholder 3"/>
           <p:cNvSpPr>
             <a:spLocks noGrp="1"/>
           </p:cNvSpPr>
@@ -2315,48 +2323,56 @@
         </p:nvSpPr>
         <p:spPr>
           <a:xfrm>
-            <a:off x="839788" y="2057400"/>
-            <a:ext cx="3932237" cy="3811588"/>
+            <a:off x="841248" y="2099734"/>
+            <a:ext cx="3200400" cy="3810001"/>
           </a:xfrm>
         </p:spPr>
         <p:txBody>
-          <a:bodyPr/>
+          <a:bodyPr>
+            <a:normAutofit/>
+          </a:bodyPr>
           <a:lstStyle>
             <a:lvl1pPr marL="0" indent="0">
-              <a:buNone/>
-              <a:defRPr sz="1600"/>
+              <a:lnSpc>
+                <a:spcPct val="114000"/>
+              </a:lnSpc>
+              <a:spcBef>
+                <a:spcPts val="800"/>
+              </a:spcBef>
+              <a:buNone/>
+              <a:defRPr sz="1300"/>
             </a:lvl1pPr>
             <a:lvl2pPr marL="457200" indent="0">
               <a:buNone/>
-              <a:defRPr sz="1400"/>
+              <a:defRPr sz="1200"/>
             </a:lvl2pPr>
             <a:lvl3pPr marL="914400" indent="0">
               <a:buNone/>
-              <a:defRPr sz="1200"/>
+              <a:defRPr sz="1000"/>
             </a:lvl3pPr>
             <a:lvl4pPr marL="1371600" indent="0">
               <a:buNone/>
-              <a:defRPr sz="1000"/>
+              <a:defRPr sz="900"/>
             </a:lvl4pPr>
             <a:lvl5pPr marL="1828800" indent="0">
               <a:buNone/>
-              <a:defRPr sz="1000"/>
+              <a:defRPr sz="900"/>
             </a:lvl5pPr>
             <a:lvl6pPr marL="2286000" indent="0">
               <a:buNone/>
-              <a:defRPr sz="1000"/>
+              <a:defRPr sz="900"/>
             </a:lvl6pPr>
             <a:lvl7pPr marL="2743200" indent="0">
               <a:buNone/>
-              <a:defRPr sz="1000"/>
+              <a:defRPr sz="900"/>
             </a:lvl7pPr>
             <a:lvl8pPr marL="3200400" indent="0">
               <a:buNone/>
-              <a:defRPr sz="1000"/>
+              <a:defRPr sz="900"/>
             </a:lvl8pPr>
             <a:lvl9pPr marL="3657600" indent="0">
               <a:buNone/>
-              <a:defRPr sz="1000"/>
+              <a:defRPr sz="900"/>
             </a:lvl9pPr>
           </a:lstStyle>
           <a:p>
@@ -2370,13 +2386,7 @@
       </p:sp>
       <p:sp>
         <p:nvSpPr>
-          <p:cNvPr id="5" name="Date Placeholder 4">
-            <a:extLst>
-              <a:ext uri="{FF2B5EF4-FFF2-40B4-BE49-F238E27FC236}">
-                <a16:creationId xmlns:a16="http://schemas.microsoft.com/office/drawing/2014/main" id="{5F9DBA0E-67BA-4345-BE8E-2E967E0C9ECF}"/>
-              </a:ext>
-            </a:extLst>
-          </p:cNvPr>
+          <p:cNvPr id="5" name="Date Placeholder 4"/>
           <p:cNvSpPr>
             <a:spLocks noGrp="1"/>
           </p:cNvSpPr>
@@ -2391,7 +2401,7 @@
           <a:p>
             <a:fld id="{06E59AF1-6C9D-4363-8624-D795C4A4ED21}" type="datetimeFigureOut">
               <a:rPr lang="en-US" smtClean="0"/>
-              <a:t>4/28/2022</a:t>
+              <a:t>5/1/2022</a:t>
             </a:fld>
             <a:endParaRPr lang="en-US"/>
           </a:p>
@@ -2399,13 +2409,7 @@
       </p:sp>
       <p:sp>
         <p:nvSpPr>
-          <p:cNvPr id="6" name="Footer Placeholder 5">
-            <a:extLst>
-              <a:ext uri="{FF2B5EF4-FFF2-40B4-BE49-F238E27FC236}">
-                <a16:creationId xmlns:a16="http://schemas.microsoft.com/office/drawing/2014/main" id="{5ECDCE94-9CCB-4F57-94C6-055C07F495D0}"/>
-              </a:ext>
-            </a:extLst>
-          </p:cNvPr>
+          <p:cNvPr id="6" name="Footer Placeholder 5"/>
           <p:cNvSpPr>
             <a:spLocks noGrp="1"/>
           </p:cNvSpPr>
@@ -2424,13 +2428,7 @@
       </p:sp>
       <p:sp>
         <p:nvSpPr>
-          <p:cNvPr id="7" name="Slide Number Placeholder 6">
-            <a:extLst>
-              <a:ext uri="{FF2B5EF4-FFF2-40B4-BE49-F238E27FC236}">
-                <a16:creationId xmlns:a16="http://schemas.microsoft.com/office/drawing/2014/main" id="{3DE14625-3834-4CAA-B261-C3509EB0C297}"/>
-              </a:ext>
-            </a:extLst>
-          </p:cNvPr>
+          <p:cNvPr id="7" name="Slide Number Placeholder 6"/>
           <p:cNvSpPr>
             <a:spLocks noGrp="1"/>
           </p:cNvSpPr>
@@ -2454,7 +2452,7 @@
     </p:spTree>
     <p:extLst>
       <p:ext uri="{BB962C8B-B14F-4D97-AF65-F5344CB8AC3E}">
-        <p14:creationId xmlns:p14="http://schemas.microsoft.com/office/powerpoint/2010/main" val="1509564203"/>
+        <p14:creationId xmlns:p14="http://schemas.microsoft.com/office/powerpoint/2010/main" val="2847471831"/>
       </p:ext>
     </p:extLst>
   </p:cSld>
@@ -2483,31 +2481,69 @@
       </p:grpSpPr>
       <p:sp>
         <p:nvSpPr>
-          <p:cNvPr id="2" name="Title 1">
-            <a:extLst>
-              <a:ext uri="{FF2B5EF4-FFF2-40B4-BE49-F238E27FC236}">
-                <a16:creationId xmlns:a16="http://schemas.microsoft.com/office/drawing/2014/main" id="{847724C7-0C63-46D7-AC27-F9CE4408345E}"/>
-              </a:ext>
-            </a:extLst>
-          </p:cNvPr>
-          <p:cNvSpPr>
-            <a:spLocks noGrp="1"/>
-          </p:cNvSpPr>
-          <p:nvPr>
-            <p:ph type="title"/>
-          </p:nvPr>
+          <p:cNvPr id="8" name="Rectangle 7"/>
+          <p:cNvSpPr/>
+          <p:nvPr/>
         </p:nvSpPr>
         <p:spPr>
           <a:xfrm>
-            <a:off x="839788" y="457200"/>
-            <a:ext cx="3932237" cy="1600200"/>
+            <a:off x="0" y="5105400"/>
+            <a:ext cx="11292840" cy="1752600"/>
+          </a:xfrm>
+          <a:prstGeom prst="rect">
+            <a:avLst/>
+          </a:prstGeom>
+          <a:solidFill>
+            <a:srgbClr val="000000"/>
+          </a:solidFill>
+          <a:ln>
+            <a:noFill/>
+          </a:ln>
+        </p:spPr>
+        <p:style>
+          <a:lnRef idx="2">
+            <a:schemeClr val="accent1">
+              <a:shade val="50000"/>
+            </a:schemeClr>
+          </a:lnRef>
+          <a:fillRef idx="1">
+            <a:schemeClr val="accent1"/>
+          </a:fillRef>
+          <a:effectRef idx="0">
+            <a:schemeClr val="accent1"/>
+          </a:effectRef>
+          <a:fontRef idx="minor">
+            <a:schemeClr val="lt1"/>
+          </a:fontRef>
+        </p:style>
+      </p:sp>
+      <p:sp>
+        <p:nvSpPr>
+          <p:cNvPr id="2" name="Title 1"/>
+          <p:cNvSpPr>
+            <a:spLocks noGrp="1"/>
+          </p:cNvSpPr>
+          <p:nvPr>
+            <p:ph type="title"/>
+          </p:nvPr>
+        </p:nvSpPr>
+        <p:spPr>
+          <a:xfrm>
+            <a:off x="914400" y="5257800"/>
+            <a:ext cx="9982200" cy="914400"/>
           </a:xfrm>
         </p:spPr>
         <p:txBody>
-          <a:bodyPr anchor="b"/>
+          <a:bodyPr anchor="b">
+            <a:normAutofit/>
+          </a:bodyPr>
           <a:lstStyle>
             <a:lvl1pPr>
-              <a:defRPr sz="3200"/>
+              <a:defRPr sz="2800" b="0">
+                <a:solidFill>
+                  <a:schemeClr val="bg1"/>
+                </a:solidFill>
+              </a:defRPr>
             </a:lvl1pPr>
           </a:lstStyle>
           <a:p>
@@ -2515,20 +2551,15 @@
               <a:rPr lang="en-US"/>
               <a:t>Click to edit Master title style</a:t>
             </a:r>
-          </a:p>
-        </p:txBody>
-      </p:sp>
-      <p:sp>
-        <p:nvSpPr>
-          <p:cNvPr id="3" name="Picture Placeholder 2">
-            <a:extLst>
-              <a:ext uri="{FF2B5EF4-FFF2-40B4-BE49-F238E27FC236}">
-                <a16:creationId xmlns:a16="http://schemas.microsoft.com/office/drawing/2014/main" id="{22D8B4BF-2A17-4C79-8650-8B79998EDC54}"/>
-              </a:ext>
-            </a:extLst>
-          </p:cNvPr>
-          <p:cNvSpPr>
-            <a:spLocks noGrp="1"/>
+            <a:endParaRPr lang="en-US" dirty="0"/>
+          </a:p>
+        </p:txBody>
+      </p:sp>
+      <p:sp>
+        <p:nvSpPr>
+          <p:cNvPr id="3" name="Picture Placeholder 2"/>
+          <p:cNvSpPr>
+            <a:spLocks noGrp="1" noChangeAspect="1"/>
           </p:cNvSpPr>
           <p:nvPr>
             <p:ph type="pic" idx="1"/>
@@ -2536,16 +2567,23 @@
         </p:nvSpPr>
         <p:spPr>
           <a:xfrm>
-            <a:off x="5183188" y="987425"/>
-            <a:ext cx="6172200" cy="4873625"/>
+            <a:off x="0" y="0"/>
+            <a:ext cx="11292840" cy="5128923"/>
           </a:xfrm>
+          <a:solidFill>
+            <a:schemeClr val="accent1"/>
+          </a:solidFill>
         </p:spPr>
         <p:txBody>
-          <a:bodyPr/>
+          <a:bodyPr anchor="t"/>
           <a:lstStyle>
             <a:lvl1pPr marL="0" indent="0">
               <a:buNone/>
-              <a:defRPr sz="3200"/>
+              <a:defRPr sz="3200">
+                <a:solidFill>
+                  <a:schemeClr val="bg1"/>
+                </a:solidFill>
+              </a:defRPr>
             </a:lvl1pPr>
             <a:lvl2pPr marL="457200" indent="0">
               <a:buNone/>
@@ -2581,19 +2619,17 @@
             </a:lvl9pPr>
           </a:lstStyle>
           <a:p>
-            <a:endParaRPr lang="en-US"/>
-          </a:p>
-        </p:txBody>
-      </p:sp>
-      <p:sp>
-        <p:nvSpPr>
-          <p:cNvPr id="4" name="Text Placeholder 3">
-            <a:extLst>
-              <a:ext uri="{FF2B5EF4-FFF2-40B4-BE49-F238E27FC236}">
-                <a16:creationId xmlns:a16="http://schemas.microsoft.com/office/drawing/2014/main" id="{B7B7D298-D89F-4199-B7F5-B1890EFF6D2F}"/>
-              </a:ext>
-            </a:extLst>
-          </p:cNvPr>
+            <a:r>
+              <a:rPr lang="en-US"/>
+              <a:t>Click icon to add picture</a:t>
+            </a:r>
+            <a:endParaRPr lang="en-US" dirty="0"/>
+          </a:p>
+        </p:txBody>
+      </p:sp>
+      <p:sp>
+        <p:nvSpPr>
+          <p:cNvPr id="4" name="Text Placeholder 3"/>
           <p:cNvSpPr>
             <a:spLocks noGrp="1"/>
           </p:cNvSpPr>
@@ -2603,48 +2639,62 @@
         </p:nvSpPr>
         <p:spPr>
           <a:xfrm>
-            <a:off x="839788" y="2057400"/>
-            <a:ext cx="3932237" cy="3811588"/>
+            <a:off x="914400" y="6108589"/>
+            <a:ext cx="9982200" cy="597011"/>
           </a:xfrm>
         </p:spPr>
         <p:txBody>
-          <a:bodyPr/>
+          <a:bodyPr>
+            <a:normAutofit/>
+          </a:bodyPr>
           <a:lstStyle>
             <a:lvl1pPr marL="0" indent="0">
-              <a:buNone/>
-              <a:defRPr sz="1600"/>
+              <a:lnSpc>
+                <a:spcPct val="100000"/>
+              </a:lnSpc>
+              <a:spcBef>
+                <a:spcPts val="800"/>
+              </a:spcBef>
+              <a:buNone/>
+              <a:defRPr sz="1300">
+                <a:solidFill>
+                  <a:schemeClr val="bg1">
+                    <a:lumMod val="85000"/>
+                  </a:schemeClr>
+                </a:solidFill>
+              </a:defRPr>
             </a:lvl1pPr>
             <a:lvl2pPr marL="457200" indent="0">
               <a:buNone/>
-              <a:defRPr sz="1400"/>
+              <a:defRPr sz="1200"/>
             </a:lvl2pPr>
             <a:lvl3pPr marL="914400" indent="0">
               <a:buNone/>
-              <a:defRPr sz="1200"/>
+              <a:defRPr sz="1000"/>
             </a:lvl3pPr>
             <a:lvl4pPr marL="1371600" indent="0">
               <a:buNone/>
-              <a:defRPr sz="1000"/>
+              <a:defRPr sz="900"/>
             </a:lvl4pPr>
             <a:lvl5pPr marL="1828800" indent="0">
               <a:buNone/>
-              <a:defRPr sz="1000"/>
+              <a:defRPr sz="900"/>
             </a:lvl5pPr>
             <a:lvl6pPr marL="2286000" indent="0">
               <a:buNone/>
-              <a:defRPr sz="1000"/>
+              <a:defRPr sz="900"/>
             </a:lvl6pPr>
             <a:lvl7pPr marL="2743200" indent="0">
               <a:buNone/>
-              <a:defRPr sz="1000"/>
+              <a:defRPr sz="900"/>
             </a:lvl7pPr>
             <a:lvl8pPr marL="3200400" indent="0">
               <a:buNone/>
-              <a:defRPr sz="1000"/>
+              <a:defRPr sz="900"/>
             </a:lvl8pPr>
             <a:lvl9pPr marL="3657600" indent="0">
               <a:buNone/>
-              <a:defRPr sz="1000"/>
+              <a:defRPr sz="900"/>
             </a:lvl9pPr>
           </a:lstStyle>
           <a:p>
@@ -2658,13 +2708,7 @@
       </p:sp>
       <p:sp>
         <p:nvSpPr>
-          <p:cNvPr id="5" name="Date Placeholder 4">
-            <a:extLst>
-              <a:ext uri="{FF2B5EF4-FFF2-40B4-BE49-F238E27FC236}">
-                <a16:creationId xmlns:a16="http://schemas.microsoft.com/office/drawing/2014/main" id="{6DE6736F-F0B1-4C44-901C-46142CA1C098}"/>
-              </a:ext>
-            </a:extLst>
-          </p:cNvPr>
+          <p:cNvPr id="5" name="Date Placeholder 4"/>
           <p:cNvSpPr>
             <a:spLocks noGrp="1"/>
           </p:cNvSpPr>
@@ -2679,7 +2723,7 @@
           <a:p>
             <a:fld id="{06E59AF1-6C9D-4363-8624-D795C4A4ED21}" type="datetimeFigureOut">
               <a:rPr lang="en-US" smtClean="0"/>
-              <a:t>4/28/2022</a:t>
+              <a:t>5/1/2022</a:t>
             </a:fld>
             <a:endParaRPr lang="en-US"/>
           </a:p>
@@ -2687,13 +2731,7 @@
       </p:sp>
       <p:sp>
         <p:nvSpPr>
-          <p:cNvPr id="6" name="Footer Placeholder 5">
-            <a:extLst>
-              <a:ext uri="{FF2B5EF4-FFF2-40B4-BE49-F238E27FC236}">
-                <a16:creationId xmlns:a16="http://schemas.microsoft.com/office/drawing/2014/main" id="{2A4F8C8F-F507-42D1-99E7-5237A709103E}"/>
-              </a:ext>
-            </a:extLst>
-          </p:cNvPr>
+          <p:cNvPr id="6" name="Footer Placeholder 5"/>
           <p:cNvSpPr>
             <a:spLocks noGrp="1"/>
           </p:cNvSpPr>
@@ -2712,13 +2750,7 @@
       </p:sp>
       <p:sp>
         <p:nvSpPr>
-          <p:cNvPr id="7" name="Slide Number Placeholder 6">
-            <a:extLst>
-              <a:ext uri="{FF2B5EF4-FFF2-40B4-BE49-F238E27FC236}">
-                <a16:creationId xmlns:a16="http://schemas.microsoft.com/office/drawing/2014/main" id="{BEDE94E3-5B09-453C-BB1F-17824DF0D334}"/>
-              </a:ext>
-            </a:extLst>
-          </p:cNvPr>
+          <p:cNvPr id="7" name="Slide Number Placeholder 6"/>
           <p:cNvSpPr>
             <a:spLocks noGrp="1"/>
           </p:cNvSpPr>
@@ -2742,7 +2774,7 @@
     </p:spTree>
     <p:extLst>
       <p:ext uri="{BB962C8B-B14F-4D97-AF65-F5344CB8AC3E}">
-        <p14:creationId xmlns:p14="http://schemas.microsoft.com/office/powerpoint/2010/main" val="1317062369"/>
+        <p14:creationId xmlns:p14="http://schemas.microsoft.com/office/powerpoint/2010/main" val="118211804"/>
       </p:ext>
     </p:extLst>
   </p:cSld>
@@ -2776,31 +2808,65 @@
       </p:grpSpPr>
       <p:sp>
         <p:nvSpPr>
-          <p:cNvPr id="2" name="Title Placeholder 1">
-            <a:extLst>
-              <a:ext uri="{FF2B5EF4-FFF2-40B4-BE49-F238E27FC236}">
-                <a16:creationId xmlns:a16="http://schemas.microsoft.com/office/drawing/2014/main" id="{0484563D-852C-49B6-B5F9-EA2BC3E98327}"/>
-              </a:ext>
-            </a:extLst>
-          </p:cNvPr>
-          <p:cNvSpPr>
-            <a:spLocks noGrp="1"/>
-          </p:cNvSpPr>
-          <p:nvPr>
-            <p:ph type="title"/>
-          </p:nvPr>
+          <p:cNvPr id="7" name="Rectangle 6"/>
+          <p:cNvSpPr/>
+          <p:nvPr/>
         </p:nvSpPr>
         <p:spPr>
           <a:xfrm>
-            <a:off x="838200" y="365125"/>
-            <a:ext cx="10515600" cy="1325563"/>
+            <a:off x="11292840" y="0"/>
+            <a:ext cx="914400" cy="6858000"/>
+          </a:xfrm>
+          <a:prstGeom prst="rect">
+            <a:avLst/>
+          </a:prstGeom>
+          <a:solidFill>
+            <a:schemeClr val="tx2">
+              <a:lumMod val="75000"/>
+            </a:schemeClr>
+          </a:solidFill>
+          <a:ln>
+            <a:noFill/>
+          </a:ln>
+        </p:spPr>
+        <p:style>
+          <a:lnRef idx="2">
+            <a:schemeClr val="accent1">
+              <a:shade val="50000"/>
+            </a:schemeClr>
+          </a:lnRef>
+          <a:fillRef idx="1">
+            <a:schemeClr val="accent1"/>
+          </a:fillRef>
+          <a:effectRef idx="0">
+            <a:schemeClr val="accent1"/>
+          </a:effectRef>
+          <a:fontRef idx="minor">
+            <a:schemeClr val="lt1"/>
+          </a:fontRef>
+        </p:style>
+      </p:sp>
+      <p:sp>
+        <p:nvSpPr>
+          <p:cNvPr id="2" name="Title Placeholder 1"/>
+          <p:cNvSpPr>
+            <a:spLocks noGrp="1"/>
+          </p:cNvSpPr>
+          <p:nvPr>
+            <p:ph type="title"/>
+          </p:nvPr>
+        </p:nvSpPr>
+        <p:spPr>
+          <a:xfrm>
+            <a:off x="1261872" y="365760"/>
+            <a:ext cx="9692640" cy="1325562"/>
           </a:xfrm>
           <a:prstGeom prst="rect">
             <a:avLst/>
           </a:prstGeom>
         </p:spPr>
         <p:txBody>
-          <a:bodyPr vert="horz" lIns="91440" tIns="45720" rIns="91440" bIns="45720" rtlCol="0" anchor="ctr">
+          <a:bodyPr vert="horz" lIns="91440" tIns="45720" rIns="91440" bIns="45720" rtlCol="0" anchor="b">
             <a:normAutofit/>
           </a:bodyPr>
           <a:lstStyle/>
@@ -2809,18 +2875,13 @@
               <a:rPr lang="en-US"/>
               <a:t>Click to edit Master title style</a:t>
             </a:r>
-          </a:p>
-        </p:txBody>
-      </p:sp>
-      <p:sp>
-        <p:nvSpPr>
-          <p:cNvPr id="3" name="Text Placeholder 2">
-            <a:extLst>
-              <a:ext uri="{FF2B5EF4-FFF2-40B4-BE49-F238E27FC236}">
-                <a16:creationId xmlns:a16="http://schemas.microsoft.com/office/drawing/2014/main" id="{E2A080DD-BD61-4A7A-9088-149B6272E041}"/>
-              </a:ext>
-            </a:extLst>
-          </p:cNvPr>
+            <a:endParaRPr lang="en-US" dirty="0"/>
+          </a:p>
+        </p:txBody>
+      </p:sp>
+      <p:sp>
+        <p:nvSpPr>
+          <p:cNvPr id="3" name="Text Placeholder 2"/>
           <p:cNvSpPr>
             <a:spLocks noGrp="1"/>
           </p:cNvSpPr>
@@ -2830,8 +2891,8 @@
         </p:nvSpPr>
         <p:spPr>
           <a:xfrm>
-            <a:off x="838200" y="1825625"/>
-            <a:ext cx="10515600" cy="4351338"/>
+            <a:off x="1261872" y="1828800"/>
+            <a:ext cx="8595360" cy="4351337"/>
           </a:xfrm>
           <a:prstGeom prst="rect">
             <a:avLst/>
@@ -2876,18 +2937,13 @@
               <a:rPr lang="en-US"/>
               <a:t>Fifth level</a:t>
             </a:r>
-          </a:p>
-        </p:txBody>
-      </p:sp>
-      <p:sp>
-        <p:nvSpPr>
-          <p:cNvPr id="4" name="Date Placeholder 3">
-            <a:extLst>
-              <a:ext uri="{FF2B5EF4-FFF2-40B4-BE49-F238E27FC236}">
-                <a16:creationId xmlns:a16="http://schemas.microsoft.com/office/drawing/2014/main" id="{3AA3C458-BC66-4944-8DDE-C818B2BD5BCF}"/>
-              </a:ext>
-            </a:extLst>
-          </p:cNvPr>
+            <a:endParaRPr lang="en-US" dirty="0"/>
+          </a:p>
+        </p:txBody>
+      </p:sp>
+      <p:sp>
+        <p:nvSpPr>
+          <p:cNvPr id="4" name="Date Placeholder 3"/>
           <p:cNvSpPr>
             <a:spLocks noGrp="1"/>
           </p:cNvSpPr>
@@ -2896,9 +2952,9 @@
           </p:nvPr>
         </p:nvSpPr>
         <p:spPr>
-          <a:xfrm>
-            <a:off x="838200" y="6356350"/>
-            <a:ext cx="2743200" cy="365125"/>
+          <a:xfrm rot="16200000">
+            <a:off x="10797542" y="998537"/>
+            <a:ext cx="1904999" cy="365125"/>
           </a:xfrm>
           <a:prstGeom prst="rect">
             <a:avLst/>
@@ -2907,11 +2963,12 @@
         <p:txBody>
           <a:bodyPr vert="horz" lIns="91440" tIns="45720" rIns="91440" bIns="45720" rtlCol="0" anchor="ctr"/>
           <a:lstStyle>
-            <a:lvl1pPr algn="l">
-              <a:defRPr sz="1200">
+            <a:lvl1pPr algn="r">
+              <a:defRPr sz="1050" b="0">
                 <a:solidFill>
-                  <a:schemeClr val="tx1">
-                    <a:tint val="75000"/>
+                  <a:schemeClr val="tx2">
+                    <a:lumMod val="20000"/>
+                    <a:lumOff val="80000"/>
                   </a:schemeClr>
                 </a:solidFill>
               </a:defRPr>
@@ -2920,7 +2977,7 @@
           <a:p>
             <a:fld id="{06E59AF1-6C9D-4363-8624-D795C4A4ED21}" type="datetimeFigureOut">
               <a:rPr lang="en-US" smtClean="0"/>
-              <a:t>4/28/2022</a:t>
+              <a:t>5/1/2022</a:t>
             </a:fld>
             <a:endParaRPr lang="en-US"/>
           </a:p>
@@ -2928,13 +2985,7 @@
       </p:sp>
       <p:sp>
         <p:nvSpPr>
-          <p:cNvPr id="5" name="Footer Placeholder 4">
-            <a:extLst>
-              <a:ext uri="{FF2B5EF4-FFF2-40B4-BE49-F238E27FC236}">
-                <a16:creationId xmlns:a16="http://schemas.microsoft.com/office/drawing/2014/main" id="{FB7774A5-862D-40FC-92C3-20E5A403D7A2}"/>
-              </a:ext>
-            </a:extLst>
-          </p:cNvPr>
+          <p:cNvPr id="5" name="Footer Placeholder 4"/>
           <p:cNvSpPr>
             <a:spLocks noGrp="1"/>
           </p:cNvSpPr>
@@ -2943,9 +2994,9 @@
           </p:nvPr>
         </p:nvSpPr>
         <p:spPr>
-          <a:xfrm>
-            <a:off x="4038600" y="6356350"/>
-            <a:ext cx="4114800" cy="365125"/>
+          <a:xfrm rot="16200000">
+            <a:off x="9959341" y="4046537"/>
+            <a:ext cx="3581400" cy="365125"/>
           </a:xfrm>
           <a:prstGeom prst="rect">
             <a:avLst/>
@@ -2954,11 +3005,12 @@
         <p:txBody>
           <a:bodyPr vert="horz" lIns="91440" tIns="45720" rIns="91440" bIns="45720" rtlCol="0" anchor="ctr"/>
           <a:lstStyle>
-            <a:lvl1pPr algn="ctr">
-              <a:defRPr sz="1200">
+            <a:lvl1pPr algn="l">
+              <a:defRPr sz="1050">
                 <a:solidFill>
-                  <a:schemeClr val="tx1">
-                    <a:tint val="75000"/>
+                  <a:schemeClr val="tx2">
+                    <a:lumMod val="20000"/>
+                    <a:lumOff val="80000"/>
                   </a:schemeClr>
                 </a:solidFill>
               </a:defRPr>
@@ -2971,13 +3023,7 @@
       </p:sp>
       <p:sp>
         <p:nvSpPr>
-          <p:cNvPr id="6" name="Slide Number Placeholder 5">
-            <a:extLst>
-              <a:ext uri="{FF2B5EF4-FFF2-40B4-BE49-F238E27FC236}">
-                <a16:creationId xmlns:a16="http://schemas.microsoft.com/office/drawing/2014/main" id="{53A31E02-D398-4844-8A35-13D4C8826E19}"/>
-              </a:ext>
-            </a:extLst>
-          </p:cNvPr>
+          <p:cNvPr id="6" name="Slide Number Placeholder 5"/>
           <p:cNvSpPr>
             <a:spLocks noGrp="1"/>
           </p:cNvSpPr>
@@ -2987,21 +3033,24 @@
         </p:nvSpPr>
         <p:spPr>
           <a:xfrm>
-            <a:off x="8610600" y="6356350"/>
-            <a:ext cx="2743200" cy="365125"/>
+            <a:off x="11292840" y="6172200"/>
+            <a:ext cx="914400" cy="593725"/>
           </a:xfrm>
           <a:prstGeom prst="rect">
             <a:avLst/>
           </a:prstGeom>
         </p:spPr>
         <p:txBody>
-          <a:bodyPr vert="horz" lIns="91440" tIns="45720" rIns="91440" bIns="45720" rtlCol="0" anchor="ctr"/>
+          <a:bodyPr vert="horz" lIns="45720" tIns="45720" rIns="45720" bIns="45720" rtlCol="0" anchor="ctr">
+            <a:normAutofit/>
+          </a:bodyPr>
           <a:lstStyle>
-            <a:lvl1pPr algn="r">
-              <a:defRPr sz="1200">
+            <a:lvl1pPr algn="ctr">
+              <a:defRPr sz="3600">
                 <a:solidFill>
-                  <a:schemeClr val="tx1">
-                    <a:tint val="75000"/>
+                  <a:schemeClr val="tx2">
+                    <a:lumMod val="60000"/>
+                    <a:lumOff val="40000"/>
                   </a:schemeClr>
                 </a:solidFill>
               </a:defRPr>
@@ -3019,23 +3068,23 @@
     </p:spTree>
     <p:extLst>
       <p:ext uri="{BB962C8B-B14F-4D97-AF65-F5344CB8AC3E}">
-        <p14:creationId xmlns:p14="http://schemas.microsoft.com/office/powerpoint/2010/main" val="1149867741"/>
+        <p14:creationId xmlns:p14="http://schemas.microsoft.com/office/powerpoint/2010/main" val="1428113684"/>
       </p:ext>
     </p:extLst>
   </p:cSld>
   <p:clrMap bg1="lt1" tx1="dk1" bg2="lt2" tx2="dk2" accent1="accent1" accent2="accent2" accent3="accent3" accent4="accent4" accent5="accent5" accent6="accent6" hlink="hlink" folHlink="folHlink"/>
   <p:sldLayoutIdLst>
-    <p:sldLayoutId id="2147483649" r:id="rId1"/>
-    <p:sldLayoutId id="2147483650" r:id="rId2"/>
-    <p:sldLayoutId id="2147483651" r:id="rId3"/>
-    <p:sldLayoutId id="2147483652" r:id="rId4"/>
-    <p:sldLayoutId id="2147483653" r:id="rId5"/>
-    <p:sldLayoutId id="2147483654" r:id="rId6"/>
-    <p:sldLayoutId id="2147483655" r:id="rId7"/>
-    <p:sldLayoutId id="2147483656" r:id="rId8"/>
-    <p:sldLayoutId id="2147483657" r:id="rId9"/>
-    <p:sldLayoutId id="2147483658" r:id="rId10"/>
-    <p:sldLayoutId id="2147483659" r:id="rId11"/>
+    <p:sldLayoutId id="2147483661" r:id="rId1"/>
+    <p:sldLayoutId id="2147483662" r:id="rId2"/>
+    <p:sldLayoutId id="2147483663" r:id="rId3"/>
+    <p:sldLayoutId id="2147483664" r:id="rId4"/>
+    <p:sldLayoutId id="2147483665" r:id="rId5"/>
+    <p:sldLayoutId id="2147483666" r:id="rId6"/>
+    <p:sldLayoutId id="2147483667" r:id="rId7"/>
+    <p:sldLayoutId id="2147483668" r:id="rId8"/>
+    <p:sldLayoutId id="2147483669" r:id="rId9"/>
+    <p:sldLayoutId id="2147483670" r:id="rId10"/>
+    <p:sldLayoutId id="2147483671" r:id="rId11"/>
   </p:sldLayoutIdLst>
   <p:txStyles>
     <p:titleStyle>
@@ -3047,7 +3096,7 @@
           <a:spcPct val="0"/>
         </a:spcBef>
         <a:buNone/>
-        <a:defRPr sz="4400" kern="1200">
+        <a:defRPr sz="4400" kern="1200" spc="-50" baseline="0">
           <a:solidFill>
             <a:schemeClr val="tx1"/>
           </a:solidFill>
@@ -3058,16 +3107,23 @@
       </a:lvl1pPr>
     </p:titleStyle>
     <p:bodyStyle>
-      <a:lvl1pPr marL="228600" indent="-228600" algn="l" defTabSz="914400" rtl="0" eaLnBrk="1" latinLnBrk="0" hangingPunct="1">
+      <a:lvl1pPr marL="182880" indent="-182880" algn="l" defTabSz="914400" rtl="0" eaLnBrk="1" latinLnBrk="0" hangingPunct="1">
         <a:lnSpc>
-          <a:spcPct val="90000"/>
+          <a:spcPct val="95000"/>
         </a:lnSpc>
         <a:spcBef>
-          <a:spcPts val="1000"/>
+          <a:spcPts val="1400"/>
         </a:spcBef>
-        <a:buFont typeface="Arial" panose="020B0604020202020204" pitchFamily="34" charset="0"/>
+        <a:spcAft>
+          <a:spcPts val="200"/>
+        </a:spcAft>
+        <a:buClr>
+          <a:schemeClr val="accent1"/>
+        </a:buClr>
+        <a:buSzPct val="80000"/>
+        <a:buFont typeface="Arial" pitchFamily="34" charset="0"/>
         <a:buChar char="•"/>
-        <a:defRPr sz="2800" kern="1200">
+        <a:defRPr sz="1800" kern="1200" spc="10" baseline="0">
           <a:solidFill>
             <a:schemeClr val="tx1"/>
           </a:solidFill>
@@ -3076,144 +3132,216 @@
           <a:cs typeface="+mn-cs"/>
         </a:defRPr>
       </a:lvl1pPr>
-      <a:lvl2pPr marL="685800" indent="-228600" algn="l" defTabSz="914400" rtl="0" eaLnBrk="1" latinLnBrk="0" hangingPunct="1">
+      <a:lvl2pPr marL="457200" indent="-182880" algn="l" defTabSz="914400" rtl="0" eaLnBrk="1" latinLnBrk="0" hangingPunct="1">
         <a:lnSpc>
           <a:spcPct val="90000"/>
         </a:lnSpc>
         <a:spcBef>
-          <a:spcPts val="500"/>
+          <a:spcPts val="300"/>
         </a:spcBef>
-        <a:buFont typeface="Arial" panose="020B0604020202020204" pitchFamily="34" charset="0"/>
-        <a:buChar char="•"/>
-        <a:defRPr sz="2400" kern="1200">
+        <a:spcAft>
+          <a:spcPts val="300"/>
+        </a:spcAft>
+        <a:buClr>
+          <a:schemeClr val="accent1"/>
+        </a:buClr>
+        <a:buFont typeface="Wingdings 2" pitchFamily="18" charset="2"/>
+        <a:buChar char=""/>
+        <a:defRPr sz="1600" kern="1200">
           <a:solidFill>
-            <a:schemeClr val="tx1"/>
+            <a:schemeClr val="tx1">
+              <a:lumMod val="85000"/>
+              <a:lumOff val="15000"/>
+            </a:schemeClr>
           </a:solidFill>
           <a:latin typeface="+mn-lt"/>
           <a:ea typeface="+mn-ea"/>
           <a:cs typeface="+mn-cs"/>
         </a:defRPr>
       </a:lvl2pPr>
-      <a:lvl3pPr marL="1143000" indent="-228600" algn="l" defTabSz="914400" rtl="0" eaLnBrk="1" latinLnBrk="0" hangingPunct="1">
+      <a:lvl3pPr marL="731520" indent="-182880" algn="l" defTabSz="914400" rtl="0" eaLnBrk="1" latinLnBrk="0" hangingPunct="1">
         <a:lnSpc>
           <a:spcPct val="90000"/>
         </a:lnSpc>
         <a:spcBef>
-          <a:spcPts val="500"/>
+          <a:spcPts val="300"/>
         </a:spcBef>
-        <a:buFont typeface="Arial" panose="020B0604020202020204" pitchFamily="34" charset="0"/>
-        <a:buChar char="•"/>
-        <a:defRPr sz="2000" kern="1200">
+        <a:spcAft>
+          <a:spcPts val="300"/>
+        </a:spcAft>
+        <a:buClr>
+          <a:schemeClr val="accent1"/>
+        </a:buClr>
+        <a:buFont typeface="Wingdings 2" pitchFamily="18" charset="2"/>
+        <a:buChar char=""/>
+        <a:defRPr sz="1400" kern="1200">
           <a:solidFill>
-            <a:schemeClr val="tx1"/>
+            <a:schemeClr val="tx1">
+              <a:lumMod val="85000"/>
+              <a:lumOff val="15000"/>
+            </a:schemeClr>
           </a:solidFill>
           <a:latin typeface="+mn-lt"/>
           <a:ea typeface="+mn-ea"/>
           <a:cs typeface="+mn-cs"/>
         </a:defRPr>
       </a:lvl3pPr>
-      <a:lvl4pPr marL="1600200" indent="-228600" algn="l" defTabSz="914400" rtl="0" eaLnBrk="1" latinLnBrk="0" hangingPunct="1">
+      <a:lvl4pPr marL="1005840" indent="-182880" algn="l" defTabSz="914400" rtl="0" eaLnBrk="1" latinLnBrk="0" hangingPunct="1">
         <a:lnSpc>
           <a:spcPct val="90000"/>
         </a:lnSpc>
         <a:spcBef>
-          <a:spcPts val="500"/>
+          <a:spcPts val="300"/>
         </a:spcBef>
-        <a:buFont typeface="Arial" panose="020B0604020202020204" pitchFamily="34" charset="0"/>
-        <a:buChar char="•"/>
-        <a:defRPr sz="1800" kern="1200">
+        <a:spcAft>
+          <a:spcPts val="300"/>
+        </a:spcAft>
+        <a:buClr>
+          <a:schemeClr val="accent1"/>
+        </a:buClr>
+        <a:buFont typeface="Wingdings 2" pitchFamily="18" charset="2"/>
+        <a:buChar char=""/>
+        <a:defRPr sz="1400" kern="1200">
           <a:solidFill>
-            <a:schemeClr val="tx1"/>
+            <a:schemeClr val="tx1">
+              <a:lumMod val="85000"/>
+              <a:lumOff val="15000"/>
+            </a:schemeClr>
           </a:solidFill>
           <a:latin typeface="+mn-lt"/>
           <a:ea typeface="+mn-ea"/>
           <a:cs typeface="+mn-cs"/>
         </a:defRPr>
       </a:lvl4pPr>
-      <a:lvl5pPr marL="2057400" indent="-228600" algn="l" defTabSz="914400" rtl="0" eaLnBrk="1" latinLnBrk="0" hangingPunct="1">
+      <a:lvl5pPr marL="1280160" indent="-182880" algn="l" defTabSz="914400" rtl="0" eaLnBrk="1" latinLnBrk="0" hangingPunct="1">
         <a:lnSpc>
           <a:spcPct val="90000"/>
         </a:lnSpc>
         <a:spcBef>
-          <a:spcPts val="500"/>
+          <a:spcPts val="300"/>
         </a:spcBef>
-        <a:buFont typeface="Arial" panose="020B0604020202020204" pitchFamily="34" charset="0"/>
-        <a:buChar char="•"/>
-        <a:defRPr sz="1800" kern="1200">
+        <a:spcAft>
+          <a:spcPts val="300"/>
+        </a:spcAft>
+        <a:buClr>
+          <a:schemeClr val="accent1"/>
+        </a:buClr>
+        <a:buFont typeface="Wingdings 2" pitchFamily="18" charset="2"/>
+        <a:buChar char=""/>
+        <a:defRPr sz="1400" kern="1200">
           <a:solidFill>
-            <a:schemeClr val="tx1"/>
+            <a:schemeClr val="tx1">
+              <a:lumMod val="85000"/>
+              <a:lumOff val="15000"/>
+            </a:schemeClr>
           </a:solidFill>
           <a:latin typeface="+mn-lt"/>
           <a:ea typeface="+mn-ea"/>
           <a:cs typeface="+mn-cs"/>
         </a:defRPr>
       </a:lvl5pPr>
-      <a:lvl6pPr marL="2514600" indent="-228600" algn="l" defTabSz="914400" rtl="0" eaLnBrk="1" latinLnBrk="0" hangingPunct="1">
+      <a:lvl6pPr marL="1600000" indent="-228600" algn="l" defTabSz="914400" rtl="0" eaLnBrk="1" latinLnBrk="0" hangingPunct="1">
         <a:lnSpc>
           <a:spcPct val="90000"/>
         </a:lnSpc>
         <a:spcBef>
-          <a:spcPts val="500"/>
+          <a:spcPts val="300"/>
         </a:spcBef>
-        <a:buFont typeface="Arial" panose="020B0604020202020204" pitchFamily="34" charset="0"/>
-        <a:buChar char="•"/>
-        <a:defRPr sz="1800" kern="1200">
+        <a:spcAft>
+          <a:spcPts val="300"/>
+        </a:spcAft>
+        <a:buClr>
+          <a:schemeClr val="accent1"/>
+        </a:buClr>
+        <a:buFont typeface="Wingdings 2" pitchFamily="18" charset="2"/>
+        <a:buChar char=""/>
+        <a:defRPr sz="1400" kern="1200">
           <a:solidFill>
-            <a:schemeClr val="tx1"/>
+            <a:schemeClr val="tx1">
+              <a:lumMod val="85000"/>
+              <a:lumOff val="15000"/>
+            </a:schemeClr>
           </a:solidFill>
           <a:latin typeface="+mn-lt"/>
           <a:ea typeface="+mn-ea"/>
           <a:cs typeface="+mn-cs"/>
         </a:defRPr>
       </a:lvl6pPr>
-      <a:lvl7pPr marL="2971800" indent="-228600" algn="l" defTabSz="914400" rtl="0" eaLnBrk="1" latinLnBrk="0" hangingPunct="1">
+      <a:lvl7pPr marL="1900000" indent="-228600" algn="l" defTabSz="914400" rtl="0" eaLnBrk="1" latinLnBrk="0" hangingPunct="1">
         <a:lnSpc>
           <a:spcPct val="90000"/>
         </a:lnSpc>
         <a:spcBef>
-          <a:spcPts val="500"/>
+          <a:spcPts val="300"/>
         </a:spcBef>
-        <a:buFont typeface="Arial" panose="020B0604020202020204" pitchFamily="34" charset="0"/>
-        <a:buChar char="•"/>
-        <a:defRPr sz="1800" kern="1200">
+        <a:spcAft>
+          <a:spcPts val="300"/>
+        </a:spcAft>
+        <a:buClr>
+          <a:schemeClr val="accent1"/>
+        </a:buClr>
+        <a:buFont typeface="Wingdings 2" pitchFamily="18" charset="2"/>
+        <a:buChar char=""/>
+        <a:defRPr sz="1400" kern="1200">
           <a:solidFill>
-            <a:schemeClr val="tx1"/>
+            <a:schemeClr val="tx1">
+              <a:lumMod val="85000"/>
+              <a:lumOff val="15000"/>
+            </a:schemeClr>
           </a:solidFill>
           <a:latin typeface="+mn-lt"/>
           <a:ea typeface="+mn-ea"/>
           <a:cs typeface="+mn-cs"/>
         </a:defRPr>
       </a:lvl7pPr>
-      <a:lvl8pPr marL="3429000" indent="-228600" algn="l" defTabSz="914400" rtl="0" eaLnBrk="1" latinLnBrk="0" hangingPunct="1">
+      <a:lvl8pPr marL="2200000" indent="-228600" algn="l" defTabSz="914400" rtl="0" eaLnBrk="1" latinLnBrk="0" hangingPunct="1">
         <a:lnSpc>
           <a:spcPct val="90000"/>
         </a:lnSpc>
         <a:spcBef>
-          <a:spcPts val="500"/>
+          <a:spcPts val="300"/>
         </a:spcBef>
-        <a:buFont typeface="Arial" panose="020B0604020202020204" pitchFamily="34" charset="0"/>
-        <a:buChar char="•"/>
-        <a:defRPr sz="1800" kern="1200">
+        <a:spcAft>
+          <a:spcPts val="300"/>
+        </a:spcAft>
+        <a:buClr>
+          <a:schemeClr val="accent1"/>
+        </a:buClr>
+        <a:buFont typeface="Wingdings 2" pitchFamily="18" charset="2"/>
+        <a:buChar char=""/>
+        <a:defRPr sz="1400" kern="1200">
           <a:solidFill>
-            <a:schemeClr val="tx1"/>
+            <a:schemeClr val="tx1">
+              <a:lumMod val="85000"/>
+              <a:lumOff val="15000"/>
+            </a:schemeClr>
           </a:solidFill>
           <a:latin typeface="+mn-lt"/>
           <a:ea typeface="+mn-ea"/>
           <a:cs typeface="+mn-cs"/>
         </a:defRPr>
       </a:lvl8pPr>
-      <a:lvl9pPr marL="3886200" indent="-228600" algn="l" defTabSz="914400" rtl="0" eaLnBrk="1" latinLnBrk="0" hangingPunct="1">
+      <a:lvl9pPr marL="2500000" indent="-228600" algn="l" defTabSz="914400" rtl="0" eaLnBrk="1" latinLnBrk="0" hangingPunct="1">
         <a:lnSpc>
           <a:spcPct val="90000"/>
         </a:lnSpc>
         <a:spcBef>
-          <a:spcPts val="500"/>
+          <a:spcPts val="300"/>
         </a:spcBef>
-        <a:buFont typeface="Arial" panose="020B0604020202020204" pitchFamily="34" charset="0"/>
-        <a:buChar char="•"/>
-        <a:defRPr sz="1800" kern="1200">
+        <a:spcAft>
+          <a:spcPts val="300"/>
+        </a:spcAft>
+        <a:buClr>
+          <a:schemeClr val="accent1"/>
+        </a:buClr>
+        <a:buFont typeface="Wingdings 2" pitchFamily="18" charset="2"/>
+        <a:buChar char=""/>
+        <a:defRPr sz="1400" kern="1200">
           <a:solidFill>
-            <a:schemeClr val="tx1"/>
+            <a:schemeClr val="tx1">
+              <a:lumMod val="85000"/>
+              <a:lumOff val="15000"/>
+            </a:schemeClr>
           </a:solidFill>
           <a:latin typeface="+mn-lt"/>
           <a:ea typeface="+mn-ea"/>
@@ -3416,17 +3544,6 @@
 <file path=ppt/slides/slide10.xml><?xml version="1.0" encoding="utf-8"?>
 <p:sld xmlns:a="http://schemas.openxmlformats.org/drawingml/2006/main" xmlns:r="http://schemas.openxmlformats.org/officeDocument/2006/relationships" xmlns:p="http://schemas.openxmlformats.org/presentationml/2006/main">
   <p:cSld>
-    <p:bg>
-      <p:bgPr>
-        <a:solidFill>
-          <a:schemeClr val="tx1">
-            <a:lumMod val="85000"/>
-            <a:lumOff val="15000"/>
-          </a:schemeClr>
-        </a:solidFill>
-        <a:effectLst/>
-      </p:bgPr>
-    </p:bg>
     <p:spTree>
       <p:nvGrpSpPr>
         <p:cNvPr id="1" name=""/>
@@ -3463,13 +3580,7 @@
           <a:lstStyle/>
           <a:p>
             <a:r>
-              <a:rPr lang="en-US" dirty="0">
-                <a:solidFill>
-                  <a:schemeClr val="bg1">
-                    <a:lumMod val="85000"/>
-                  </a:schemeClr>
-                </a:solidFill>
-              </a:rPr>
+              <a:rPr lang="en-US" dirty="0"/>
               <a:t>Rebuttal</a:t>
             </a:r>
           </a:p>
@@ -3496,13 +3607,28 @@
           <a:bodyPr/>
           <a:lstStyle/>
           <a:p>
-            <a:endParaRPr lang="en-US" dirty="0">
-              <a:solidFill>
-                <a:schemeClr val="bg1">
-                  <a:lumMod val="85000"/>
-                </a:schemeClr>
-              </a:solidFill>
-            </a:endParaRPr>
+            <a:r>
+              <a:rPr lang="en-US" dirty="0"/>
+              <a:t>While it was necessary during a global tragedy, this does not reflect the true nature of distance learning</a:t>
+            </a:r>
+          </a:p>
+          <a:p>
+            <a:r>
+              <a:rPr lang="en-US" dirty="0"/>
+              <a:t>Insufficient for most students</a:t>
+            </a:r>
+          </a:p>
+          <a:p>
+            <a:r>
+              <a:rPr lang="en-US" dirty="0"/>
+              <a:t>Somewhat niche use case</a:t>
+            </a:r>
+          </a:p>
+          <a:p>
+            <a:r>
+              <a:rPr lang="en-US" dirty="0"/>
+              <a:t>Set back the mental and social development of many neurodivergent students</a:t>
+            </a:r>
           </a:p>
         </p:txBody>
       </p:sp>
@@ -3522,17 +3648,6 @@
 <file path=ppt/slides/slide11.xml><?xml version="1.0" encoding="utf-8"?>
 <p:sld xmlns:a="http://schemas.openxmlformats.org/drawingml/2006/main" xmlns:r="http://schemas.openxmlformats.org/officeDocument/2006/relationships" xmlns:p="http://schemas.openxmlformats.org/presentationml/2006/main">
   <p:cSld>
-    <p:bg>
-      <p:bgPr>
-        <a:solidFill>
-          <a:schemeClr val="tx1">
-            <a:lumMod val="95000"/>
-            <a:lumOff val="5000"/>
-          </a:schemeClr>
-        </a:solidFill>
-        <a:effectLst/>
-      </p:bgPr>
-    </p:bg>
     <p:spTree>
       <p:nvGrpSpPr>
         <p:cNvPr id="1" name=""/>
@@ -3569,13 +3684,7 @@
           <a:lstStyle/>
           <a:p>
             <a:r>
-              <a:rPr lang="en-US" dirty="0">
-                <a:solidFill>
-                  <a:schemeClr val="bg1">
-                    <a:lumMod val="85000"/>
-                  </a:schemeClr>
-                </a:solidFill>
-              </a:rPr>
+              <a:rPr lang="en-US" dirty="0"/>
               <a:t>Conclusion</a:t>
             </a:r>
           </a:p>
@@ -3603,14 +3712,26 @@
           <a:lstStyle/>
           <a:p>
             <a:r>
-              <a:rPr lang="en-US" dirty="0">
-                <a:solidFill>
-                  <a:schemeClr val="bg1">
-                    <a:lumMod val="85000"/>
-                  </a:schemeClr>
-                </a:solidFill>
-              </a:rPr>
-              <a:t>text</a:t>
+              <a:rPr lang="en-US" dirty="0"/>
+              <a:t>Much more difficult to the average student</a:t>
+            </a:r>
+          </a:p>
+          <a:p>
+            <a:r>
+              <a:rPr lang="en-US" dirty="0"/>
+              <a:t>Less effective for the amount of time it consumes</a:t>
+            </a:r>
+          </a:p>
+          <a:p>
+            <a:r>
+              <a:rPr lang="en-US" dirty="0"/>
+              <a:t>Leaves students less satisfied and confident in the education they received</a:t>
+            </a:r>
+          </a:p>
+          <a:p>
+            <a:r>
+              <a:rPr lang="en-US" dirty="0"/>
+              <a:t>Affects students with ADHD the greatest due to the lack of structure and socialization that goes with being in a classroom with peers</a:t>
             </a:r>
           </a:p>
         </p:txBody>
@@ -3694,33 +3815,524 @@
         </p:nvSpPr>
         <p:spPr/>
         <p:txBody>
-          <a:bodyPr/>
-          <a:lstStyle/>
-          <a:p>
-            <a:r>
-              <a:rPr lang="en-US" sz="1800" dirty="0">
-                <a:effectLst/>
-                <a:latin typeface="Times New Roman" panose="02020603050405020304" pitchFamily="18" charset="0"/>
-                <a:cs typeface="Times New Roman" panose="02020603050405020304" pitchFamily="18" charset="0"/>
-              </a:rPr>
-              <a:t>Saul, S. (2022, January 13). </a:t>
-            </a:r>
-            <a:r>
-              <a:rPr lang="en-US" sz="1800" i="1" dirty="0">
-                <a:effectLst/>
-                <a:latin typeface="Times New Roman" panose="02020603050405020304" pitchFamily="18" charset="0"/>
-                <a:cs typeface="Times New Roman" panose="02020603050405020304" pitchFamily="18" charset="0"/>
-              </a:rPr>
-              <a:t>U.S. college enrollment dropped again in the fall of 2021, despite the arrival of vaccines.</a:t>
-            </a:r>
-            <a:r>
-              <a:rPr lang="en-US" sz="1800" dirty="0">
-                <a:effectLst/>
-                <a:latin typeface="Times New Roman" panose="02020603050405020304" pitchFamily="18" charset="0"/>
-                <a:cs typeface="Times New Roman" panose="02020603050405020304" pitchFamily="18" charset="0"/>
-              </a:rPr>
-              <a:t> The New York Times. Retrieved April 28, 2022, from https://www.nytimes.com/2022/01/13/us/college-enrollment-2021-omicron.html </a:t>
-            </a:r>
+          <a:bodyPr>
+            <a:normAutofit/>
+          </a:bodyPr>
+          <a:lstStyle/>
+          <a:p>
+            <a:r>
+              <a:rPr lang="en-US" sz="1200" dirty="0" err="1">
+                <a:effectLst/>
+                <a:latin typeface="Times New Roman" panose="02020603050405020304" pitchFamily="18" charset="0"/>
+                <a:ea typeface="Times New Roman" panose="02020603050405020304" pitchFamily="18" charset="0"/>
+                <a:cs typeface="Times New Roman" panose="02020603050405020304" pitchFamily="18" charset="0"/>
+              </a:rPr>
+              <a:t>Cibrian</a:t>
+            </a:r>
+            <a:r>
+              <a:rPr lang="en-US" sz="1200" dirty="0">
+                <a:effectLst/>
+                <a:latin typeface="Times New Roman" panose="02020603050405020304" pitchFamily="18" charset="0"/>
+                <a:ea typeface="Times New Roman" panose="02020603050405020304" pitchFamily="18" charset="0"/>
+                <a:cs typeface="Times New Roman" panose="02020603050405020304" pitchFamily="18" charset="0"/>
+              </a:rPr>
+              <a:t>, F. L., Monteiro, E., </a:t>
+            </a:r>
+            <a:r>
+              <a:rPr lang="en-US" sz="1200" dirty="0" err="1">
+                <a:effectLst/>
+                <a:latin typeface="Times New Roman" panose="02020603050405020304" pitchFamily="18" charset="0"/>
+                <a:ea typeface="Times New Roman" panose="02020603050405020304" pitchFamily="18" charset="0"/>
+                <a:cs typeface="Times New Roman" panose="02020603050405020304" pitchFamily="18" charset="0"/>
+              </a:rPr>
+              <a:t>Ankrah</a:t>
+            </a:r>
+            <a:r>
+              <a:rPr lang="en-US" sz="1200" dirty="0">
+                <a:effectLst/>
+                <a:latin typeface="Times New Roman" panose="02020603050405020304" pitchFamily="18" charset="0"/>
+                <a:ea typeface="Times New Roman" panose="02020603050405020304" pitchFamily="18" charset="0"/>
+                <a:cs typeface="Times New Roman" panose="02020603050405020304" pitchFamily="18" charset="0"/>
+              </a:rPr>
+              <a:t>, E., Beltran, J. A., </a:t>
+            </a:r>
+            <a:r>
+              <a:rPr lang="en-US" sz="1200" dirty="0" err="1">
+                <a:effectLst/>
+                <a:latin typeface="Times New Roman" panose="02020603050405020304" pitchFamily="18" charset="0"/>
+                <a:ea typeface="Times New Roman" panose="02020603050405020304" pitchFamily="18" charset="0"/>
+                <a:cs typeface="Times New Roman" panose="02020603050405020304" pitchFamily="18" charset="0"/>
+              </a:rPr>
+              <a:t>Tavakoulnia</a:t>
+            </a:r>
+            <a:r>
+              <a:rPr lang="en-US" sz="1200" dirty="0">
+                <a:effectLst/>
+                <a:latin typeface="Times New Roman" panose="02020603050405020304" pitchFamily="18" charset="0"/>
+                <a:ea typeface="Times New Roman" panose="02020603050405020304" pitchFamily="18" charset="0"/>
+                <a:cs typeface="Times New Roman" panose="02020603050405020304" pitchFamily="18" charset="0"/>
+              </a:rPr>
+              <a:t>, A., Schuck, S. E. B., Hayes, G. R., &amp; Lakes, K. D. (2021). Parents’ perspectives on a smartwatch intervention for children with ADHD: Rapid deployment and feasibility evaluation of a pilot intervention to support distance learning during COVID-19. </a:t>
+            </a:r>
+            <a:r>
+              <a:rPr lang="en-US" sz="1200" i="1" dirty="0" err="1">
+                <a:effectLst/>
+                <a:latin typeface="Times New Roman" panose="02020603050405020304" pitchFamily="18" charset="0"/>
+                <a:ea typeface="Times New Roman" panose="02020603050405020304" pitchFamily="18" charset="0"/>
+                <a:cs typeface="Times New Roman" panose="02020603050405020304" pitchFamily="18" charset="0"/>
+              </a:rPr>
+              <a:t>PLoS</a:t>
+            </a:r>
+            <a:r>
+              <a:rPr lang="en-US" sz="1200" i="1" dirty="0">
+                <a:effectLst/>
+                <a:latin typeface="Times New Roman" panose="02020603050405020304" pitchFamily="18" charset="0"/>
+                <a:ea typeface="Times New Roman" panose="02020603050405020304" pitchFamily="18" charset="0"/>
+                <a:cs typeface="Times New Roman" panose="02020603050405020304" pitchFamily="18" charset="0"/>
+              </a:rPr>
+              <a:t> ONE</a:t>
+            </a:r>
+            <a:r>
+              <a:rPr lang="en-US" sz="1200" dirty="0">
+                <a:effectLst/>
+                <a:latin typeface="Times New Roman" panose="02020603050405020304" pitchFamily="18" charset="0"/>
+                <a:ea typeface="Times New Roman" panose="02020603050405020304" pitchFamily="18" charset="0"/>
+                <a:cs typeface="Times New Roman" panose="02020603050405020304" pitchFamily="18" charset="0"/>
+              </a:rPr>
+              <a:t>, </a:t>
+            </a:r>
+            <a:r>
+              <a:rPr lang="en-US" sz="1200" i="1" dirty="0">
+                <a:effectLst/>
+                <a:latin typeface="Times New Roman" panose="02020603050405020304" pitchFamily="18" charset="0"/>
+                <a:ea typeface="Times New Roman" panose="02020603050405020304" pitchFamily="18" charset="0"/>
+                <a:cs typeface="Times New Roman" panose="02020603050405020304" pitchFamily="18" charset="0"/>
+              </a:rPr>
+              <a:t>16</a:t>
+            </a:r>
+            <a:r>
+              <a:rPr lang="en-US" sz="1200" dirty="0">
+                <a:effectLst/>
+                <a:latin typeface="Times New Roman" panose="02020603050405020304" pitchFamily="18" charset="0"/>
+                <a:ea typeface="Times New Roman" panose="02020603050405020304" pitchFamily="18" charset="0"/>
+                <a:cs typeface="Times New Roman" panose="02020603050405020304" pitchFamily="18" charset="0"/>
+              </a:rPr>
+              <a:t>(10), 1–23. https://doi.org/10.1371/journal.pone.0258959</a:t>
+            </a:r>
+          </a:p>
+          <a:p>
+            <a:r>
+              <a:rPr lang="en-US" sz="1200" dirty="0">
+                <a:effectLst/>
+                <a:latin typeface="Times New Roman" panose="02020603050405020304" pitchFamily="18" charset="0"/>
+                <a:ea typeface="Times New Roman" panose="02020603050405020304" pitchFamily="18" charset="0"/>
+                <a:cs typeface="Times New Roman" panose="02020603050405020304" pitchFamily="18" charset="0"/>
+              </a:rPr>
+              <a:t>Cortese S., et al (2020). ADHD management during the COVID-19 pandemic: guidance from the European ADHD Guidelines Group. The Lancet Child &amp; Adolescent Health. Volume 4. Issue 6. Pages 412-414. 2352-4642. https://doi.org/10.1016/S2352-4642(20)30110-3</a:t>
+            </a:r>
+          </a:p>
+          <a:p>
+            <a:r>
+              <a:rPr lang="en-US" sz="1200" dirty="0" err="1">
+                <a:effectLst/>
+                <a:latin typeface="Times New Roman" panose="02020603050405020304" pitchFamily="18" charset="0"/>
+                <a:ea typeface="Times New Roman" panose="02020603050405020304" pitchFamily="18" charset="0"/>
+                <a:cs typeface="Times New Roman" panose="02020603050405020304" pitchFamily="18" charset="0"/>
+              </a:rPr>
+              <a:t>Đurić-Zdravković</a:t>
+            </a:r>
+            <a:r>
+              <a:rPr lang="en-US" sz="1200" dirty="0">
+                <a:effectLst/>
+                <a:latin typeface="Times New Roman" panose="02020603050405020304" pitchFamily="18" charset="0"/>
+                <a:ea typeface="Times New Roman" panose="02020603050405020304" pitchFamily="18" charset="0"/>
+                <a:cs typeface="Times New Roman" panose="02020603050405020304" pitchFamily="18" charset="0"/>
+              </a:rPr>
+              <a:t>, A., </a:t>
+            </a:r>
+            <a:r>
+              <a:rPr lang="en-US" sz="1200" dirty="0" err="1">
+                <a:effectLst/>
+                <a:latin typeface="Times New Roman" panose="02020603050405020304" pitchFamily="18" charset="0"/>
+                <a:ea typeface="Times New Roman" panose="02020603050405020304" pitchFamily="18" charset="0"/>
+                <a:cs typeface="Times New Roman" panose="02020603050405020304" pitchFamily="18" charset="0"/>
+              </a:rPr>
+              <a:t>Japundža-Milisavljević</a:t>
+            </a:r>
+            <a:r>
+              <a:rPr lang="en-US" sz="1200" dirty="0">
+                <a:effectLst/>
+                <a:latin typeface="Times New Roman" panose="02020603050405020304" pitchFamily="18" charset="0"/>
+                <a:ea typeface="Times New Roman" panose="02020603050405020304" pitchFamily="18" charset="0"/>
+                <a:cs typeface="Times New Roman" panose="02020603050405020304" pitchFamily="18" charset="0"/>
+              </a:rPr>
+              <a:t>, M., &amp; </a:t>
+            </a:r>
+            <a:r>
+              <a:rPr lang="en-US" sz="1200" dirty="0" err="1">
+                <a:effectLst/>
+                <a:latin typeface="Times New Roman" panose="02020603050405020304" pitchFamily="18" charset="0"/>
+                <a:ea typeface="Times New Roman" panose="02020603050405020304" pitchFamily="18" charset="0"/>
+                <a:cs typeface="Times New Roman" panose="02020603050405020304" pitchFamily="18" charset="0"/>
+              </a:rPr>
+              <a:t>Roknić</a:t>
+            </a:r>
+            <a:r>
+              <a:rPr lang="en-US" sz="1200" dirty="0">
+                <a:effectLst/>
+                <a:latin typeface="Times New Roman" panose="02020603050405020304" pitchFamily="18" charset="0"/>
+                <a:ea typeface="Times New Roman" panose="02020603050405020304" pitchFamily="18" charset="0"/>
+                <a:cs typeface="Times New Roman" panose="02020603050405020304" pitchFamily="18" charset="0"/>
+              </a:rPr>
+              <a:t>, A. (2021). Social competence and antisocial behavior in students with ADHD before beginning and after the end of online classes during COVID-19. </a:t>
+            </a:r>
+            <a:r>
+              <a:rPr lang="en-US" sz="1200" i="1" dirty="0">
+                <a:effectLst/>
+                <a:latin typeface="Times New Roman" panose="02020603050405020304" pitchFamily="18" charset="0"/>
+                <a:ea typeface="Times New Roman" panose="02020603050405020304" pitchFamily="18" charset="0"/>
+                <a:cs typeface="Times New Roman" panose="02020603050405020304" pitchFamily="18" charset="0"/>
+              </a:rPr>
+              <a:t>TEME: </a:t>
+            </a:r>
+            <a:r>
+              <a:rPr lang="en-US" sz="1200" i="1" dirty="0" err="1">
+                <a:effectLst/>
+                <a:latin typeface="Times New Roman" panose="02020603050405020304" pitchFamily="18" charset="0"/>
+                <a:ea typeface="Times New Roman" panose="02020603050405020304" pitchFamily="18" charset="0"/>
+                <a:cs typeface="Times New Roman" panose="02020603050405020304" pitchFamily="18" charset="0"/>
+              </a:rPr>
+              <a:t>Casopis</a:t>
+            </a:r>
+            <a:r>
+              <a:rPr lang="en-US" sz="1200" i="1" dirty="0">
+                <a:effectLst/>
+                <a:latin typeface="Times New Roman" panose="02020603050405020304" pitchFamily="18" charset="0"/>
+                <a:ea typeface="Times New Roman" panose="02020603050405020304" pitchFamily="18" charset="0"/>
+                <a:cs typeface="Times New Roman" panose="02020603050405020304" pitchFamily="18" charset="0"/>
+              </a:rPr>
+              <a:t> Za </a:t>
+            </a:r>
+            <a:r>
+              <a:rPr lang="en-US" sz="1200" i="1" dirty="0" err="1">
+                <a:effectLst/>
+                <a:latin typeface="Times New Roman" panose="02020603050405020304" pitchFamily="18" charset="0"/>
+                <a:ea typeface="Times New Roman" panose="02020603050405020304" pitchFamily="18" charset="0"/>
+                <a:cs typeface="Times New Roman" panose="02020603050405020304" pitchFamily="18" charset="0"/>
+              </a:rPr>
+              <a:t>Društvene</a:t>
+            </a:r>
+            <a:r>
+              <a:rPr lang="en-US" sz="1200" i="1" dirty="0">
+                <a:effectLst/>
+                <a:latin typeface="Times New Roman" panose="02020603050405020304" pitchFamily="18" charset="0"/>
+                <a:ea typeface="Times New Roman" panose="02020603050405020304" pitchFamily="18" charset="0"/>
+                <a:cs typeface="Times New Roman" panose="02020603050405020304" pitchFamily="18" charset="0"/>
+              </a:rPr>
+              <a:t> </a:t>
+            </a:r>
+            <a:r>
+              <a:rPr lang="en-US" sz="1200" i="1" dirty="0" err="1">
+                <a:effectLst/>
+                <a:latin typeface="Times New Roman" panose="02020603050405020304" pitchFamily="18" charset="0"/>
+                <a:ea typeface="Times New Roman" panose="02020603050405020304" pitchFamily="18" charset="0"/>
+                <a:cs typeface="Times New Roman" panose="02020603050405020304" pitchFamily="18" charset="0"/>
+              </a:rPr>
+              <a:t>Nauke</a:t>
+            </a:r>
+            <a:r>
+              <a:rPr lang="en-US" sz="1200" dirty="0">
+                <a:effectLst/>
+                <a:latin typeface="Times New Roman" panose="02020603050405020304" pitchFamily="18" charset="0"/>
+                <a:ea typeface="Times New Roman" panose="02020603050405020304" pitchFamily="18" charset="0"/>
+                <a:cs typeface="Times New Roman" panose="02020603050405020304" pitchFamily="18" charset="0"/>
+              </a:rPr>
+              <a:t>, </a:t>
+            </a:r>
+            <a:r>
+              <a:rPr lang="en-US" sz="1200" i="1" dirty="0">
+                <a:effectLst/>
+                <a:latin typeface="Times New Roman" panose="02020603050405020304" pitchFamily="18" charset="0"/>
+                <a:ea typeface="Times New Roman" panose="02020603050405020304" pitchFamily="18" charset="0"/>
+                <a:cs typeface="Times New Roman" panose="02020603050405020304" pitchFamily="18" charset="0"/>
+              </a:rPr>
+              <a:t>45</a:t>
+            </a:r>
+            <a:r>
+              <a:rPr lang="en-US" sz="1200" dirty="0">
+                <a:effectLst/>
+                <a:latin typeface="Times New Roman" panose="02020603050405020304" pitchFamily="18" charset="0"/>
+                <a:ea typeface="Times New Roman" panose="02020603050405020304" pitchFamily="18" charset="0"/>
+                <a:cs typeface="Times New Roman" panose="02020603050405020304" pitchFamily="18" charset="0"/>
+              </a:rPr>
+              <a:t>(4), 1229–1243. https://doi.org/10.22190/TEME210830073D</a:t>
+            </a:r>
+          </a:p>
+          <a:p>
+            <a:r>
+              <a:rPr lang="en-US" sz="1200" dirty="0">
+                <a:effectLst/>
+                <a:latin typeface="Times New Roman" panose="02020603050405020304" pitchFamily="18" charset="0"/>
+                <a:ea typeface="Times New Roman" panose="02020603050405020304" pitchFamily="18" charset="0"/>
+                <a:cs typeface="Times New Roman" panose="02020603050405020304" pitchFamily="18" charset="0"/>
+              </a:rPr>
+              <a:t>Jon-Chao Hong, </a:t>
+            </a:r>
+            <a:r>
+              <a:rPr lang="en-US" sz="1200" dirty="0" err="1">
+                <a:effectLst/>
+                <a:latin typeface="Times New Roman" panose="02020603050405020304" pitchFamily="18" charset="0"/>
+                <a:ea typeface="Times New Roman" panose="02020603050405020304" pitchFamily="18" charset="0"/>
+                <a:cs typeface="Times New Roman" panose="02020603050405020304" pitchFamily="18" charset="0"/>
+              </a:rPr>
+              <a:t>Xiaohong</a:t>
+            </a:r>
+            <a:r>
+              <a:rPr lang="en-US" sz="1200" dirty="0">
+                <a:effectLst/>
+                <a:latin typeface="Times New Roman" panose="02020603050405020304" pitchFamily="18" charset="0"/>
+                <a:ea typeface="Times New Roman" panose="02020603050405020304" pitchFamily="18" charset="0"/>
+                <a:cs typeface="Times New Roman" panose="02020603050405020304" pitchFamily="18" charset="0"/>
+              </a:rPr>
+              <a:t> Liu, Wei Cao, Kai-</a:t>
+            </a:r>
+            <a:r>
+              <a:rPr lang="en-US" sz="1200" dirty="0" err="1">
+                <a:effectLst/>
+                <a:latin typeface="Times New Roman" panose="02020603050405020304" pitchFamily="18" charset="0"/>
+                <a:ea typeface="Times New Roman" panose="02020603050405020304" pitchFamily="18" charset="0"/>
+                <a:cs typeface="Times New Roman" panose="02020603050405020304" pitchFamily="18" charset="0"/>
+              </a:rPr>
+              <a:t>Hsin</a:t>
+            </a:r>
+            <a:r>
+              <a:rPr lang="en-US" sz="1200" dirty="0">
+                <a:effectLst/>
+                <a:latin typeface="Times New Roman" panose="02020603050405020304" pitchFamily="18" charset="0"/>
+                <a:ea typeface="Times New Roman" panose="02020603050405020304" pitchFamily="18" charset="0"/>
+                <a:cs typeface="Times New Roman" panose="02020603050405020304" pitchFamily="18" charset="0"/>
+              </a:rPr>
+              <a:t> Tai, &amp; Li Zhao. (2022). Effects of Self-Efficacy and Online Learning Mind States on Learning Ineffectiveness during the COVID-19 Lockdown. </a:t>
+            </a:r>
+            <a:r>
+              <a:rPr lang="en-US" sz="1200" i="1" dirty="0">
+                <a:effectLst/>
+                <a:latin typeface="Times New Roman" panose="02020603050405020304" pitchFamily="18" charset="0"/>
+                <a:ea typeface="Times New Roman" panose="02020603050405020304" pitchFamily="18" charset="0"/>
+                <a:cs typeface="Times New Roman" panose="02020603050405020304" pitchFamily="18" charset="0"/>
+              </a:rPr>
+              <a:t>Journal of Educational Technology &amp; Society</a:t>
+            </a:r>
+            <a:r>
+              <a:rPr lang="en-US" sz="1200" dirty="0">
+                <a:effectLst/>
+                <a:latin typeface="Times New Roman" panose="02020603050405020304" pitchFamily="18" charset="0"/>
+                <a:ea typeface="Times New Roman" panose="02020603050405020304" pitchFamily="18" charset="0"/>
+                <a:cs typeface="Times New Roman" panose="02020603050405020304" pitchFamily="18" charset="0"/>
+              </a:rPr>
+              <a:t>, </a:t>
+            </a:r>
+            <a:r>
+              <a:rPr lang="en-US" sz="1200" i="1" dirty="0">
+                <a:effectLst/>
+                <a:latin typeface="Times New Roman" panose="02020603050405020304" pitchFamily="18" charset="0"/>
+                <a:ea typeface="Times New Roman" panose="02020603050405020304" pitchFamily="18" charset="0"/>
+                <a:cs typeface="Times New Roman" panose="02020603050405020304" pitchFamily="18" charset="0"/>
+              </a:rPr>
+              <a:t>25</a:t>
+            </a:r>
+            <a:r>
+              <a:rPr lang="en-US" sz="1200" dirty="0">
+                <a:effectLst/>
+                <a:latin typeface="Times New Roman" panose="02020603050405020304" pitchFamily="18" charset="0"/>
+                <a:ea typeface="Times New Roman" panose="02020603050405020304" pitchFamily="18" charset="0"/>
+                <a:cs typeface="Times New Roman" panose="02020603050405020304" pitchFamily="18" charset="0"/>
+              </a:rPr>
+              <a:t>(1), 142–154.</a:t>
+            </a:r>
+          </a:p>
+          <a:p>
+            <a:r>
+              <a:rPr lang="en-US" sz="1200" dirty="0">
+                <a:effectLst/>
+                <a:latin typeface="Times New Roman" panose="02020603050405020304" pitchFamily="18" charset="0"/>
+                <a:ea typeface="Times New Roman" panose="02020603050405020304" pitchFamily="18" charset="0"/>
+                <a:cs typeface="Times New Roman" panose="02020603050405020304" pitchFamily="18" charset="0"/>
+              </a:rPr>
+              <a:t>Nadeau, K. G. (2006). </a:t>
+            </a:r>
+            <a:r>
+              <a:rPr lang="en-US" sz="1200" i="1" dirty="0">
+                <a:effectLst/>
+                <a:latin typeface="Times New Roman" panose="02020603050405020304" pitchFamily="18" charset="0"/>
+                <a:ea typeface="Times New Roman" panose="02020603050405020304" pitchFamily="18" charset="0"/>
+                <a:cs typeface="Times New Roman" panose="02020603050405020304" pitchFamily="18" charset="0"/>
+              </a:rPr>
+              <a:t>Survival guide for college students with ADHD or Ld</a:t>
+            </a:r>
+            <a:r>
+              <a:rPr lang="en-US" sz="1200" dirty="0">
+                <a:effectLst/>
+                <a:latin typeface="Times New Roman" panose="02020603050405020304" pitchFamily="18" charset="0"/>
+                <a:ea typeface="Times New Roman" panose="02020603050405020304" pitchFamily="18" charset="0"/>
+                <a:cs typeface="Times New Roman" panose="02020603050405020304" pitchFamily="18" charset="0"/>
+              </a:rPr>
+              <a:t>. </a:t>
+            </a:r>
+            <a:r>
+              <a:rPr lang="en-US" sz="1200" dirty="0" err="1">
+                <a:effectLst/>
+                <a:latin typeface="Times New Roman" panose="02020603050405020304" pitchFamily="18" charset="0"/>
+                <a:ea typeface="Times New Roman" panose="02020603050405020304" pitchFamily="18" charset="0"/>
+                <a:cs typeface="Times New Roman" panose="02020603050405020304" pitchFamily="18" charset="0"/>
+              </a:rPr>
+              <a:t>Magination</a:t>
+            </a:r>
+            <a:r>
+              <a:rPr lang="en-US" sz="1200" dirty="0">
+                <a:effectLst/>
+                <a:latin typeface="Times New Roman" panose="02020603050405020304" pitchFamily="18" charset="0"/>
+                <a:ea typeface="Times New Roman" panose="02020603050405020304" pitchFamily="18" charset="0"/>
+                <a:cs typeface="Times New Roman" panose="02020603050405020304" pitchFamily="18" charset="0"/>
+              </a:rPr>
+              <a:t> Press.</a:t>
+            </a:r>
+          </a:p>
+          <a:p>
+            <a:r>
+              <a:rPr lang="en-US" sz="1200" dirty="0" err="1">
+                <a:effectLst/>
+                <a:latin typeface="Times New Roman" panose="02020603050405020304" pitchFamily="18" charset="0"/>
+                <a:ea typeface="Times New Roman" panose="02020603050405020304" pitchFamily="18" charset="0"/>
+                <a:cs typeface="Times New Roman" panose="02020603050405020304" pitchFamily="18" charset="0"/>
+              </a:rPr>
+              <a:t>Ramadhani</a:t>
+            </a:r>
+            <a:r>
+              <a:rPr lang="en-US" sz="1200" dirty="0">
+                <a:effectLst/>
+                <a:latin typeface="Times New Roman" panose="02020603050405020304" pitchFamily="18" charset="0"/>
+                <a:ea typeface="Times New Roman" panose="02020603050405020304" pitchFamily="18" charset="0"/>
+                <a:cs typeface="Times New Roman" panose="02020603050405020304" pitchFamily="18" charset="0"/>
+              </a:rPr>
+              <a:t>, R., </a:t>
+            </a:r>
+            <a:r>
+              <a:rPr lang="en-US" sz="1200" dirty="0" err="1">
+                <a:effectLst/>
+                <a:latin typeface="Times New Roman" panose="02020603050405020304" pitchFamily="18" charset="0"/>
+                <a:ea typeface="Times New Roman" panose="02020603050405020304" pitchFamily="18" charset="0"/>
+                <a:cs typeface="Times New Roman" panose="02020603050405020304" pitchFamily="18" charset="0"/>
+              </a:rPr>
+              <a:t>Sihotang</a:t>
+            </a:r>
+            <a:r>
+              <a:rPr lang="en-US" sz="1200" dirty="0">
+                <a:effectLst/>
+                <a:latin typeface="Times New Roman" panose="02020603050405020304" pitchFamily="18" charset="0"/>
+                <a:ea typeface="Times New Roman" panose="02020603050405020304" pitchFamily="18" charset="0"/>
+                <a:cs typeface="Times New Roman" panose="02020603050405020304" pitchFamily="18" charset="0"/>
+              </a:rPr>
+              <a:t>, S. F., Bina, N. S., </a:t>
+            </a:r>
+            <a:r>
+              <a:rPr lang="en-US" sz="1200" dirty="0" err="1">
+                <a:effectLst/>
+                <a:latin typeface="Times New Roman" panose="02020603050405020304" pitchFamily="18" charset="0"/>
+                <a:ea typeface="Times New Roman" panose="02020603050405020304" pitchFamily="18" charset="0"/>
+                <a:cs typeface="Times New Roman" panose="02020603050405020304" pitchFamily="18" charset="0"/>
+              </a:rPr>
+              <a:t>Rusmini</a:t>
+            </a:r>
+            <a:r>
+              <a:rPr lang="en-US" sz="1200" dirty="0">
+                <a:effectLst/>
+                <a:latin typeface="Times New Roman" panose="02020603050405020304" pitchFamily="18" charset="0"/>
+                <a:ea typeface="Times New Roman" panose="02020603050405020304" pitchFamily="18" charset="0"/>
+                <a:cs typeface="Times New Roman" panose="02020603050405020304" pitchFamily="18" charset="0"/>
+              </a:rPr>
+              <a:t>, </a:t>
+            </a:r>
+            <a:r>
+              <a:rPr lang="en-US" sz="1200" dirty="0" err="1">
+                <a:effectLst/>
+                <a:latin typeface="Times New Roman" panose="02020603050405020304" pitchFamily="18" charset="0"/>
+                <a:ea typeface="Times New Roman" panose="02020603050405020304" pitchFamily="18" charset="0"/>
+                <a:cs typeface="Times New Roman" panose="02020603050405020304" pitchFamily="18" charset="0"/>
+              </a:rPr>
+              <a:t>Harahap</a:t>
+            </a:r>
+            <a:r>
+              <a:rPr lang="en-US" sz="1200" dirty="0">
+                <a:effectLst/>
+                <a:latin typeface="Times New Roman" panose="02020603050405020304" pitchFamily="18" charset="0"/>
+                <a:ea typeface="Times New Roman" panose="02020603050405020304" pitchFamily="18" charset="0"/>
+                <a:cs typeface="Times New Roman" panose="02020603050405020304" pitchFamily="18" charset="0"/>
+              </a:rPr>
+              <a:t>, F. S. W., &amp; </a:t>
+            </a:r>
+            <a:r>
+              <a:rPr lang="en-US" sz="1200" dirty="0" err="1">
+                <a:effectLst/>
+                <a:latin typeface="Times New Roman" panose="02020603050405020304" pitchFamily="18" charset="0"/>
+                <a:ea typeface="Times New Roman" panose="02020603050405020304" pitchFamily="18" charset="0"/>
+                <a:cs typeface="Times New Roman" panose="02020603050405020304" pitchFamily="18" charset="0"/>
+              </a:rPr>
+              <a:t>Fitri</a:t>
+            </a:r>
+            <a:r>
+              <a:rPr lang="en-US" sz="1200" dirty="0">
+                <a:effectLst/>
+                <a:latin typeface="Times New Roman" panose="02020603050405020304" pitchFamily="18" charset="0"/>
+                <a:ea typeface="Times New Roman" panose="02020603050405020304" pitchFamily="18" charset="0"/>
+                <a:cs typeface="Times New Roman" panose="02020603050405020304" pitchFamily="18" charset="0"/>
+              </a:rPr>
+              <a:t>, Y. (2021). Undergraduate Students’ Difficulties in Following Distance Learning in Mathematics Based on E-Learning During the COVID-19 Pandemic. </a:t>
+            </a:r>
+            <a:r>
+              <a:rPr lang="en-US" sz="1200" i="1" dirty="0">
+                <a:effectLst/>
+                <a:latin typeface="Times New Roman" panose="02020603050405020304" pitchFamily="18" charset="0"/>
+                <a:ea typeface="Times New Roman" panose="02020603050405020304" pitchFamily="18" charset="0"/>
+                <a:cs typeface="Times New Roman" panose="02020603050405020304" pitchFamily="18" charset="0"/>
+              </a:rPr>
+              <a:t>TEM Journal</a:t>
+            </a:r>
+            <a:r>
+              <a:rPr lang="en-US" sz="1200" dirty="0">
+                <a:effectLst/>
+                <a:latin typeface="Times New Roman" panose="02020603050405020304" pitchFamily="18" charset="0"/>
+                <a:ea typeface="Times New Roman" panose="02020603050405020304" pitchFamily="18" charset="0"/>
+                <a:cs typeface="Times New Roman" panose="02020603050405020304" pitchFamily="18" charset="0"/>
+              </a:rPr>
+              <a:t>, </a:t>
+            </a:r>
+            <a:r>
+              <a:rPr lang="en-US" sz="1200" i="1" dirty="0">
+                <a:effectLst/>
+                <a:latin typeface="Times New Roman" panose="02020603050405020304" pitchFamily="18" charset="0"/>
+                <a:ea typeface="Times New Roman" panose="02020603050405020304" pitchFamily="18" charset="0"/>
+                <a:cs typeface="Times New Roman" panose="02020603050405020304" pitchFamily="18" charset="0"/>
+              </a:rPr>
+              <a:t>10</a:t>
+            </a:r>
+            <a:r>
+              <a:rPr lang="en-US" sz="1200" dirty="0">
+                <a:effectLst/>
+                <a:latin typeface="Times New Roman" panose="02020603050405020304" pitchFamily="18" charset="0"/>
+                <a:ea typeface="Times New Roman" panose="02020603050405020304" pitchFamily="18" charset="0"/>
+                <a:cs typeface="Times New Roman" panose="02020603050405020304" pitchFamily="18" charset="0"/>
+              </a:rPr>
+              <a:t>(3), 1239–1247. https://doi.org/10.18421/TEM103-30</a:t>
+            </a:r>
+          </a:p>
+          <a:p>
+            <a:endParaRPr lang="en-US" sz="1200" dirty="0">
+              <a:effectLst/>
+              <a:latin typeface="Times New Roman" panose="02020603050405020304" pitchFamily="18" charset="0"/>
+              <a:ea typeface="Times New Roman" panose="02020603050405020304" pitchFamily="18" charset="0"/>
+              <a:cs typeface="Times New Roman" panose="02020603050405020304" pitchFamily="18" charset="0"/>
+            </a:endParaRPr>
           </a:p>
           <a:p>
             <a:endParaRPr lang="en-US" dirty="0"/>
@@ -3740,19 +4352,147 @@
 </p:sld>
 </file>
 
+<file path=ppt/slides/slide13.xml><?xml version="1.0" encoding="utf-8"?>
+<p:sld xmlns:a="http://schemas.openxmlformats.org/drawingml/2006/main" xmlns:r="http://schemas.openxmlformats.org/officeDocument/2006/relationships" xmlns:p="http://schemas.openxmlformats.org/presentationml/2006/main">
+  <p:cSld>
+    <p:spTree>
+      <p:nvGrpSpPr>
+        <p:cNvPr id="1" name=""/>
+        <p:cNvGrpSpPr/>
+        <p:nvPr/>
+      </p:nvGrpSpPr>
+      <p:grpSpPr>
+        <a:xfrm>
+          <a:off x="0" y="0"/>
+          <a:ext cx="0" cy="0"/>
+          <a:chOff x="0" y="0"/>
+          <a:chExt cx="0" cy="0"/>
+        </a:xfrm>
+      </p:grpSpPr>
+      <p:sp>
+        <p:nvSpPr>
+          <p:cNvPr id="2" name="Title 1">
+            <a:extLst>
+              <a:ext uri="{FF2B5EF4-FFF2-40B4-BE49-F238E27FC236}">
+                <a16:creationId xmlns:a16="http://schemas.microsoft.com/office/drawing/2014/main" id="{785A262A-5125-496F-972F-412A9A740EF9}"/>
+              </a:ext>
+            </a:extLst>
+          </p:cNvPr>
+          <p:cNvSpPr>
+            <a:spLocks noGrp="1"/>
+          </p:cNvSpPr>
+          <p:nvPr>
+            <p:ph type="title"/>
+          </p:nvPr>
+        </p:nvSpPr>
+        <p:spPr/>
+        <p:txBody>
+          <a:bodyPr/>
+          <a:lstStyle/>
+          <a:p>
+            <a:r>
+              <a:rPr lang="en-US" dirty="0"/>
+              <a:t>References</a:t>
+            </a:r>
+          </a:p>
+        </p:txBody>
+      </p:sp>
+      <p:sp>
+        <p:nvSpPr>
+          <p:cNvPr id="3" name="Content Placeholder 2">
+            <a:extLst>
+              <a:ext uri="{FF2B5EF4-FFF2-40B4-BE49-F238E27FC236}">
+                <a16:creationId xmlns:a16="http://schemas.microsoft.com/office/drawing/2014/main" id="{FC519B8D-A1FA-4EC7-B4B9-B6B1187A3E51}"/>
+              </a:ext>
+            </a:extLst>
+          </p:cNvPr>
+          <p:cNvSpPr>
+            <a:spLocks noGrp="1"/>
+          </p:cNvSpPr>
+          <p:nvPr>
+            <p:ph idx="1"/>
+          </p:nvPr>
+        </p:nvSpPr>
+        <p:spPr/>
+        <p:txBody>
+          <a:bodyPr/>
+          <a:lstStyle/>
+          <a:p>
+            <a:r>
+              <a:rPr lang="en-US" sz="1200" dirty="0">
+                <a:effectLst/>
+                <a:latin typeface="Times New Roman" panose="02020603050405020304" pitchFamily="18" charset="0"/>
+                <a:cs typeface="Times New Roman" panose="02020603050405020304" pitchFamily="18" charset="0"/>
+              </a:rPr>
+              <a:t>Saul, S. (2022, January 13). </a:t>
+            </a:r>
+            <a:r>
+              <a:rPr lang="en-US" sz="1200" i="1" dirty="0">
+                <a:effectLst/>
+                <a:latin typeface="Times New Roman" panose="02020603050405020304" pitchFamily="18" charset="0"/>
+                <a:cs typeface="Times New Roman" panose="02020603050405020304" pitchFamily="18" charset="0"/>
+              </a:rPr>
+              <a:t>U.S. college enrollment dropped again in the fall of 2021, despite the arrival of vaccines.</a:t>
+            </a:r>
+            <a:r>
+              <a:rPr lang="en-US" sz="1200" dirty="0">
+                <a:effectLst/>
+                <a:latin typeface="Times New Roman" panose="02020603050405020304" pitchFamily="18" charset="0"/>
+                <a:cs typeface="Times New Roman" panose="02020603050405020304" pitchFamily="18" charset="0"/>
+              </a:rPr>
+              <a:t> The New York Times. Retrieved April 28, 2022, from https://www.nytimes.com/2022/01/13/us/college-enrollment-2021-omicron.html </a:t>
+            </a:r>
+          </a:p>
+          <a:p>
+            <a:r>
+              <a:rPr lang="en-US" sz="1200" dirty="0">
+                <a:effectLst/>
+                <a:latin typeface="Times New Roman" panose="02020603050405020304" pitchFamily="18" charset="0"/>
+                <a:ea typeface="Times New Roman" panose="02020603050405020304" pitchFamily="18" charset="0"/>
+                <a:cs typeface="Times New Roman" panose="02020603050405020304" pitchFamily="18" charset="0"/>
+              </a:rPr>
+              <a:t>Ramsay, J. R. (2020). </a:t>
+            </a:r>
+            <a:r>
+              <a:rPr lang="en-US" sz="1200" i="1" dirty="0">
+                <a:effectLst/>
+                <a:latin typeface="Times New Roman" panose="02020603050405020304" pitchFamily="18" charset="0"/>
+                <a:ea typeface="Times New Roman" panose="02020603050405020304" pitchFamily="18" charset="0"/>
+                <a:cs typeface="Times New Roman" panose="02020603050405020304" pitchFamily="18" charset="0"/>
+              </a:rPr>
+              <a:t>Rethinking adult ADHD: Helping clients turn intentions into actions.</a:t>
+            </a:r>
+            <a:r>
+              <a:rPr lang="en-US" sz="1200" dirty="0">
+                <a:effectLst/>
+                <a:latin typeface="Times New Roman" panose="02020603050405020304" pitchFamily="18" charset="0"/>
+                <a:ea typeface="Times New Roman" panose="02020603050405020304" pitchFamily="18" charset="0"/>
+                <a:cs typeface="Times New Roman" panose="02020603050405020304" pitchFamily="18" charset="0"/>
+              </a:rPr>
+              <a:t> American Psychological Association. https://doi-org.cscc.ohionet.org/10.1037/0000158-000</a:t>
+            </a:r>
+          </a:p>
+          <a:p>
+            <a:endParaRPr lang="en-US" dirty="0"/>
+          </a:p>
+        </p:txBody>
+      </p:sp>
+    </p:spTree>
+    <p:extLst>
+      <p:ext uri="{BB962C8B-B14F-4D97-AF65-F5344CB8AC3E}">
+        <p14:creationId xmlns:p14="http://schemas.microsoft.com/office/powerpoint/2010/main" val="2095931554"/>
+      </p:ext>
+    </p:extLst>
+  </p:cSld>
+  <p:clrMapOvr>
+    <a:masterClrMapping/>
+  </p:clrMapOvr>
+</p:sld>
+</file>
+
 <file path=ppt/slides/slide2.xml><?xml version="1.0" encoding="utf-8"?>
 <p:sld xmlns:a="http://schemas.openxmlformats.org/drawingml/2006/main" xmlns:r="http://schemas.openxmlformats.org/officeDocument/2006/relationships" xmlns:p="http://schemas.openxmlformats.org/presentationml/2006/main">
   <p:cSld>
-    <p:bg>
-      <p:bgPr>
-        <a:solidFill>
-          <a:schemeClr val="bg1">
-            <a:lumMod val="95000"/>
-          </a:schemeClr>
-        </a:solidFill>
-        <a:effectLst/>
-      </p:bgPr>
-    </p:bg>
     <p:spTree>
       <p:nvGrpSpPr>
         <p:cNvPr id="1" name=""/>
@@ -3839,16 +4579,6 @@
 <file path=ppt/slides/slide3.xml><?xml version="1.0" encoding="utf-8"?>
 <p:sld xmlns:a="http://schemas.openxmlformats.org/drawingml/2006/main" xmlns:r="http://schemas.openxmlformats.org/officeDocument/2006/relationships" xmlns:p="http://schemas.openxmlformats.org/presentationml/2006/main">
   <p:cSld>
-    <p:bg>
-      <p:bgPr>
-        <a:solidFill>
-          <a:schemeClr val="bg1">
-            <a:lumMod val="85000"/>
-          </a:schemeClr>
-        </a:solidFill>
-        <a:effectLst/>
-      </p:bgPr>
-    </p:bg>
     <p:spTree>
       <p:nvGrpSpPr>
         <p:cNvPr id="1" name=""/>
@@ -3914,13 +4644,13 @@
           <a:p>
             <a:r>
               <a:rPr lang="en-US" dirty="0"/>
-              <a:t>Distance learning is shown to be less effective towards teaching material due to the inherent distractions of the internet.</a:t>
+              <a:t>Distance learning is shown to be less effective towards teaching material due to the inherent distractions of the internet</a:t>
             </a:r>
           </a:p>
           <a:p>
             <a:r>
               <a:rPr lang="en-US" dirty="0"/>
-              <a:t>Students not already comfortable with a given program used for the work will be at a disadvantage due to lower quality work and anxiety.</a:t>
+              <a:t>Students not already comfortable with a given program used for the work will be at a disadvantage due to lower quality work and anxiety</a:t>
             </a:r>
           </a:p>
           <a:p>
@@ -3932,7 +4662,7 @@
           <a:p>
             <a:r>
               <a:rPr lang="en-US" dirty="0"/>
-              <a:t>Students with ADHD even harmed from this due to greater difficulty of focus as well as increased antisocial behavior from being in isolation instead of in a classroom.</a:t>
+              <a:t>Students with ADHD even harmed from this due to greater difficulty of focus as well as increased antisocial behavior from being in isolation instead of in a classroom</a:t>
             </a:r>
           </a:p>
         </p:txBody>
@@ -3953,16 +4683,6 @@
 <file path=ppt/slides/slide4.xml><?xml version="1.0" encoding="utf-8"?>
 <p:sld xmlns:a="http://schemas.openxmlformats.org/drawingml/2006/main" xmlns:r="http://schemas.openxmlformats.org/officeDocument/2006/relationships" xmlns:p="http://schemas.openxmlformats.org/presentationml/2006/main">
   <p:cSld>
-    <p:bg>
-      <p:bgPr>
-        <a:solidFill>
-          <a:schemeClr val="bg1">
-            <a:lumMod val="75000"/>
-          </a:schemeClr>
-        </a:solidFill>
-        <a:effectLst/>
-      </p:bgPr>
-    </p:bg>
     <p:spTree>
       <p:nvGrpSpPr>
         <p:cNvPr id="1" name=""/>
@@ -4028,33 +4748,30 @@
           <a:p>
             <a:r>
               <a:rPr lang="en-US" dirty="0"/>
-              <a:t>1989 – University of Phoenix offered first online institution.</a:t>
+              <a:t>1989 – University of Phoenix offered first online institution</a:t>
             </a:r>
           </a:p>
           <a:p>
             <a:r>
               <a:rPr lang="en-US" dirty="0"/>
-              <a:t>1996 – Jones International University became first fully web-based university.</a:t>
+              <a:t>1996 – Jones International University became first fully web-based university</a:t>
             </a:r>
           </a:p>
           <a:p>
             <a:r>
               <a:rPr lang="en-US" dirty="0"/>
-              <a:t>2020 – Became the ‘default’ due to the COVID-19 outbreak.</a:t>
+              <a:t>2020 – Became the ‘default’ due to the COVID-19 outbreak</a:t>
             </a:r>
           </a:p>
           <a:p>
             <a:r>
               <a:rPr lang="en-US" dirty="0"/>
-              <a:t>From late 2020 to 2021, total undergraduate enrollment dropped by 3.1%, making the total from 2019 to 2021 a drop of 6.6%                 (1.2 million students) </a:t>
+              <a:t>From late 2020 to 2021, total undergraduate enrollment dropped by 3.1%, making the total from 2019 to 2021 a drop of 6.6% (1.2 million students) </a:t>
             </a:r>
             <a:r>
               <a:rPr lang="en-US" sz="1800" dirty="0"/>
               <a:t>(Saul, 2022)</a:t>
             </a:r>
-            <a:endParaRPr lang="en-US" dirty="0"/>
-          </a:p>
-          <a:p>
             <a:endParaRPr lang="en-US" dirty="0"/>
           </a:p>
         </p:txBody>
@@ -4075,16 +4792,6 @@
 <file path=ppt/slides/slide5.xml><?xml version="1.0" encoding="utf-8"?>
 <p:sld xmlns:a="http://schemas.openxmlformats.org/drawingml/2006/main" xmlns:r="http://schemas.openxmlformats.org/officeDocument/2006/relationships" xmlns:p="http://schemas.openxmlformats.org/presentationml/2006/main">
   <p:cSld>
-    <p:bg>
-      <p:bgPr>
-        <a:solidFill>
-          <a:schemeClr val="bg1">
-            <a:lumMod val="75000"/>
-          </a:schemeClr>
-        </a:solidFill>
-        <a:effectLst/>
-      </p:bgPr>
-    </p:bg>
     <p:spTree>
       <p:nvGrpSpPr>
         <p:cNvPr id="1" name=""/>
@@ -4148,7 +4855,55 @@
           <a:bodyPr/>
           <a:lstStyle/>
           <a:p>
-            <a:endParaRPr lang="en-US"/>
+            <a:r>
+              <a:rPr lang="en-US" b="1" dirty="0"/>
+              <a:t>Mind Unwandered </a:t>
+            </a:r>
+            <a:r>
+              <a:rPr lang="en-US" dirty="0"/>
+              <a:t>– Used to describe when a student is focused and not distracted from the topic</a:t>
+            </a:r>
+          </a:p>
+          <a:p>
+            <a:r>
+              <a:rPr lang="en-US" b="1" dirty="0"/>
+              <a:t>Internet Cognitive Fatigue </a:t>
+            </a:r>
+            <a:r>
+              <a:rPr lang="en-US" dirty="0"/>
+              <a:t>– When a student becomes fatigued due to the distractive nature of the internet</a:t>
+            </a:r>
+          </a:p>
+          <a:p>
+            <a:r>
+              <a:rPr lang="en-US" b="1" dirty="0"/>
+              <a:t>Internet Self-Efficacy </a:t>
+            </a:r>
+            <a:r>
+              <a:rPr lang="en-US" dirty="0"/>
+              <a:t>– The level of confidence a student has in their own ability to use the internet</a:t>
+            </a:r>
+          </a:p>
+          <a:p>
+            <a:r>
+              <a:rPr lang="en-US" b="1" dirty="0"/>
+              <a:t>Self-Efficacy of Interacting with Learning Content </a:t>
+            </a:r>
+            <a:r>
+              <a:rPr lang="en-US" dirty="0"/>
+              <a:t>– The level of confidence a student has in their ability to learn through an online course with online materials</a:t>
+            </a:r>
+          </a:p>
+          <a:p>
+            <a:r>
+              <a:rPr lang="en-US" b="1" dirty="0"/>
+              <a:t>Neurodivergence </a:t>
+            </a:r>
+            <a:r>
+              <a:rPr lang="en-US" dirty="0"/>
+              <a:t>– Refers to people who have certain mental disorders such as ADHD, Autism, Dyslexia, or Dyspraxia</a:t>
+            </a:r>
+            <a:endParaRPr lang="en-US" b="1" dirty="0"/>
           </a:p>
         </p:txBody>
       </p:sp>
@@ -4168,16 +4923,6 @@
 <file path=ppt/slides/slide6.xml><?xml version="1.0" encoding="utf-8"?>
 <p:sld xmlns:a="http://schemas.openxmlformats.org/drawingml/2006/main" xmlns:r="http://schemas.openxmlformats.org/officeDocument/2006/relationships" xmlns:p="http://schemas.openxmlformats.org/presentationml/2006/main">
   <p:cSld>
-    <p:bg>
-      <p:bgPr>
-        <a:solidFill>
-          <a:schemeClr val="bg1">
-            <a:lumMod val="65000"/>
-          </a:schemeClr>
-        </a:solidFill>
-        <a:effectLst/>
-      </p:bgPr>
-    </p:bg>
     <p:spTree>
       <p:nvGrpSpPr>
         <p:cNvPr id="1" name=""/>
@@ -4215,7 +4960,7 @@
           <a:p>
             <a:r>
               <a:rPr lang="en-US" dirty="0"/>
-              <a:t>Support 1</a:t>
+              <a:t>Effectiveness</a:t>
             </a:r>
           </a:p>
         </p:txBody>
@@ -4241,7 +4986,28 @@
           <a:bodyPr/>
           <a:lstStyle/>
           <a:p>
-            <a:endParaRPr lang="en-US" dirty="0"/>
+            <a:r>
+              <a:rPr lang="en-US" dirty="0"/>
+              <a:t>Student with high internet self-efficacy and low mind unwandered will see more effectiveness in online classes</a:t>
+            </a:r>
+          </a:p>
+          <a:p>
+            <a:r>
+              <a:rPr lang="en-US" dirty="0"/>
+              <a:t>Very difficult to keep students from becoming distracted and fatigued</a:t>
+            </a:r>
+          </a:p>
+          <a:p>
+            <a:r>
+              <a:rPr lang="en-US" dirty="0"/>
+              <a:t>Online classrooms lack structure and motive to prevent student from mentally ‘checking out’</a:t>
+            </a:r>
+          </a:p>
+          <a:p>
+            <a:r>
+              <a:rPr lang="en-US" dirty="0"/>
+              <a:t>Provides less self-fulfillment in completing assignments to a student less comfortable with using the internet</a:t>
+            </a:r>
           </a:p>
         </p:txBody>
       </p:sp>
@@ -4261,17 +5027,6 @@
 <file path=ppt/slides/slide7.xml><?xml version="1.0" encoding="utf-8"?>
 <p:sld xmlns:a="http://schemas.openxmlformats.org/drawingml/2006/main" xmlns:r="http://schemas.openxmlformats.org/officeDocument/2006/relationships" xmlns:p="http://schemas.openxmlformats.org/presentationml/2006/main">
   <p:cSld>
-    <p:bg>
-      <p:bgPr>
-        <a:solidFill>
-          <a:schemeClr val="tx1">
-            <a:lumMod val="50000"/>
-            <a:lumOff val="50000"/>
-          </a:schemeClr>
-        </a:solidFill>
-        <a:effectLst/>
-      </p:bgPr>
-    </p:bg>
     <p:spTree>
       <p:nvGrpSpPr>
         <p:cNvPr id="1" name=""/>
@@ -4308,14 +5063,8 @@
           <a:lstStyle/>
           <a:p>
             <a:r>
-              <a:rPr lang="en-US" dirty="0">
-                <a:solidFill>
-                  <a:schemeClr val="bg1">
-                    <a:lumMod val="85000"/>
-                  </a:schemeClr>
-                </a:solidFill>
-              </a:rPr>
-              <a:t>Support 2</a:t>
+              <a:rPr lang="en-US" dirty="0"/>
+              <a:t>Difficulty</a:t>
             </a:r>
           </a:p>
         </p:txBody>
@@ -4342,14 +5091,40 @@
           <a:lstStyle/>
           <a:p>
             <a:r>
-              <a:rPr lang="en-US" dirty="0">
-                <a:solidFill>
-                  <a:schemeClr val="bg1">
-                    <a:lumMod val="85000"/>
-                  </a:schemeClr>
-                </a:solidFill>
-              </a:rPr>
-              <a:t>Text</a:t>
+              <a:rPr lang="en-US" dirty="0"/>
+              <a:t>Students need a high level of working memory in order to retain given information in a lecture</a:t>
+            </a:r>
+          </a:p>
+          <a:p>
+            <a:r>
+              <a:rPr lang="en-US" dirty="0"/>
+              <a:t>Most do not have this, as it is typically reduced by their lack of focus and self-efficacy</a:t>
+            </a:r>
+          </a:p>
+          <a:p>
+            <a:r>
+              <a:rPr lang="en-US" dirty="0"/>
+              <a:t>Difficult programs will cause anxiety and insecurity among students in their learning, due to an inability to produce the quality of work they would normally</a:t>
+            </a:r>
+          </a:p>
+          <a:p>
+            <a:r>
+              <a:rPr lang="en-US" dirty="0"/>
+              <a:t>Many programs need weeks of teaching before actual use in assignments</a:t>
+            </a:r>
+          </a:p>
+          <a:p>
+            <a:r>
+              <a:rPr lang="en-US" dirty="0"/>
+              <a:t>Ex. </a:t>
+            </a:r>
+            <a:r>
+              <a:rPr lang="en-US" dirty="0" err="1"/>
+              <a:t>Matlab</a:t>
+            </a:r>
+            <a:r>
+              <a:rPr lang="en-US" dirty="0"/>
+              <a:t>, OrCAD, Excel, Wireshark, or any programming IDE</a:t>
             </a:r>
           </a:p>
         </p:txBody>
@@ -4370,17 +5145,6 @@
 <file path=ppt/slides/slide8.xml><?xml version="1.0" encoding="utf-8"?>
 <p:sld xmlns:a="http://schemas.openxmlformats.org/drawingml/2006/main" xmlns:r="http://schemas.openxmlformats.org/officeDocument/2006/relationships" xmlns:p="http://schemas.openxmlformats.org/presentationml/2006/main">
   <p:cSld>
-    <p:bg>
-      <p:bgPr>
-        <a:solidFill>
-          <a:schemeClr val="tx1">
-            <a:lumMod val="65000"/>
-            <a:lumOff val="35000"/>
-          </a:schemeClr>
-        </a:solidFill>
-        <a:effectLst/>
-      </p:bgPr>
-    </p:bg>
     <p:spTree>
       <p:nvGrpSpPr>
         <p:cNvPr id="1" name=""/>
@@ -4417,14 +5181,8 @@
           <a:lstStyle/>
           <a:p>
             <a:r>
-              <a:rPr lang="en-US" dirty="0">
-                <a:solidFill>
-                  <a:schemeClr val="bg1">
-                    <a:lumMod val="85000"/>
-                  </a:schemeClr>
-                </a:solidFill>
-              </a:rPr>
-              <a:t>Support 3</a:t>
+              <a:rPr lang="en-US" dirty="0"/>
+              <a:t>Neurodivergent Students</a:t>
             </a:r>
           </a:p>
         </p:txBody>
@@ -4450,13 +5208,48 @@
           <a:bodyPr/>
           <a:lstStyle/>
           <a:p>
-            <a:endParaRPr lang="en-US" dirty="0">
-              <a:solidFill>
-                <a:schemeClr val="bg1">
-                  <a:lumMod val="85000"/>
-                </a:schemeClr>
-              </a:solidFill>
-            </a:endParaRPr>
+            <a:r>
+              <a:rPr lang="en-US" dirty="0"/>
+              <a:t>The group of students effected the most by online learning</a:t>
+            </a:r>
+          </a:p>
+          <a:p>
+            <a:r>
+              <a:rPr lang="en-US" dirty="0"/>
+              <a:t>Change of setting causes lack of focus due to unstructured environment</a:t>
+            </a:r>
+          </a:p>
+          <a:p>
+            <a:r>
+              <a:rPr lang="en-US" dirty="0"/>
+              <a:t>No constant reminder of assignments causes students to forget about them entirely</a:t>
+            </a:r>
+          </a:p>
+          <a:p>
+            <a:r>
+              <a:rPr lang="en-US" dirty="0"/>
+              <a:t>Not being in a classroom with peers encourages antisocial behavior even after lessons were returned to the classroom (</a:t>
+            </a:r>
+            <a:r>
+              <a:rPr lang="en-US" sz="1800" dirty="0" err="1">
+                <a:effectLst/>
+                <a:ea typeface="Times New Roman" panose="02020603050405020304" pitchFamily="18" charset="0"/>
+              </a:rPr>
+              <a:t>Đurić-Zdravković</a:t>
+            </a:r>
+            <a:r>
+              <a:rPr lang="en-US" sz="1800" dirty="0">
+                <a:effectLst/>
+                <a:ea typeface="Times New Roman" panose="02020603050405020304" pitchFamily="18" charset="0"/>
+              </a:rPr>
+              <a:t> et al., 2021)</a:t>
+            </a:r>
+          </a:p>
+          <a:p>
+            <a:r>
+              <a:rPr lang="en-US" dirty="0"/>
+              <a:t>Classroom setting is crucial for social development of neurodivergent students, especially when young</a:t>
+            </a:r>
           </a:p>
         </p:txBody>
       </p:sp>
@@ -4476,17 +5269,6 @@
 <file path=ppt/slides/slide9.xml><?xml version="1.0" encoding="utf-8"?>
 <p:sld xmlns:a="http://schemas.openxmlformats.org/drawingml/2006/main" xmlns:r="http://schemas.openxmlformats.org/officeDocument/2006/relationships" xmlns:p="http://schemas.openxmlformats.org/presentationml/2006/main">
   <p:cSld>
-    <p:bg>
-      <p:bgPr>
-        <a:solidFill>
-          <a:schemeClr val="tx1">
-            <a:lumMod val="75000"/>
-            <a:lumOff val="25000"/>
-          </a:schemeClr>
-        </a:solidFill>
-        <a:effectLst/>
-      </p:bgPr>
-    </p:bg>
     <p:spTree>
       <p:nvGrpSpPr>
         <p:cNvPr id="1" name=""/>
@@ -4523,13 +5305,7 @@
           <a:lstStyle/>
           <a:p>
             <a:r>
-              <a:rPr lang="en-US" dirty="0">
-                <a:solidFill>
-                  <a:schemeClr val="bg1">
-                    <a:lumMod val="85000"/>
-                  </a:schemeClr>
-                </a:solidFill>
-              </a:rPr>
+              <a:rPr lang="en-US" dirty="0"/>
               <a:t>Counter Argument</a:t>
             </a:r>
           </a:p>
@@ -4537,10 +5313,10 @@
       </p:sp>
       <p:sp>
         <p:nvSpPr>
-          <p:cNvPr id="3" name="Content Placeholder 2">
+          <p:cNvPr id="6" name="Content Placeholder 5">
             <a:extLst>
               <a:ext uri="{FF2B5EF4-FFF2-40B4-BE49-F238E27FC236}">
-                <a16:creationId xmlns:a16="http://schemas.microsoft.com/office/drawing/2014/main" id="{05A37321-8A88-4705-B8E4-0FEAC6795276}"/>
+                <a16:creationId xmlns:a16="http://schemas.microsoft.com/office/drawing/2014/main" id="{B6AF3995-3EB0-4DFC-90A6-CF39D94A50B1}"/>
               </a:ext>
             </a:extLst>
           </p:cNvPr>
@@ -4548,24 +5324,74 @@
             <a:spLocks noGrp="1"/>
           </p:cNvSpPr>
           <p:nvPr>
-            <p:ph idx="1"/>
-          </p:nvPr>
-        </p:nvSpPr>
-        <p:spPr/>
-        <p:txBody>
-          <a:bodyPr/>
-          <a:lstStyle/>
-          <a:p>
-            <a:endParaRPr lang="en-US" dirty="0">
-              <a:solidFill>
-                <a:schemeClr val="bg1">
-                  <a:lumMod val="85000"/>
-                </a:schemeClr>
-              </a:solidFill>
-            </a:endParaRPr>
-          </a:p>
-        </p:txBody>
-      </p:sp>
+            <p:ph sz="half" idx="1"/>
+          </p:nvPr>
+        </p:nvSpPr>
+        <p:spPr/>
+        <p:txBody>
+          <a:bodyPr/>
+          <a:lstStyle/>
+          <a:p>
+            <a:r>
+              <a:rPr lang="en-US" dirty="0"/>
+              <a:t>Played a major role in slowing the spread of COVID-19</a:t>
+            </a:r>
+          </a:p>
+          <a:p>
+            <a:r>
+              <a:rPr lang="en-US" dirty="0"/>
+              <a:t>Would have had a longer quarantine </a:t>
+            </a:r>
+          </a:p>
+          <a:p>
+            <a:r>
+              <a:rPr lang="en-US" dirty="0"/>
+              <a:t>More unnecessary deaths</a:t>
+            </a:r>
+          </a:p>
+          <a:p>
+            <a:r>
+              <a:rPr lang="en-US" dirty="0"/>
+              <a:t>Does allow an affordable option and a flexible schedule for those working while earning degree</a:t>
+            </a:r>
+          </a:p>
+        </p:txBody>
+      </p:sp>
+      <p:pic>
+        <p:nvPicPr>
+          <p:cNvPr id="9" name="Content Placeholder 8">
+            <a:extLst>
+              <a:ext uri="{FF2B5EF4-FFF2-40B4-BE49-F238E27FC236}">
+                <a16:creationId xmlns:a16="http://schemas.microsoft.com/office/drawing/2014/main" id="{60C96813-7B17-4C23-AEE4-BB4FEE0368DB}"/>
+              </a:ext>
+            </a:extLst>
+          </p:cNvPr>
+          <p:cNvPicPr>
+            <a:picLocks noGrp="1" noChangeAspect="1"/>
+          </p:cNvPicPr>
+          <p:nvPr>
+            <p:ph sz="half" idx="2"/>
+          </p:nvPr>
+        </p:nvPicPr>
+        <p:blipFill>
+          <a:blip r:embed="rId2">
+            <a:extLst>
+              <a:ext uri="{28A0092B-C50C-407E-A947-70E740481C1C}">
+                <a14:useLocalDpi xmlns:a14="http://schemas.microsoft.com/office/drawing/2010/main" val="0"/>
+              </a:ext>
+            </a:extLst>
+          </a:blip>
+          <a:stretch>
+            <a:fillRect/>
+          </a:stretch>
+        </p:blipFill>
+        <p:spPr>
+          <a:xfrm>
+            <a:off x="6126163" y="2509885"/>
+            <a:ext cx="4481512" cy="2989168"/>
+          </a:xfrm>
+        </p:spPr>
+      </p:pic>
     </p:spTree>
     <p:extLst>
       <p:ext uri="{BB962C8B-B14F-4D97-AF65-F5344CB8AC3E}">
@@ -4580,110 +5406,58 @@
 </file>
 
 <file path=ppt/theme/theme1.xml><?xml version="1.0" encoding="utf-8"?>
-<a:theme xmlns:a="http://schemas.openxmlformats.org/drawingml/2006/main" name="Office Theme">
+<a:theme xmlns:a="http://schemas.openxmlformats.org/drawingml/2006/main" name="View">
   <a:themeElements>
-    <a:clrScheme name="Office">
+    <a:clrScheme name="View">
       <a:dk1>
-        <a:sysClr val="windowText" lastClr="000000"/>
+        <a:srgbClr val="000000"/>
       </a:dk1>
       <a:lt1>
-        <a:sysClr val="window" lastClr="FFFFFF"/>
+        <a:srgbClr val="FFFFFF"/>
       </a:lt1>
       <a:dk2>
-        <a:srgbClr val="44546A"/>
+        <a:srgbClr val="46464A"/>
       </a:dk2>
       <a:lt2>
-        <a:srgbClr val="E7E6E6"/>
+        <a:srgbClr val="D6D3CC"/>
       </a:lt2>
       <a:accent1>
-        <a:srgbClr val="4472C4"/>
+        <a:srgbClr val="6F6F74"/>
       </a:accent1>
       <a:accent2>
-        <a:srgbClr val="ED7D31"/>
+        <a:srgbClr val="92A9B9"/>
       </a:accent2>
       <a:accent3>
-        <a:srgbClr val="A5A5A5"/>
+        <a:srgbClr val="A7B789"/>
       </a:accent3>
       <a:accent4>
-        <a:srgbClr val="FFC000"/>
+        <a:srgbClr val="B9A489"/>
       </a:accent4>
       <a:accent5>
-        <a:srgbClr val="5B9BD5"/>
+        <a:srgbClr val="8D6374"/>
       </a:accent5>
       <a:accent6>
-        <a:srgbClr val="70AD47"/>
+        <a:srgbClr val="9B7362"/>
       </a:accent6>
       <a:hlink>
-        <a:srgbClr val="0563C1"/>
+        <a:srgbClr val="67AABF"/>
       </a:hlink>
       <a:folHlink>
-        <a:srgbClr val="954F72"/>
+        <a:srgbClr val="ABAFA5"/>
       </a:folHlink>
     </a:clrScheme>
-    <a:fontScheme name="Office">
+    <a:fontScheme name="View">
       <a:majorFont>
-        <a:latin typeface="Calibri Light" panose="020F0302020204030204"/>
+        <a:latin typeface="Century Schoolbook" panose="02040604050505020304"/>
         <a:ea typeface=""/>
         <a:cs typeface=""/>
-        <a:font script="Jpan" typeface="游ゴシック Light"/>
+        <a:font script="Jpan" typeface="ＭＳ ゴシック"/>
         <a:font script="Hang" typeface="맑은 고딕"/>
-        <a:font script="Hans" typeface="等线 Light"/>
+        <a:font script="Hans" typeface="宋体"/>
         <a:font script="Hant" typeface="新細明體"/>
-        <a:font script="Arab" typeface="Times New Roman"/>
-        <a:font script="Hebr" typeface="Times New Roman"/>
-        <a:font script="Thai" typeface="Angsana New"/>
-        <a:font script="Ethi" typeface="Nyala"/>
-        <a:font script="Beng" typeface="Vrinda"/>
-        <a:font script="Gujr" typeface="Shruti"/>
-        <a:font script="Khmr" typeface="MoolBoran"/>
-        <a:font script="Knda" typeface="Tunga"/>
-        <a:font script="Guru" typeface="Raavi"/>
-        <a:font script="Cans" typeface="Euphemia"/>
-        <a:font script="Cher" typeface="Plantagenet Cherokee"/>
-        <a:font script="Yiii" typeface="Microsoft Yi Baiti"/>
-        <a:font script="Tibt" typeface="Microsoft Himalaya"/>
-        <a:font script="Thaa" typeface="MV Boli"/>
-        <a:font script="Deva" typeface="Mangal"/>
-        <a:font script="Telu" typeface="Gautami"/>
-        <a:font script="Taml" typeface="Latha"/>
-        <a:font script="Syrc" typeface="Estrangelo Edessa"/>
-        <a:font script="Orya" typeface="Kalinga"/>
-        <a:font script="Mlym" typeface="Kartika"/>
-        <a:font script="Laoo" typeface="DokChampa"/>
-        <a:font script="Sinh" typeface="Iskoola Pota"/>
-        <a:font script="Mong" typeface="Mongolian Baiti"/>
-        <a:font script="Viet" typeface="Times New Roman"/>
-        <a:font script="Uigh" typeface="Microsoft Uighur"/>
-        <a:font script="Geor" typeface="Sylfaen"/>
-        <a:font script="Armn" typeface="Arial"/>
-        <a:font script="Bugi" typeface="Leelawadee UI"/>
-        <a:font script="Bopo" typeface="Microsoft JhengHei"/>
-        <a:font script="Java" typeface="Javanese Text"/>
-        <a:font script="Lisu" typeface="Segoe UI"/>
-        <a:font script="Mymr" typeface="Myanmar Text"/>
-        <a:font script="Nkoo" typeface="Ebrima"/>
-        <a:font script="Olck" typeface="Nirmala UI"/>
-        <a:font script="Osma" typeface="Ebrima"/>
-        <a:font script="Phag" typeface="Phagspa"/>
-        <a:font script="Syrn" typeface="Estrangelo Edessa"/>
-        <a:font script="Syrj" typeface="Estrangelo Edessa"/>
-        <a:font script="Syre" typeface="Estrangelo Edessa"/>
-        <a:font script="Sora" typeface="Nirmala UI"/>
-        <a:font script="Tale" typeface="Microsoft Tai Le"/>
-        <a:font script="Talu" typeface="Microsoft New Tai Lue"/>
-        <a:font script="Tfng" typeface="Ebrima"/>
-      </a:majorFont>
-      <a:minorFont>
-        <a:latin typeface="Calibri" panose="020F0502020204030204"/>
-        <a:ea typeface=""/>
-        <a:cs typeface=""/>
-        <a:font script="Jpan" typeface="游ゴシック"/>
-        <a:font script="Hang" typeface="맑은 고딕"/>
-        <a:font script="Hans" typeface="等线"/>
-        <a:font script="Hant" typeface="新細明體"/>
-        <a:font script="Arab" typeface="Arial"/>
-        <a:font script="Hebr" typeface="Arial"/>
-        <a:font script="Thai" typeface="Cordia New"/>
+        <a:font script="Arab" typeface="Tahoma"/>
+        <a:font script="Hebr" typeface="Gisha"/>
+        <a:font script="Thai" typeface="DilleniaUPC"/>
         <a:font script="Ethi" typeface="Nyala"/>
         <a:font script="Beng" typeface="Vrinda"/>
         <a:font script="Gujr" typeface="Shruti"/>
@@ -4704,107 +5478,86 @@
         <a:font script="Laoo" typeface="DokChampa"/>
         <a:font script="Sinh" typeface="Iskoola Pota"/>
         <a:font script="Mong" typeface="Mongolian Baiti"/>
-        <a:font script="Viet" typeface="Arial"/>
+        <a:font script="Viet" typeface="Tahoma"/>
         <a:font script="Uigh" typeface="Microsoft Uighur"/>
         <a:font script="Geor" typeface="Sylfaen"/>
-        <a:font script="Armn" typeface="Arial"/>
-        <a:font script="Bugi" typeface="Leelawadee UI"/>
-        <a:font script="Bopo" typeface="Microsoft JhengHei"/>
-        <a:font script="Java" typeface="Javanese Text"/>
-        <a:font script="Lisu" typeface="Segoe UI"/>
-        <a:font script="Mymr" typeface="Myanmar Text"/>
-        <a:font script="Nkoo" typeface="Ebrima"/>
-        <a:font script="Olck" typeface="Nirmala UI"/>
-        <a:font script="Osma" typeface="Ebrima"/>
-        <a:font script="Phag" typeface="Phagspa"/>
-        <a:font script="Syrn" typeface="Estrangelo Edessa"/>
-        <a:font script="Syrj" typeface="Estrangelo Edessa"/>
-        <a:font script="Syre" typeface="Estrangelo Edessa"/>
-        <a:font script="Sora" typeface="Nirmala UI"/>
-        <a:font script="Tale" typeface="Microsoft Tai Le"/>
-        <a:font script="Talu" typeface="Microsoft New Tai Lue"/>
-        <a:font script="Tfng" typeface="Ebrima"/>
+      </a:majorFont>
+      <a:minorFont>
+        <a:latin typeface="Century Schoolbook" panose="02040604050505020304"/>
+        <a:ea typeface=""/>
+        <a:cs typeface=""/>
+        <a:font script="Jpan" typeface="ＭＳ ゴシック"/>
+        <a:font script="Hang" typeface="맑은 고딕"/>
+        <a:font script="Hans" typeface="宋体"/>
+        <a:font script="Hant" typeface="新細明體"/>
+        <a:font script="Arab" typeface="Tahoma"/>
+        <a:font script="Hebr" typeface="Gisha"/>
+        <a:font script="Thai" typeface="DilleniaUPC"/>
+        <a:font script="Ethi" typeface="Nyala"/>
+        <a:font script="Beng" typeface="Vrinda"/>
+        <a:font script="Gujr" typeface="Shruti"/>
+        <a:font script="Khmr" typeface="DaunPenh"/>
+        <a:font script="Knda" typeface="Tunga"/>
+        <a:font script="Guru" typeface="Raavi"/>
+        <a:font script="Cans" typeface="Euphemia"/>
+        <a:font script="Cher" typeface="Plantagenet Cherokee"/>
+        <a:font script="Yiii" typeface="Microsoft Yi Baiti"/>
+        <a:font script="Tibt" typeface="Microsoft Himalaya"/>
+        <a:font script="Thaa" typeface="MV Boli"/>
+        <a:font script="Deva" typeface="Mangal"/>
+        <a:font script="Telu" typeface="Gautami"/>
+        <a:font script="Taml" typeface="Latha"/>
+        <a:font script="Syrc" typeface="Estrangelo Edessa"/>
+        <a:font script="Orya" typeface="Kalinga"/>
+        <a:font script="Mlym" typeface="Kartika"/>
+        <a:font script="Laoo" typeface="DokChampa"/>
+        <a:font script="Sinh" typeface="Iskoola Pota"/>
+        <a:font script="Mong" typeface="Mongolian Baiti"/>
+        <a:font script="Viet" typeface="Verdana"/>
+        <a:font script="Uigh" typeface="Microsoft Uighur"/>
+        <a:font script="Geor" typeface="Sylfaen"/>
       </a:minorFont>
     </a:fontScheme>
-    <a:fmtScheme name="Office">
+    <a:fmtScheme name="View">
       <a:fillStyleLst>
         <a:solidFill>
           <a:schemeClr val="phClr"/>
         </a:solidFill>
-        <a:gradFill rotWithShape="1">
-          <a:gsLst>
-            <a:gs pos="0">
-              <a:schemeClr val="phClr">
-                <a:lumMod val="110000"/>
-                <a:satMod val="105000"/>
-                <a:tint val="67000"/>
-              </a:schemeClr>
-            </a:gs>
-            <a:gs pos="50000">
-              <a:schemeClr val="phClr">
-                <a:lumMod val="105000"/>
-                <a:satMod val="103000"/>
-                <a:tint val="73000"/>
-              </a:schemeClr>
-            </a:gs>
-            <a:gs pos="100000">
-              <a:schemeClr val="phClr">
-                <a:lumMod val="105000"/>
-                <a:satMod val="109000"/>
-                <a:tint val="81000"/>
-              </a:schemeClr>
-            </a:gs>
-          </a:gsLst>
-          <a:lin ang="5400000" scaled="0"/>
-        </a:gradFill>
-        <a:gradFill rotWithShape="1">
-          <a:gsLst>
-            <a:gs pos="0">
-              <a:schemeClr val="phClr">
-                <a:satMod val="103000"/>
-                <a:lumMod val="102000"/>
-                <a:tint val="94000"/>
-              </a:schemeClr>
-            </a:gs>
-            <a:gs pos="50000">
-              <a:schemeClr val="phClr">
-                <a:satMod val="110000"/>
-                <a:lumMod val="100000"/>
-                <a:shade val="100000"/>
-              </a:schemeClr>
-            </a:gs>
-            <a:gs pos="100000">
-              <a:schemeClr val="phClr">
-                <a:lumMod val="99000"/>
-                <a:satMod val="120000"/>
-                <a:shade val="78000"/>
-              </a:schemeClr>
-            </a:gs>
-          </a:gsLst>
-          <a:lin ang="5400000" scaled="0"/>
-        </a:gradFill>
+        <a:solidFill>
+          <a:schemeClr val="phClr">
+            <a:tint val="60000"/>
+            <a:satMod val="120000"/>
+          </a:schemeClr>
+        </a:solidFill>
+        <a:solidFill>
+          <a:schemeClr val="phClr">
+            <a:shade val="75000"/>
+            <a:satMod val="160000"/>
+          </a:schemeClr>
+        </a:solidFill>
       </a:fillStyleLst>
       <a:lnStyleLst>
-        <a:ln w="6350" cap="flat" cmpd="sng" algn="ctr">
+        <a:ln w="9525" cap="flat" cmpd="sng" algn="ctr">
           <a:solidFill>
             <a:schemeClr val="phClr"/>
           </a:solidFill>
           <a:prstDash val="solid"/>
-          <a:miter lim="800000"/>
         </a:ln>
-        <a:ln w="12700" cap="flat" cmpd="sng" algn="ctr">
+        <a:ln w="13970" cap="flat" cmpd="sng" algn="ctr">
           <a:solidFill>
             <a:schemeClr val="phClr"/>
           </a:solidFill>
           <a:prstDash val="solid"/>
-          <a:miter lim="800000"/>
         </a:ln>
-        <a:ln w="19050" cap="flat" cmpd="sng" algn="ctr">
+        <a:ln w="17145" cap="flat" cmpd="sng" algn="ctr">
           <a:solidFill>
-            <a:schemeClr val="phClr"/>
+            <a:schemeClr val="phClr">
+              <a:shade val="95000"/>
+              <a:alpha val="95000"/>
+              <a:satMod val="150000"/>
+            </a:schemeClr>
           </a:solidFill>
           <a:prstDash val="solid"/>
-          <a:miter lim="800000"/>
         </a:ln>
       </a:lnStyleLst>
       <a:effectStyleLst>
@@ -4812,16 +5565,52 @@
           <a:effectLst/>
         </a:effectStyle>
         <a:effectStyle>
-          <a:effectLst/>
+          <a:effectLst>
+            <a:outerShdw blurRad="50800" dist="15240" dir="5400000" algn="tl" rotWithShape="0">
+              <a:srgbClr val="000000">
+                <a:alpha val="75000"/>
+              </a:srgbClr>
+            </a:outerShdw>
+          </a:effectLst>
+          <a:scene3d>
+            <a:camera prst="orthographicFront">
+              <a:rot lat="0" lon="0" rev="0"/>
+            </a:camera>
+            <a:lightRig rig="brightRoom" dir="tl"/>
+          </a:scene3d>
+          <a:sp3d contourW="9525" prstMaterial="flat">
+            <a:bevelT w="0" h="0" prst="coolSlant"/>
+            <a:contourClr>
+              <a:schemeClr val="phClr">
+                <a:shade val="35000"/>
+                <a:satMod val="130000"/>
+              </a:schemeClr>
+            </a:contourClr>
+          </a:sp3d>
         </a:effectStyle>
         <a:effectStyle>
           <a:effectLst>
-            <a:outerShdw blurRad="57150" dist="19050" dir="5400000" algn="ctr" rotWithShape="0">
+            <a:outerShdw blurRad="76200" dist="25400" dir="5400000" algn="tl" rotWithShape="0">
               <a:srgbClr val="000000">
-                <a:alpha val="63000"/>
+                <a:alpha val="55000"/>
               </a:srgbClr>
             </a:outerShdw>
           </a:effectLst>
+          <a:scene3d>
+            <a:camera prst="orthographicFront">
+              <a:rot lat="0" lon="0" rev="0"/>
+            </a:camera>
+            <a:lightRig rig="brightRoom" dir="tl"/>
+          </a:scene3d>
+          <a:sp3d contourW="19050" prstMaterial="flat">
+            <a:bevelT w="0" h="0" prst="coolSlant"/>
+            <a:contourClr>
+              <a:schemeClr val="phClr">
+                <a:shade val="25000"/>
+                <a:satMod val="140000"/>
+              </a:schemeClr>
+            </a:contourClr>
+          </a:sp3d>
         </a:effectStyle>
       </a:effectStyleLst>
       <a:bgFillStyleLst>
@@ -4838,28 +5627,23 @@
           <a:gsLst>
             <a:gs pos="0">
               <a:schemeClr val="phClr">
-                <a:tint val="93000"/>
-                <a:satMod val="150000"/>
+                <a:tint val="94000"/>
                 <a:shade val="98000"/>
+                <a:satMod val="130000"/>
                 <a:lumMod val="102000"/>
-              </a:schemeClr>
-            </a:gs>
-            <a:gs pos="50000">
-              <a:schemeClr val="phClr">
-                <a:tint val="98000"/>
-                <a:satMod val="130000"/>
-                <a:shade val="90000"/>
-                <a:lumMod val="103000"/>
               </a:schemeClr>
             </a:gs>
             <a:gs pos="100000">
               <a:schemeClr val="phClr">
-                <a:shade val="63000"/>
-                <a:satMod val="120000"/>
+                <a:tint val="98000"/>
+                <a:shade val="78000"/>
+                <a:satMod val="140000"/>
               </a:schemeClr>
             </a:gs>
           </a:gsLst>
-          <a:lin ang="5400000" scaled="0"/>
+          <a:path path="circle">
+            <a:fillToRect l="100000" t="100000" r="100000" b="100000"/>
+          </a:path>
         </a:gradFill>
       </a:bgFillStyleLst>
     </a:fmtScheme>
@@ -4868,7 +5652,7 @@
   <a:extraClrSchemeLst/>
   <a:extLst>
     <a:ext uri="{05A4C25C-085E-4340-85A3-A5531E510DB2}">
-      <thm15:themeFamily xmlns:thm15="http://schemas.microsoft.com/office/thememl/2012/main" name="Office Theme" id="{62F939B6-93AF-4DB8-9C6B-D6C7DFDC589F}" vid="{4A3C46E8-61CC-4603-A589-7422A47A8E4A}"/>
+      <thm15:themeFamily xmlns:thm15="http://schemas.microsoft.com/office/thememl/2012/main" name="View" id="{BA0EB5A6-F2D4-4F82-977B-64ADEE4A2A69}" vid="{3969A8A2-35DB-4E3B-8885-16FD20568674}"/>
     </a:ext>
   </a:extLst>
 </a:theme>

--- a/Spring 2022/Comp II/Writing Project 3/Online Learning.pptx
+++ b/Spring 2022/Comp II/Writing Project 3/Online Learning.pptx
@@ -292,7 +292,7 @@
           <a:p>
             <a:fld id="{06E59AF1-6C9D-4363-8624-D795C4A4ED21}" type="datetimeFigureOut">
               <a:rPr lang="en-US" smtClean="0"/>
-              <a:t>5/1/2022</a:t>
+              <a:t>5/2/2022</a:t>
             </a:fld>
             <a:endParaRPr lang="en-US"/>
           </a:p>
@@ -520,7 +520,7 @@
           <a:p>
             <a:fld id="{06E59AF1-6C9D-4363-8624-D795C4A4ED21}" type="datetimeFigureOut">
               <a:rPr lang="en-US" smtClean="0"/>
-              <a:t>5/1/2022</a:t>
+              <a:t>5/2/2022</a:t>
             </a:fld>
             <a:endParaRPr lang="en-US"/>
           </a:p>
@@ -700,7 +700,7 @@
           <a:p>
             <a:fld id="{06E59AF1-6C9D-4363-8624-D795C4A4ED21}" type="datetimeFigureOut">
               <a:rPr lang="en-US" smtClean="0"/>
-              <a:t>5/1/2022</a:t>
+              <a:t>5/2/2022</a:t>
             </a:fld>
             <a:endParaRPr lang="en-US"/>
           </a:p>
@@ -870,7 +870,7 @@
           <a:p>
             <a:fld id="{06E59AF1-6C9D-4363-8624-D795C4A4ED21}" type="datetimeFigureOut">
               <a:rPr lang="en-US" smtClean="0"/>
-              <a:t>5/1/2022</a:t>
+              <a:t>5/2/2022</a:t>
             </a:fld>
             <a:endParaRPr lang="en-US"/>
           </a:p>
@@ -1124,7 +1124,7 @@
           <a:p>
             <a:fld id="{06E59AF1-6C9D-4363-8624-D795C4A4ED21}" type="datetimeFigureOut">
               <a:rPr lang="en-US" smtClean="0"/>
-              <a:t>5/1/2022</a:t>
+              <a:t>5/2/2022</a:t>
             </a:fld>
             <a:endParaRPr lang="en-US"/>
           </a:p>
@@ -1450,7 +1450,7 @@
           <a:p>
             <a:fld id="{06E59AF1-6C9D-4363-8624-D795C4A4ED21}" type="datetimeFigureOut">
               <a:rPr lang="en-US" smtClean="0"/>
-              <a:t>5/1/2022</a:t>
+              <a:t>5/2/2022</a:t>
             </a:fld>
             <a:endParaRPr lang="en-US"/>
           </a:p>
@@ -1901,7 +1901,7 @@
           <a:p>
             <a:fld id="{06E59AF1-6C9D-4363-8624-D795C4A4ED21}" type="datetimeFigureOut">
               <a:rPr lang="en-US" smtClean="0"/>
-              <a:t>5/1/2022</a:t>
+              <a:t>5/2/2022</a:t>
             </a:fld>
             <a:endParaRPr lang="en-US"/>
           </a:p>
@@ -2019,7 +2019,7 @@
           <a:p>
             <a:fld id="{06E59AF1-6C9D-4363-8624-D795C4A4ED21}" type="datetimeFigureOut">
               <a:rPr lang="en-US" smtClean="0"/>
-              <a:t>5/1/2022</a:t>
+              <a:t>5/2/2022</a:t>
             </a:fld>
             <a:endParaRPr lang="en-US"/>
           </a:p>
@@ -2114,7 +2114,7 @@
           <a:p>
             <a:fld id="{06E59AF1-6C9D-4363-8624-D795C4A4ED21}" type="datetimeFigureOut">
               <a:rPr lang="en-US" smtClean="0"/>
-              <a:t>5/1/2022</a:t>
+              <a:t>5/2/2022</a:t>
             </a:fld>
             <a:endParaRPr lang="en-US"/>
           </a:p>
@@ -2401,7 +2401,7 @@
           <a:p>
             <a:fld id="{06E59AF1-6C9D-4363-8624-D795C4A4ED21}" type="datetimeFigureOut">
               <a:rPr lang="en-US" smtClean="0"/>
-              <a:t>5/1/2022</a:t>
+              <a:t>5/2/2022</a:t>
             </a:fld>
             <a:endParaRPr lang="en-US"/>
           </a:p>
@@ -2723,7 +2723,7 @@
           <a:p>
             <a:fld id="{06E59AF1-6C9D-4363-8624-D795C4A4ED21}" type="datetimeFigureOut">
               <a:rPr lang="en-US" smtClean="0"/>
-              <a:t>5/1/2022</a:t>
+              <a:t>5/2/2022</a:t>
             </a:fld>
             <a:endParaRPr lang="en-US"/>
           </a:p>
@@ -2977,7 +2977,7 @@
           <a:p>
             <a:fld id="{06E59AF1-6C9D-4363-8624-D795C4A4ED21}" type="datetimeFigureOut">
               <a:rPr lang="en-US" smtClean="0"/>
-              <a:t>5/1/2022</a:t>
+              <a:t>5/2/2022</a:t>
             </a:fld>
             <a:endParaRPr lang="en-US"/>
           </a:p>
@@ -3933,13 +3933,22 @@
           </a:p>
           <a:p>
             <a:r>
+              <a:rPr lang="en-US" sz="1200" dirty="0">
+                <a:effectLst/>
+                <a:latin typeface="Times New Roman" panose="02020603050405020304" pitchFamily="18" charset="0"/>
+                <a:ea typeface="Times New Roman" panose="02020603050405020304" pitchFamily="18" charset="0"/>
+                <a:cs typeface="Times New Roman" panose="02020603050405020304" pitchFamily="18" charset="0"/>
+              </a:rPr>
+              <a:t>Đurić-Zdravković, A., </a:t>
+            </a:r>
+            <a:r>
               <a:rPr lang="en-US" sz="1200" dirty="0" err="1">
                 <a:effectLst/>
                 <a:latin typeface="Times New Roman" panose="02020603050405020304" pitchFamily="18" charset="0"/>
                 <a:ea typeface="Times New Roman" panose="02020603050405020304" pitchFamily="18" charset="0"/>
                 <a:cs typeface="Times New Roman" panose="02020603050405020304" pitchFamily="18" charset="0"/>
               </a:rPr>
-              <a:t>Đurić-Zdravković</a:t>
+              <a:t>Japundža-Milisavljević</a:t>
             </a:r>
             <a:r>
               <a:rPr lang="en-US" sz="1200" dirty="0">
@@ -3948,7 +3957,7 @@
                 <a:ea typeface="Times New Roman" panose="02020603050405020304" pitchFamily="18" charset="0"/>
                 <a:cs typeface="Times New Roman" panose="02020603050405020304" pitchFamily="18" charset="0"/>
               </a:rPr>
-              <a:t>, A., </a:t>
+              <a:t>, M., &amp; </a:t>
             </a:r>
             <a:r>
               <a:rPr lang="en-US" sz="1200" dirty="0" err="1">
@@ -3957,7 +3966,7 @@
                 <a:ea typeface="Times New Roman" panose="02020603050405020304" pitchFamily="18" charset="0"/>
                 <a:cs typeface="Times New Roman" panose="02020603050405020304" pitchFamily="18" charset="0"/>
               </a:rPr>
-              <a:t>Japundža-Milisavljević</a:t>
+              <a:t>Roknić</a:t>
             </a:r>
             <a:r>
               <a:rPr lang="en-US" sz="1200" dirty="0">
@@ -3966,7 +3975,99 @@
                 <a:ea typeface="Times New Roman" panose="02020603050405020304" pitchFamily="18" charset="0"/>
                 <a:cs typeface="Times New Roman" panose="02020603050405020304" pitchFamily="18" charset="0"/>
               </a:rPr>
-              <a:t>, M., &amp; </a:t>
+              <a:t>, A. (2021). Social competence and antisocial behavior in students with ADHD before beginning and after the end of online classes during COVID-19. </a:t>
+            </a:r>
+            <a:r>
+              <a:rPr lang="en-US" sz="1200" i="1" dirty="0">
+                <a:effectLst/>
+                <a:latin typeface="Times New Roman" panose="02020603050405020304" pitchFamily="18" charset="0"/>
+                <a:ea typeface="Times New Roman" panose="02020603050405020304" pitchFamily="18" charset="0"/>
+                <a:cs typeface="Times New Roman" panose="02020603050405020304" pitchFamily="18" charset="0"/>
+              </a:rPr>
+              <a:t>TEME: </a:t>
+            </a:r>
+            <a:r>
+              <a:rPr lang="en-US" sz="1200" i="1" dirty="0" err="1">
+                <a:effectLst/>
+                <a:latin typeface="Times New Roman" panose="02020603050405020304" pitchFamily="18" charset="0"/>
+                <a:ea typeface="Times New Roman" panose="02020603050405020304" pitchFamily="18" charset="0"/>
+                <a:cs typeface="Times New Roman" panose="02020603050405020304" pitchFamily="18" charset="0"/>
+              </a:rPr>
+              <a:t>Casopis</a:t>
+            </a:r>
+            <a:r>
+              <a:rPr lang="en-US" sz="1200" i="1" dirty="0">
+                <a:effectLst/>
+                <a:latin typeface="Times New Roman" panose="02020603050405020304" pitchFamily="18" charset="0"/>
+                <a:ea typeface="Times New Roman" panose="02020603050405020304" pitchFamily="18" charset="0"/>
+                <a:cs typeface="Times New Roman" panose="02020603050405020304" pitchFamily="18" charset="0"/>
+              </a:rPr>
+              <a:t> Za </a:t>
+            </a:r>
+            <a:r>
+              <a:rPr lang="en-US" sz="1200" i="1" dirty="0" err="1">
+                <a:effectLst/>
+                <a:latin typeface="Times New Roman" panose="02020603050405020304" pitchFamily="18" charset="0"/>
+                <a:ea typeface="Times New Roman" panose="02020603050405020304" pitchFamily="18" charset="0"/>
+                <a:cs typeface="Times New Roman" panose="02020603050405020304" pitchFamily="18" charset="0"/>
+              </a:rPr>
+              <a:t>Društvene</a:t>
+            </a:r>
+            <a:r>
+              <a:rPr lang="en-US" sz="1200" i="1" dirty="0">
+                <a:effectLst/>
+                <a:latin typeface="Times New Roman" panose="02020603050405020304" pitchFamily="18" charset="0"/>
+                <a:ea typeface="Times New Roman" panose="02020603050405020304" pitchFamily="18" charset="0"/>
+                <a:cs typeface="Times New Roman" panose="02020603050405020304" pitchFamily="18" charset="0"/>
+              </a:rPr>
+              <a:t> </a:t>
+            </a:r>
+            <a:r>
+              <a:rPr lang="en-US" sz="1200" i="1" dirty="0" err="1">
+                <a:effectLst/>
+                <a:latin typeface="Times New Roman" panose="02020603050405020304" pitchFamily="18" charset="0"/>
+                <a:ea typeface="Times New Roman" panose="02020603050405020304" pitchFamily="18" charset="0"/>
+                <a:cs typeface="Times New Roman" panose="02020603050405020304" pitchFamily="18" charset="0"/>
+              </a:rPr>
+              <a:t>Nauke</a:t>
+            </a:r>
+            <a:r>
+              <a:rPr lang="en-US" sz="1200" dirty="0">
+                <a:effectLst/>
+                <a:latin typeface="Times New Roman" panose="02020603050405020304" pitchFamily="18" charset="0"/>
+                <a:ea typeface="Times New Roman" panose="02020603050405020304" pitchFamily="18" charset="0"/>
+                <a:cs typeface="Times New Roman" panose="02020603050405020304" pitchFamily="18" charset="0"/>
+              </a:rPr>
+              <a:t>, </a:t>
+            </a:r>
+            <a:r>
+              <a:rPr lang="en-US" sz="1200" i="1" dirty="0">
+                <a:effectLst/>
+                <a:latin typeface="Times New Roman" panose="02020603050405020304" pitchFamily="18" charset="0"/>
+                <a:ea typeface="Times New Roman" panose="02020603050405020304" pitchFamily="18" charset="0"/>
+                <a:cs typeface="Times New Roman" panose="02020603050405020304" pitchFamily="18" charset="0"/>
+              </a:rPr>
+              <a:t>45</a:t>
+            </a:r>
+            <a:r>
+              <a:rPr lang="en-US" sz="1200" dirty="0">
+                <a:effectLst/>
+                <a:latin typeface="Times New Roman" panose="02020603050405020304" pitchFamily="18" charset="0"/>
+                <a:ea typeface="Times New Roman" panose="02020603050405020304" pitchFamily="18" charset="0"/>
+                <a:cs typeface="Times New Roman" panose="02020603050405020304" pitchFamily="18" charset="0"/>
+              </a:rPr>
+              <a:t>(4), 1229–1243. https://doi.org/10.22190/TEME210830073D</a:t>
+            </a:r>
+          </a:p>
+          <a:p>
+            <a:r>
+              <a:rPr lang="en-US" sz="1200" dirty="0">
+                <a:effectLst/>
+                <a:latin typeface="Times New Roman" panose="02020603050405020304" pitchFamily="18" charset="0"/>
+                <a:ea typeface="Times New Roman" panose="02020603050405020304" pitchFamily="18" charset="0"/>
+                <a:cs typeface="Times New Roman" panose="02020603050405020304" pitchFamily="18" charset="0"/>
+              </a:rPr>
+              <a:t>Jon-Chao Hong, </a:t>
             </a:r>
             <a:r>
               <a:rPr lang="en-US" sz="1200" dirty="0" err="1">
@@ -3975,7 +4076,7 @@
                 <a:ea typeface="Times New Roman" panose="02020603050405020304" pitchFamily="18" charset="0"/>
                 <a:cs typeface="Times New Roman" panose="02020603050405020304" pitchFamily="18" charset="0"/>
               </a:rPr>
-              <a:t>Roknić</a:t>
+              <a:t>Xiaohong</a:t>
             </a:r>
             <a:r>
               <a:rPr lang="en-US" sz="1200" dirty="0">
@@ -3984,7 +4085,25 @@
                 <a:ea typeface="Times New Roman" panose="02020603050405020304" pitchFamily="18" charset="0"/>
                 <a:cs typeface="Times New Roman" panose="02020603050405020304" pitchFamily="18" charset="0"/>
               </a:rPr>
-              <a:t>, A. (2021). Social competence and antisocial behavior in students with ADHD before beginning and after the end of online classes during COVID-19. </a:t>
+              <a:t> Liu, Wei Cao, Kai-</a:t>
+            </a:r>
+            <a:r>
+              <a:rPr lang="en-US" sz="1200" dirty="0" err="1">
+                <a:effectLst/>
+                <a:latin typeface="Times New Roman" panose="02020603050405020304" pitchFamily="18" charset="0"/>
+                <a:ea typeface="Times New Roman" panose="02020603050405020304" pitchFamily="18" charset="0"/>
+                <a:cs typeface="Times New Roman" panose="02020603050405020304" pitchFamily="18" charset="0"/>
+              </a:rPr>
+              <a:t>Hsin</a:t>
+            </a:r>
+            <a:r>
+              <a:rPr lang="en-US" sz="1200" dirty="0">
+                <a:effectLst/>
+                <a:latin typeface="Times New Roman" panose="02020603050405020304" pitchFamily="18" charset="0"/>
+                <a:ea typeface="Times New Roman" panose="02020603050405020304" pitchFamily="18" charset="0"/>
+                <a:cs typeface="Times New Roman" panose="02020603050405020304" pitchFamily="18" charset="0"/>
+              </a:rPr>
+              <a:t> Tai, &amp; Li Zhao. (2022). Effects of Self-Efficacy and Online Learning Mind States on Learning Ineffectiveness during the COVID-19 Lockdown. </a:t>
             </a:r>
             <a:r>
               <a:rPr lang="en-US" sz="1200" i="1" dirty="0">
@@ -3993,16 +4112,16 @@
                 <a:ea typeface="Times New Roman" panose="02020603050405020304" pitchFamily="18" charset="0"/>
                 <a:cs typeface="Times New Roman" panose="02020603050405020304" pitchFamily="18" charset="0"/>
               </a:rPr>
-              <a:t>TEME: </a:t>
-            </a:r>
-            <a:r>
-              <a:rPr lang="en-US" sz="1200" i="1" dirty="0" err="1">
+              <a:t>Journal of Educational Technology &amp; Society</a:t>
+            </a:r>
+            <a:r>
+              <a:rPr lang="en-US" sz="1200" dirty="0">
                 <a:effectLst/>
                 <a:latin typeface="Times New Roman" panose="02020603050405020304" pitchFamily="18" charset="0"/>
                 <a:ea typeface="Times New Roman" panose="02020603050405020304" pitchFamily="18" charset="0"/>
                 <a:cs typeface="Times New Roman" panose="02020603050405020304" pitchFamily="18" charset="0"/>
               </a:rPr>
-              <a:t>Casopis</a:t>
+              <a:t>, </a:t>
             </a:r>
             <a:r>
               <a:rPr lang="en-US" sz="1200" i="1" dirty="0">
@@ -4011,16 +4130,27 @@
                 <a:ea typeface="Times New Roman" panose="02020603050405020304" pitchFamily="18" charset="0"/>
                 <a:cs typeface="Times New Roman" panose="02020603050405020304" pitchFamily="18" charset="0"/>
               </a:rPr>
-              <a:t> Za </a:t>
-            </a:r>
-            <a:r>
-              <a:rPr lang="en-US" sz="1200" i="1" dirty="0" err="1">
+              <a:t>25</a:t>
+            </a:r>
+            <a:r>
+              <a:rPr lang="en-US" sz="1200" dirty="0">
                 <a:effectLst/>
                 <a:latin typeface="Times New Roman" panose="02020603050405020304" pitchFamily="18" charset="0"/>
                 <a:ea typeface="Times New Roman" panose="02020603050405020304" pitchFamily="18" charset="0"/>
                 <a:cs typeface="Times New Roman" panose="02020603050405020304" pitchFamily="18" charset="0"/>
               </a:rPr>
-              <a:t>Društvene</a:t>
+              <a:t>(1), 142–154.</a:t>
+            </a:r>
+          </a:p>
+          <a:p>
+            <a:r>
+              <a:rPr lang="en-US" sz="1200" dirty="0">
+                <a:effectLst/>
+                <a:latin typeface="Times New Roman" panose="02020603050405020304" pitchFamily="18" charset="0"/>
+                <a:ea typeface="Times New Roman" panose="02020603050405020304" pitchFamily="18" charset="0"/>
+                <a:cs typeface="Times New Roman" panose="02020603050405020304" pitchFamily="18" charset="0"/>
+              </a:rPr>
+              <a:t>Nadeau, K. G. (2006). </a:t>
             </a:r>
             <a:r>
               <a:rPr lang="en-US" sz="1200" i="1" dirty="0">
@@ -4029,16 +4159,25 @@
                 <a:ea typeface="Times New Roman" panose="02020603050405020304" pitchFamily="18" charset="0"/>
                 <a:cs typeface="Times New Roman" panose="02020603050405020304" pitchFamily="18" charset="0"/>
               </a:rPr>
-              <a:t> </a:t>
-            </a:r>
-            <a:r>
-              <a:rPr lang="en-US" sz="1200" i="1" dirty="0" err="1">
+              <a:t>Survival guide for college students with ADHD or Ld</a:t>
+            </a:r>
+            <a:r>
+              <a:rPr lang="en-US" sz="1200" dirty="0">
                 <a:effectLst/>
                 <a:latin typeface="Times New Roman" panose="02020603050405020304" pitchFamily="18" charset="0"/>
                 <a:ea typeface="Times New Roman" panose="02020603050405020304" pitchFamily="18" charset="0"/>
                 <a:cs typeface="Times New Roman" panose="02020603050405020304" pitchFamily="18" charset="0"/>
               </a:rPr>
-              <a:t>Nauke</a:t>
+              <a:t>. </a:t>
+            </a:r>
+            <a:r>
+              <a:rPr lang="en-US" sz="1200" dirty="0" err="1">
+                <a:effectLst/>
+                <a:latin typeface="Times New Roman" panose="02020603050405020304" pitchFamily="18" charset="0"/>
+                <a:ea typeface="Times New Roman" panose="02020603050405020304" pitchFamily="18" charset="0"/>
+                <a:cs typeface="Times New Roman" panose="02020603050405020304" pitchFamily="18" charset="0"/>
+              </a:rPr>
+              <a:t>Magination</a:t>
             </a:r>
             <a:r>
               <a:rPr lang="en-US" sz="1200" dirty="0">
@@ -4047,175 +4186,18 @@
                 <a:ea typeface="Times New Roman" panose="02020603050405020304" pitchFamily="18" charset="0"/>
                 <a:cs typeface="Times New Roman" panose="02020603050405020304" pitchFamily="18" charset="0"/>
               </a:rPr>
-              <a:t>, </a:t>
-            </a:r>
-            <a:r>
-              <a:rPr lang="en-US" sz="1200" i="1" dirty="0">
+              <a:t> Press.</a:t>
+            </a:r>
+          </a:p>
+          <a:p>
+            <a:r>
+              <a:rPr lang="en-US" sz="1200" dirty="0">
                 <a:effectLst/>
                 <a:latin typeface="Times New Roman" panose="02020603050405020304" pitchFamily="18" charset="0"/>
                 <a:ea typeface="Times New Roman" panose="02020603050405020304" pitchFamily="18" charset="0"/>
                 <a:cs typeface="Times New Roman" panose="02020603050405020304" pitchFamily="18" charset="0"/>
               </a:rPr>
-              <a:t>45</a:t>
-            </a:r>
-            <a:r>
-              <a:rPr lang="en-US" sz="1200" dirty="0">
-                <a:effectLst/>
-                <a:latin typeface="Times New Roman" panose="02020603050405020304" pitchFamily="18" charset="0"/>
-                <a:ea typeface="Times New Roman" panose="02020603050405020304" pitchFamily="18" charset="0"/>
-                <a:cs typeface="Times New Roman" panose="02020603050405020304" pitchFamily="18" charset="0"/>
-              </a:rPr>
-              <a:t>(4), 1229–1243. https://doi.org/10.22190/TEME210830073D</a:t>
-            </a:r>
-          </a:p>
-          <a:p>
-            <a:r>
-              <a:rPr lang="en-US" sz="1200" dirty="0">
-                <a:effectLst/>
-                <a:latin typeface="Times New Roman" panose="02020603050405020304" pitchFamily="18" charset="0"/>
-                <a:ea typeface="Times New Roman" panose="02020603050405020304" pitchFamily="18" charset="0"/>
-                <a:cs typeface="Times New Roman" panose="02020603050405020304" pitchFamily="18" charset="0"/>
-              </a:rPr>
-              <a:t>Jon-Chao Hong, </a:t>
-            </a:r>
-            <a:r>
-              <a:rPr lang="en-US" sz="1200" dirty="0" err="1">
-                <a:effectLst/>
-                <a:latin typeface="Times New Roman" panose="02020603050405020304" pitchFamily="18" charset="0"/>
-                <a:ea typeface="Times New Roman" panose="02020603050405020304" pitchFamily="18" charset="0"/>
-                <a:cs typeface="Times New Roman" panose="02020603050405020304" pitchFamily="18" charset="0"/>
-              </a:rPr>
-              <a:t>Xiaohong</a:t>
-            </a:r>
-            <a:r>
-              <a:rPr lang="en-US" sz="1200" dirty="0">
-                <a:effectLst/>
-                <a:latin typeface="Times New Roman" panose="02020603050405020304" pitchFamily="18" charset="0"/>
-                <a:ea typeface="Times New Roman" panose="02020603050405020304" pitchFamily="18" charset="0"/>
-                <a:cs typeface="Times New Roman" panose="02020603050405020304" pitchFamily="18" charset="0"/>
-              </a:rPr>
-              <a:t> Liu, Wei Cao, Kai-</a:t>
-            </a:r>
-            <a:r>
-              <a:rPr lang="en-US" sz="1200" dirty="0" err="1">
-                <a:effectLst/>
-                <a:latin typeface="Times New Roman" panose="02020603050405020304" pitchFamily="18" charset="0"/>
-                <a:ea typeface="Times New Roman" panose="02020603050405020304" pitchFamily="18" charset="0"/>
-                <a:cs typeface="Times New Roman" panose="02020603050405020304" pitchFamily="18" charset="0"/>
-              </a:rPr>
-              <a:t>Hsin</a:t>
-            </a:r>
-            <a:r>
-              <a:rPr lang="en-US" sz="1200" dirty="0">
-                <a:effectLst/>
-                <a:latin typeface="Times New Roman" panose="02020603050405020304" pitchFamily="18" charset="0"/>
-                <a:ea typeface="Times New Roman" panose="02020603050405020304" pitchFamily="18" charset="0"/>
-                <a:cs typeface="Times New Roman" panose="02020603050405020304" pitchFamily="18" charset="0"/>
-              </a:rPr>
-              <a:t> Tai, &amp; Li Zhao. (2022). Effects of Self-Efficacy and Online Learning Mind States on Learning Ineffectiveness during the COVID-19 Lockdown. </a:t>
-            </a:r>
-            <a:r>
-              <a:rPr lang="en-US" sz="1200" i="1" dirty="0">
-                <a:effectLst/>
-                <a:latin typeface="Times New Roman" panose="02020603050405020304" pitchFamily="18" charset="0"/>
-                <a:ea typeface="Times New Roman" panose="02020603050405020304" pitchFamily="18" charset="0"/>
-                <a:cs typeface="Times New Roman" panose="02020603050405020304" pitchFamily="18" charset="0"/>
-              </a:rPr>
-              <a:t>Journal of Educational Technology &amp; Society</a:t>
-            </a:r>
-            <a:r>
-              <a:rPr lang="en-US" sz="1200" dirty="0">
-                <a:effectLst/>
-                <a:latin typeface="Times New Roman" panose="02020603050405020304" pitchFamily="18" charset="0"/>
-                <a:ea typeface="Times New Roman" panose="02020603050405020304" pitchFamily="18" charset="0"/>
-                <a:cs typeface="Times New Roman" panose="02020603050405020304" pitchFamily="18" charset="0"/>
-              </a:rPr>
-              <a:t>, </a:t>
-            </a:r>
-            <a:r>
-              <a:rPr lang="en-US" sz="1200" i="1" dirty="0">
-                <a:effectLst/>
-                <a:latin typeface="Times New Roman" panose="02020603050405020304" pitchFamily="18" charset="0"/>
-                <a:ea typeface="Times New Roman" panose="02020603050405020304" pitchFamily="18" charset="0"/>
-                <a:cs typeface="Times New Roman" panose="02020603050405020304" pitchFamily="18" charset="0"/>
-              </a:rPr>
-              <a:t>25</a:t>
-            </a:r>
-            <a:r>
-              <a:rPr lang="en-US" sz="1200" dirty="0">
-                <a:effectLst/>
-                <a:latin typeface="Times New Roman" panose="02020603050405020304" pitchFamily="18" charset="0"/>
-                <a:ea typeface="Times New Roman" panose="02020603050405020304" pitchFamily="18" charset="0"/>
-                <a:cs typeface="Times New Roman" panose="02020603050405020304" pitchFamily="18" charset="0"/>
-              </a:rPr>
-              <a:t>(1), 142–154.</a:t>
-            </a:r>
-          </a:p>
-          <a:p>
-            <a:r>
-              <a:rPr lang="en-US" sz="1200" dirty="0">
-                <a:effectLst/>
-                <a:latin typeface="Times New Roman" panose="02020603050405020304" pitchFamily="18" charset="0"/>
-                <a:ea typeface="Times New Roman" panose="02020603050405020304" pitchFamily="18" charset="0"/>
-                <a:cs typeface="Times New Roman" panose="02020603050405020304" pitchFamily="18" charset="0"/>
-              </a:rPr>
-              <a:t>Nadeau, K. G. (2006). </a:t>
-            </a:r>
-            <a:r>
-              <a:rPr lang="en-US" sz="1200" i="1" dirty="0">
-                <a:effectLst/>
-                <a:latin typeface="Times New Roman" panose="02020603050405020304" pitchFamily="18" charset="0"/>
-                <a:ea typeface="Times New Roman" panose="02020603050405020304" pitchFamily="18" charset="0"/>
-                <a:cs typeface="Times New Roman" panose="02020603050405020304" pitchFamily="18" charset="0"/>
-              </a:rPr>
-              <a:t>Survival guide for college students with ADHD or Ld</a:t>
-            </a:r>
-            <a:r>
-              <a:rPr lang="en-US" sz="1200" dirty="0">
-                <a:effectLst/>
-                <a:latin typeface="Times New Roman" panose="02020603050405020304" pitchFamily="18" charset="0"/>
-                <a:ea typeface="Times New Roman" panose="02020603050405020304" pitchFamily="18" charset="0"/>
-                <a:cs typeface="Times New Roman" panose="02020603050405020304" pitchFamily="18" charset="0"/>
-              </a:rPr>
-              <a:t>. </a:t>
-            </a:r>
-            <a:r>
-              <a:rPr lang="en-US" sz="1200" dirty="0" err="1">
-                <a:effectLst/>
-                <a:latin typeface="Times New Roman" panose="02020603050405020304" pitchFamily="18" charset="0"/>
-                <a:ea typeface="Times New Roman" panose="02020603050405020304" pitchFamily="18" charset="0"/>
-                <a:cs typeface="Times New Roman" panose="02020603050405020304" pitchFamily="18" charset="0"/>
-              </a:rPr>
-              <a:t>Magination</a:t>
-            </a:r>
-            <a:r>
-              <a:rPr lang="en-US" sz="1200" dirty="0">
-                <a:effectLst/>
-                <a:latin typeface="Times New Roman" panose="02020603050405020304" pitchFamily="18" charset="0"/>
-                <a:ea typeface="Times New Roman" panose="02020603050405020304" pitchFamily="18" charset="0"/>
-                <a:cs typeface="Times New Roman" panose="02020603050405020304" pitchFamily="18" charset="0"/>
-              </a:rPr>
-              <a:t> Press.</a:t>
-            </a:r>
-          </a:p>
-          <a:p>
-            <a:r>
-              <a:rPr lang="en-US" sz="1200" dirty="0" err="1">
-                <a:effectLst/>
-                <a:latin typeface="Times New Roman" panose="02020603050405020304" pitchFamily="18" charset="0"/>
-                <a:ea typeface="Times New Roman" panose="02020603050405020304" pitchFamily="18" charset="0"/>
-                <a:cs typeface="Times New Roman" panose="02020603050405020304" pitchFamily="18" charset="0"/>
-              </a:rPr>
-              <a:t>Ramadhani</a:t>
-            </a:r>
-            <a:r>
-              <a:rPr lang="en-US" sz="1200" dirty="0">
-                <a:effectLst/>
-                <a:latin typeface="Times New Roman" panose="02020603050405020304" pitchFamily="18" charset="0"/>
-                <a:ea typeface="Times New Roman" panose="02020603050405020304" pitchFamily="18" charset="0"/>
-                <a:cs typeface="Times New Roman" panose="02020603050405020304" pitchFamily="18" charset="0"/>
-              </a:rPr>
-              <a:t>, R., </a:t>
+              <a:t>Ramadhani, R., </a:t>
             </a:r>
             <a:r>
               <a:rPr lang="en-US" sz="1200" dirty="0" err="1">
@@ -4978,12 +4960,19 @@
             <a:spLocks noGrp="1"/>
           </p:cNvSpPr>
           <p:nvPr>
-            <p:ph idx="1"/>
-          </p:nvPr>
-        </p:nvSpPr>
-        <p:spPr/>
-        <p:txBody>
-          <a:bodyPr/>
+            <p:ph sz="half" idx="1"/>
+          </p:nvPr>
+        </p:nvSpPr>
+        <p:spPr>
+          <a:xfrm>
+            <a:off x="1261872" y="1828800"/>
+            <a:ext cx="3859278" cy="4351337"/>
+          </a:xfrm>
+        </p:spPr>
+        <p:txBody>
+          <a:bodyPr>
+            <a:normAutofit lnSpcReduction="10000"/>
+          </a:bodyPr>
           <a:lstStyle/>
           <a:p>
             <a:r>
@@ -5007,6 +4996,76 @@
             <a:r>
               <a:rPr lang="en-US" dirty="0"/>
               <a:t>Provides less self-fulfillment in completing assignments to a student less comfortable with using the internet</a:t>
+            </a:r>
+          </a:p>
+        </p:txBody>
+      </p:sp>
+      <p:pic>
+        <p:nvPicPr>
+          <p:cNvPr id="6" name="Content Placeholder 5">
+            <a:extLst>
+              <a:ext uri="{FF2B5EF4-FFF2-40B4-BE49-F238E27FC236}">
+                <a16:creationId xmlns:a16="http://schemas.microsoft.com/office/drawing/2014/main" id="{88F1939B-2720-5850-D0C4-2FA4DE58F9EF}"/>
+              </a:ext>
+            </a:extLst>
+          </p:cNvPr>
+          <p:cNvPicPr>
+            <a:picLocks noGrp="1" noChangeAspect="1"/>
+          </p:cNvPicPr>
+          <p:nvPr>
+            <p:ph sz="half" idx="2"/>
+          </p:nvPr>
+        </p:nvPicPr>
+        <p:blipFill>
+          <a:blip r:embed="rId2">
+            <a:extLst>
+              <a:ext uri="{28A0092B-C50C-407E-A947-70E740481C1C}">
+                <a14:useLocalDpi xmlns:a14="http://schemas.microsoft.com/office/drawing/2010/main" val="0"/>
+              </a:ext>
+            </a:extLst>
+          </a:blip>
+          <a:stretch>
+            <a:fillRect/>
+          </a:stretch>
+        </p:blipFill>
+        <p:spPr>
+          <a:xfrm>
+            <a:off x="4956617" y="1828800"/>
+            <a:ext cx="5997895" cy="3765176"/>
+          </a:xfrm>
+        </p:spPr>
+      </p:pic>
+      <p:sp>
+        <p:nvSpPr>
+          <p:cNvPr id="7" name="TextBox 6">
+            <a:extLst>
+              <a:ext uri="{FF2B5EF4-FFF2-40B4-BE49-F238E27FC236}">
+                <a16:creationId xmlns:a16="http://schemas.microsoft.com/office/drawing/2014/main" id="{96EEE9C2-166B-4C91-7606-A4D524B5EA00}"/>
+              </a:ext>
+            </a:extLst>
+          </p:cNvPr>
+          <p:cNvSpPr txBox="1"/>
+          <p:nvPr/>
+        </p:nvSpPr>
+        <p:spPr>
+          <a:xfrm>
+            <a:off x="9710261" y="5117905"/>
+            <a:ext cx="1244251" cy="307777"/>
+          </a:xfrm>
+          <a:prstGeom prst="rect">
+            <a:avLst/>
+          </a:prstGeom>
+          <a:noFill/>
+        </p:spPr>
+        <p:txBody>
+          <a:bodyPr wrap="none" rtlCol="0">
+            <a:spAutoFit/>
+          </a:bodyPr>
+          <a:lstStyle/>
+          <a:p>
+            <a:r>
+              <a:rPr lang="en-US" sz="1400" dirty="0"/>
+              <a:t>(Hong, 2022)</a:t>
             </a:r>
           </a:p>
         </p:txBody>
@@ -5082,12 +5141,19 @@
             <a:spLocks noGrp="1"/>
           </p:cNvSpPr>
           <p:nvPr>
-            <p:ph idx="1"/>
-          </p:nvPr>
-        </p:nvSpPr>
-        <p:spPr/>
-        <p:txBody>
-          <a:bodyPr/>
+            <p:ph sz="half" idx="1"/>
+          </p:nvPr>
+        </p:nvSpPr>
+        <p:spPr>
+          <a:xfrm>
+            <a:off x="1262284" y="3859306"/>
+            <a:ext cx="9345168" cy="2751137"/>
+          </a:xfrm>
+        </p:spPr>
+        <p:txBody>
+          <a:bodyPr>
+            <a:normAutofit fontScale="92500"/>
+          </a:bodyPr>
           <a:lstStyle/>
           <a:p>
             <a:r>
@@ -5125,6 +5191,76 @@
             <a:r>
               <a:rPr lang="en-US" dirty="0"/>
               <a:t>, OrCAD, Excel, Wireshark, or any programming IDE</a:t>
+            </a:r>
+          </a:p>
+        </p:txBody>
+      </p:sp>
+      <p:pic>
+        <p:nvPicPr>
+          <p:cNvPr id="9" name="Content Placeholder 8">
+            <a:extLst>
+              <a:ext uri="{FF2B5EF4-FFF2-40B4-BE49-F238E27FC236}">
+                <a16:creationId xmlns:a16="http://schemas.microsoft.com/office/drawing/2014/main" id="{169DC4C8-ED7B-0EFC-EF8F-9307CAE18239}"/>
+              </a:ext>
+            </a:extLst>
+          </p:cNvPr>
+          <p:cNvPicPr>
+            <a:picLocks noGrp="1" noChangeAspect="1"/>
+          </p:cNvPicPr>
+          <p:nvPr>
+            <p:ph sz="half" idx="2"/>
+          </p:nvPr>
+        </p:nvPicPr>
+        <p:blipFill>
+          <a:blip r:embed="rId2">
+            <a:extLst>
+              <a:ext uri="{28A0092B-C50C-407E-A947-70E740481C1C}">
+                <a14:useLocalDpi xmlns:a14="http://schemas.microsoft.com/office/drawing/2010/main" val="0"/>
+              </a:ext>
+            </a:extLst>
+          </a:blip>
+          <a:stretch>
+            <a:fillRect/>
+          </a:stretch>
+        </p:blipFill>
+        <p:spPr>
+          <a:xfrm>
+            <a:off x="4078231" y="928958"/>
+            <a:ext cx="6876281" cy="2930348"/>
+          </a:xfrm>
+        </p:spPr>
+      </p:pic>
+      <p:sp>
+        <p:nvSpPr>
+          <p:cNvPr id="10" name="TextBox 9">
+            <a:extLst>
+              <a:ext uri="{FF2B5EF4-FFF2-40B4-BE49-F238E27FC236}">
+                <a16:creationId xmlns:a16="http://schemas.microsoft.com/office/drawing/2014/main" id="{954EEEE9-BA2C-1DDC-E4EC-9653D74A4793}"/>
+              </a:ext>
+            </a:extLst>
+          </p:cNvPr>
+          <p:cNvSpPr txBox="1"/>
+          <p:nvPr/>
+        </p:nvSpPr>
+        <p:spPr>
+          <a:xfrm>
+            <a:off x="9451004" y="3269930"/>
+            <a:ext cx="2312895" cy="307777"/>
+          </a:xfrm>
+          <a:prstGeom prst="rect">
+            <a:avLst/>
+          </a:prstGeom>
+          <a:noFill/>
+        </p:spPr>
+        <p:txBody>
+          <a:bodyPr wrap="square" rtlCol="0">
+            <a:spAutoFit/>
+          </a:bodyPr>
+          <a:lstStyle/>
+          <a:p>
+            <a:r>
+              <a:rPr lang="en-US" sz="1400" dirty="0"/>
+              <a:t>(Ramadhani, 2021)</a:t>
             </a:r>
           </a:p>
         </p:txBody>
@@ -5200,12 +5336,14 @@
             <a:spLocks noGrp="1"/>
           </p:cNvSpPr>
           <p:nvPr>
-            <p:ph idx="1"/>
-          </p:nvPr>
-        </p:nvSpPr>
-        <p:spPr/>
-        <p:txBody>
-          <a:bodyPr/>
+            <p:ph sz="half" idx="1"/>
+          </p:nvPr>
+        </p:nvSpPr>
+        <p:spPr/>
+        <p:txBody>
+          <a:bodyPr>
+            <a:normAutofit fontScale="92500" lnSpcReduction="10000"/>
+          </a:bodyPr>
           <a:lstStyle/>
           <a:p>
             <a:r>
@@ -5231,24 +5369,87 @@
               <a:t>Not being in a classroom with peers encourages antisocial behavior even after lessons were returned to the classroom (</a:t>
             </a:r>
             <a:r>
-              <a:rPr lang="en-US" sz="1800" dirty="0" err="1">
+              <a:rPr lang="en-US" sz="1800" dirty="0">
                 <a:effectLst/>
                 <a:ea typeface="Times New Roman" panose="02020603050405020304" pitchFamily="18" charset="0"/>
               </a:rPr>
-              <a:t>Đurić-Zdravković</a:t>
-            </a:r>
-            <a:r>
-              <a:rPr lang="en-US" sz="1800" dirty="0">
-                <a:effectLst/>
-                <a:ea typeface="Times New Roman" panose="02020603050405020304" pitchFamily="18" charset="0"/>
-              </a:rPr>
-              <a:t> et al., 2021)</a:t>
+              <a:t>Đurić-Zdravković et al., 2021)</a:t>
             </a:r>
           </a:p>
           <a:p>
             <a:r>
               <a:rPr lang="en-US" dirty="0"/>
               <a:t>Classroom setting is crucial for social development of neurodivergent students, especially when young</a:t>
+            </a:r>
+          </a:p>
+        </p:txBody>
+      </p:sp>
+      <p:pic>
+        <p:nvPicPr>
+          <p:cNvPr id="6" name="Content Placeholder 5">
+            <a:extLst>
+              <a:ext uri="{FF2B5EF4-FFF2-40B4-BE49-F238E27FC236}">
+                <a16:creationId xmlns:a16="http://schemas.microsoft.com/office/drawing/2014/main" id="{06D3C2CF-7142-6E02-F6A2-07903E9BB97A}"/>
+              </a:ext>
+            </a:extLst>
+          </p:cNvPr>
+          <p:cNvPicPr>
+            <a:picLocks noGrp="1" noChangeAspect="1"/>
+          </p:cNvPicPr>
+          <p:nvPr>
+            <p:ph sz="half" idx="2"/>
+          </p:nvPr>
+        </p:nvPicPr>
+        <p:blipFill>
+          <a:blip r:embed="rId2">
+            <a:extLst>
+              <a:ext uri="{28A0092B-C50C-407E-A947-70E740481C1C}">
+                <a14:useLocalDpi xmlns:a14="http://schemas.microsoft.com/office/drawing/2010/main" val="0"/>
+              </a:ext>
+            </a:extLst>
+          </a:blip>
+          <a:stretch>
+            <a:fillRect/>
+          </a:stretch>
+        </p:blipFill>
+        <p:spPr>
+          <a:xfrm>
+            <a:off x="5437632" y="2068865"/>
+            <a:ext cx="5768251" cy="4008132"/>
+          </a:xfrm>
+        </p:spPr>
+      </p:pic>
+      <p:sp>
+        <p:nvSpPr>
+          <p:cNvPr id="9" name="TextBox 8">
+            <a:extLst>
+              <a:ext uri="{FF2B5EF4-FFF2-40B4-BE49-F238E27FC236}">
+                <a16:creationId xmlns:a16="http://schemas.microsoft.com/office/drawing/2014/main" id="{BC8DEBFD-C9D3-B509-D2D6-BB45C13CC90A}"/>
+              </a:ext>
+            </a:extLst>
+          </p:cNvPr>
+          <p:cNvSpPr txBox="1"/>
+          <p:nvPr/>
+        </p:nvSpPr>
+        <p:spPr>
+          <a:xfrm>
+            <a:off x="8966167" y="6009285"/>
+            <a:ext cx="2239716" cy="307777"/>
+          </a:xfrm>
+          <a:prstGeom prst="rect">
+            <a:avLst/>
+          </a:prstGeom>
+          <a:noFill/>
+        </p:spPr>
+        <p:txBody>
+          <a:bodyPr wrap="none" rtlCol="0">
+            <a:spAutoFit/>
+          </a:bodyPr>
+          <a:lstStyle/>
+          <a:p>
+            <a:r>
+              <a:rPr lang="en-US" sz="1400" dirty="0"/>
+              <a:t>(Đurić-Zdravković, 2021)</a:t>
             </a:r>
           </a:p>
         </p:txBody>
@@ -5387,9 +5588,45 @@
         </p:blipFill>
         <p:spPr>
           <a:xfrm>
-            <a:off x="6126163" y="2509885"/>
-            <a:ext cx="4481512" cy="2989168"/>
+            <a:off x="6096000" y="1691322"/>
+            <a:ext cx="4411119" cy="2942216"/>
           </a:xfrm>
+        </p:spPr>
+      </p:pic>
+      <p:pic>
+        <p:nvPicPr>
+          <p:cNvPr id="4" name="Picture 3">
+            <a:extLst>
+              <a:ext uri="{FF2B5EF4-FFF2-40B4-BE49-F238E27FC236}">
+                <a16:creationId xmlns:a16="http://schemas.microsoft.com/office/drawing/2014/main" id="{35A2AA39-4FAA-FABA-FC15-51B9460D06EA}"/>
+              </a:ext>
+            </a:extLst>
+          </p:cNvPr>
+          <p:cNvPicPr>
+            <a:picLocks noChangeAspect="1"/>
+          </p:cNvPicPr>
+          <p:nvPr/>
+        </p:nvPicPr>
+        <p:blipFill>
+          <a:blip r:embed="rId3">
+            <a:extLst>
+              <a:ext uri="{28A0092B-C50C-407E-A947-70E740481C1C}">
+                <a14:useLocalDpi xmlns:a14="http://schemas.microsoft.com/office/drawing/2010/main" val="0"/>
+              </a:ext>
+            </a:extLst>
+          </a:blip>
+          <a:stretch>
+            <a:fillRect/>
+          </a:stretch>
+        </p:blipFill>
+        <p:spPr>
+          <a:xfrm>
+            <a:off x="6108192" y="4010986"/>
+            <a:ext cx="4411119" cy="2481254"/>
+          </a:xfrm>
+          <a:prstGeom prst="rect">
+            <a:avLst/>
+          </a:prstGeom>
         </p:spPr>
       </p:pic>
     </p:spTree>
